--- a/Girls Learning Code Ruby Slides (1).pptx
+++ b/Girls Learning Code Ruby Slides (1).pptx
@@ -127,7 +127,7 @@
     <p:sldId id="373" r:id="rId122"/>
   </p:sldIdLst>
   <p:sldSz cx="9144000" cy="5143500"/>
-  <p:notesSz cx="6858000" cy="9144000"/>
+  <p:notesSz cx="7772400" cy="10058400"/>
 </p:presentation>
 </file>
 
@@ -183,7 +183,7 @@
         <p:spPr>
           <a:xfrm>
             <a:off x="457200" y="434520"/>
-            <a:ext cx="8686440" cy="1141560"/>
+            <a:ext cx="8686080" cy="1141560"/>
           </a:xfrm>
           <a:prstGeom prst="rect">
             <a:avLst/>
@@ -192,6 +192,7 @@
         <p:txBody>
           <a:bodyPr lIns="0" rIns="0" tIns="0" bIns="0" anchor="ctr"/>
           <a:p>
+            <a:pPr algn="ctr"/>
             <a:endParaRPr/>
           </a:p>
         </p:txBody>
@@ -209,7 +210,7 @@
         <p:spPr>
           <a:xfrm>
             <a:off x="457200" y="1536840"/>
-            <a:ext cx="8229240" cy="1500480"/>
+            <a:ext cx="8228880" cy="1500480"/>
           </a:xfrm>
           <a:prstGeom prst="rect">
             <a:avLst/>
@@ -235,7 +236,7 @@
         <p:spPr>
           <a:xfrm>
             <a:off x="457200" y="3180240"/>
-            <a:ext cx="8229240" cy="1500480"/>
+            <a:ext cx="8228880" cy="1500480"/>
           </a:xfrm>
           <a:prstGeom prst="rect">
             <a:avLst/>
@@ -283,7 +284,7 @@
         <p:spPr>
           <a:xfrm>
             <a:off x="457200" y="434520"/>
-            <a:ext cx="8686440" cy="1141560"/>
+            <a:ext cx="8686080" cy="1141560"/>
           </a:xfrm>
           <a:prstGeom prst="rect">
             <a:avLst/>
@@ -292,6 +293,7 @@
         <p:txBody>
           <a:bodyPr lIns="0" rIns="0" tIns="0" bIns="0" anchor="ctr"/>
           <a:p>
+            <a:pPr algn="ctr"/>
             <a:endParaRPr/>
           </a:p>
         </p:txBody>
@@ -309,7 +311,7 @@
         <p:spPr>
           <a:xfrm>
             <a:off x="457200" y="1536840"/>
-            <a:ext cx="4015800" cy="1500480"/>
+            <a:ext cx="4015440" cy="1500480"/>
           </a:xfrm>
           <a:prstGeom prst="rect">
             <a:avLst/>
@@ -334,8 +336,8 @@
         </p:nvSpPr>
         <p:spPr>
           <a:xfrm>
-            <a:off x="4674240" y="1536840"/>
-            <a:ext cx="4015800" cy="1500480"/>
+            <a:off x="4673880" y="1536840"/>
+            <a:ext cx="4015440" cy="1500480"/>
           </a:xfrm>
           <a:prstGeom prst="rect">
             <a:avLst/>
@@ -360,8 +362,8 @@
         </p:nvSpPr>
         <p:spPr>
           <a:xfrm>
-            <a:off x="4674240" y="3180240"/>
-            <a:ext cx="4015800" cy="1500480"/>
+            <a:off x="4673880" y="3180240"/>
+            <a:ext cx="4015440" cy="1500480"/>
           </a:xfrm>
           <a:prstGeom prst="rect">
             <a:avLst/>
@@ -387,7 +389,7 @@
         <p:spPr>
           <a:xfrm>
             <a:off x="457200" y="3180240"/>
-            <a:ext cx="4015800" cy="1500480"/>
+            <a:ext cx="4015440" cy="1500480"/>
           </a:xfrm>
           <a:prstGeom prst="rect">
             <a:avLst/>
@@ -435,7 +437,7 @@
         <p:spPr>
           <a:xfrm>
             <a:off x="457200" y="434520"/>
-            <a:ext cx="8686440" cy="1141560"/>
+            <a:ext cx="8686080" cy="1141560"/>
           </a:xfrm>
           <a:prstGeom prst="rect">
             <a:avLst/>
@@ -444,6 +446,7 @@
         <p:txBody>
           <a:bodyPr lIns="0" rIns="0" tIns="0" bIns="0" anchor="ctr"/>
           <a:p>
+            <a:pPr algn="ctr"/>
             <a:endParaRPr/>
           </a:p>
         </p:txBody>
@@ -461,7 +464,7 @@
         <p:spPr>
           <a:xfrm>
             <a:off x="457200" y="1536840"/>
-            <a:ext cx="8229240" cy="3146040"/>
+            <a:ext cx="8228880" cy="3145680"/>
           </a:xfrm>
           <a:prstGeom prst="rect">
             <a:avLst/>
@@ -487,7 +490,7 @@
         <p:spPr>
           <a:xfrm>
             <a:off x="457200" y="1536840"/>
-            <a:ext cx="8229240" cy="3146040"/>
+            <a:ext cx="8228880" cy="3145680"/>
           </a:xfrm>
           <a:prstGeom prst="rect">
             <a:avLst/>
@@ -514,8 +517,8 @@
         </p:blipFill>
         <p:spPr>
           <a:xfrm>
-            <a:off x="2599920" y="1536480"/>
-            <a:ext cx="3943080" cy="3146040"/>
+            <a:off x="2600280" y="1536840"/>
+            <a:ext cx="3942360" cy="3145680"/>
           </a:xfrm>
           <a:prstGeom prst="rect">
             <a:avLst/>
@@ -539,8 +542,8 @@
         </p:blipFill>
         <p:spPr>
           <a:xfrm>
-            <a:off x="2599920" y="1536480"/>
-            <a:ext cx="3943080" cy="3146040"/>
+            <a:off x="2600280" y="1536840"/>
+            <a:ext cx="3942360" cy="3145680"/>
           </a:xfrm>
           <a:prstGeom prst="rect">
             <a:avLst/>
@@ -607,7 +610,7 @@
         <p:spPr>
           <a:xfrm>
             <a:off x="457200" y="434520"/>
-            <a:ext cx="8686440" cy="1141560"/>
+            <a:ext cx="8686080" cy="1141560"/>
           </a:xfrm>
           <a:prstGeom prst="rect">
             <a:avLst/>
@@ -616,6 +619,7 @@
         <p:txBody>
           <a:bodyPr lIns="0" rIns="0" tIns="0" bIns="0" anchor="ctr"/>
           <a:p>
+            <a:pPr algn="ctr"/>
             <a:endParaRPr/>
           </a:p>
         </p:txBody>
@@ -633,7 +637,7 @@
         <p:spPr>
           <a:xfrm>
             <a:off x="457200" y="1536840"/>
-            <a:ext cx="8229240" cy="3146400"/>
+            <a:ext cx="8228880" cy="3146040"/>
           </a:xfrm>
           <a:prstGeom prst="rect">
             <a:avLst/>
@@ -682,7 +686,7 @@
         <p:spPr>
           <a:xfrm>
             <a:off x="457200" y="434520"/>
-            <a:ext cx="8686440" cy="1141560"/>
+            <a:ext cx="8686080" cy="1141560"/>
           </a:xfrm>
           <a:prstGeom prst="rect">
             <a:avLst/>
@@ -691,6 +695,7 @@
         <p:txBody>
           <a:bodyPr lIns="0" rIns="0" tIns="0" bIns="0" anchor="ctr"/>
           <a:p>
+            <a:pPr algn="ctr"/>
             <a:endParaRPr/>
           </a:p>
         </p:txBody>
@@ -708,7 +713,7 @@
         <p:spPr>
           <a:xfrm>
             <a:off x="457200" y="1536840"/>
-            <a:ext cx="8229240" cy="3146040"/>
+            <a:ext cx="8228880" cy="3145680"/>
           </a:xfrm>
           <a:prstGeom prst="rect">
             <a:avLst/>
@@ -756,7 +761,7 @@
         <p:spPr>
           <a:xfrm>
             <a:off x="457200" y="434520"/>
-            <a:ext cx="8686440" cy="1141560"/>
+            <a:ext cx="8686080" cy="1141560"/>
           </a:xfrm>
           <a:prstGeom prst="rect">
             <a:avLst/>
@@ -765,6 +770,7 @@
         <p:txBody>
           <a:bodyPr lIns="0" rIns="0" tIns="0" bIns="0" anchor="ctr"/>
           <a:p>
+            <a:pPr algn="ctr"/>
             <a:endParaRPr/>
           </a:p>
         </p:txBody>
@@ -782,7 +788,7 @@
         <p:spPr>
           <a:xfrm>
             <a:off x="457200" y="1536840"/>
-            <a:ext cx="4015800" cy="3146040"/>
+            <a:ext cx="4015440" cy="3145680"/>
           </a:xfrm>
           <a:prstGeom prst="rect">
             <a:avLst/>
@@ -807,8 +813,8 @@
         </p:nvSpPr>
         <p:spPr>
           <a:xfrm>
-            <a:off x="4674240" y="1536840"/>
-            <a:ext cx="4015800" cy="3146040"/>
+            <a:off x="4673880" y="1536840"/>
+            <a:ext cx="4015440" cy="3145680"/>
           </a:xfrm>
           <a:prstGeom prst="rect">
             <a:avLst/>
@@ -856,7 +862,7 @@
         <p:spPr>
           <a:xfrm>
             <a:off x="457200" y="434520"/>
-            <a:ext cx="8686440" cy="1141560"/>
+            <a:ext cx="8686080" cy="1141560"/>
           </a:xfrm>
           <a:prstGeom prst="rect">
             <a:avLst/>
@@ -865,6 +871,7 @@
         <p:txBody>
           <a:bodyPr lIns="0" rIns="0" tIns="0" bIns="0" anchor="ctr"/>
           <a:p>
+            <a:pPr algn="ctr"/>
             <a:endParaRPr/>
           </a:p>
         </p:txBody>
@@ -904,7 +911,7 @@
         <p:spPr>
           <a:xfrm>
             <a:off x="457200" y="434520"/>
-            <a:ext cx="8686440" cy="5291640"/>
+            <a:ext cx="8686080" cy="5291640"/>
           </a:xfrm>
           <a:prstGeom prst="rect">
             <a:avLst/>
@@ -953,7 +960,7 @@
         <p:spPr>
           <a:xfrm>
             <a:off x="457200" y="434520"/>
-            <a:ext cx="8686440" cy="1141560"/>
+            <a:ext cx="8686080" cy="1141560"/>
           </a:xfrm>
           <a:prstGeom prst="rect">
             <a:avLst/>
@@ -962,6 +969,7 @@
         <p:txBody>
           <a:bodyPr lIns="0" rIns="0" tIns="0" bIns="0" anchor="ctr"/>
           <a:p>
+            <a:pPr algn="ctr"/>
             <a:endParaRPr/>
           </a:p>
         </p:txBody>
@@ -979,7 +987,7 @@
         <p:spPr>
           <a:xfrm>
             <a:off x="457200" y="1536840"/>
-            <a:ext cx="4015800" cy="1500480"/>
+            <a:ext cx="4015440" cy="1500480"/>
           </a:xfrm>
           <a:prstGeom prst="rect">
             <a:avLst/>
@@ -1005,7 +1013,7 @@
         <p:spPr>
           <a:xfrm>
             <a:off x="457200" y="3180240"/>
-            <a:ext cx="4015800" cy="1500480"/>
+            <a:ext cx="4015440" cy="1500480"/>
           </a:xfrm>
           <a:prstGeom prst="rect">
             <a:avLst/>
@@ -1030,8 +1038,8 @@
         </p:nvSpPr>
         <p:spPr>
           <a:xfrm>
-            <a:off x="4674240" y="1536840"/>
-            <a:ext cx="4015800" cy="3146040"/>
+            <a:off x="4673880" y="1536840"/>
+            <a:ext cx="4015440" cy="3145680"/>
           </a:xfrm>
           <a:prstGeom prst="rect">
             <a:avLst/>
@@ -1079,7 +1087,7 @@
         <p:spPr>
           <a:xfrm>
             <a:off x="457200" y="434520"/>
-            <a:ext cx="8686440" cy="1141560"/>
+            <a:ext cx="8686080" cy="1141560"/>
           </a:xfrm>
           <a:prstGeom prst="rect">
             <a:avLst/>
@@ -1088,6 +1096,7 @@
         <p:txBody>
           <a:bodyPr lIns="0" rIns="0" tIns="0" bIns="0" anchor="ctr"/>
           <a:p>
+            <a:pPr algn="ctr"/>
             <a:endParaRPr/>
           </a:p>
         </p:txBody>
@@ -1105,7 +1114,7 @@
         <p:spPr>
           <a:xfrm>
             <a:off x="457200" y="1536840"/>
-            <a:ext cx="8229240" cy="3146400"/>
+            <a:ext cx="8228880" cy="3146040"/>
           </a:xfrm>
           <a:prstGeom prst="rect">
             <a:avLst/>
@@ -1154,7 +1163,7 @@
         <p:spPr>
           <a:xfrm>
             <a:off x="457200" y="434520"/>
-            <a:ext cx="8686440" cy="1141560"/>
+            <a:ext cx="8686080" cy="1141560"/>
           </a:xfrm>
           <a:prstGeom prst="rect">
             <a:avLst/>
@@ -1163,6 +1172,7 @@
         <p:txBody>
           <a:bodyPr lIns="0" rIns="0" tIns="0" bIns="0" anchor="ctr"/>
           <a:p>
+            <a:pPr algn="ctr"/>
             <a:endParaRPr/>
           </a:p>
         </p:txBody>
@@ -1180,7 +1190,7 @@
         <p:spPr>
           <a:xfrm>
             <a:off x="457200" y="1536840"/>
-            <a:ext cx="4015800" cy="3146040"/>
+            <a:ext cx="4015440" cy="3145680"/>
           </a:xfrm>
           <a:prstGeom prst="rect">
             <a:avLst/>
@@ -1205,8 +1215,8 @@
         </p:nvSpPr>
         <p:spPr>
           <a:xfrm>
-            <a:off x="4674240" y="1536840"/>
-            <a:ext cx="4015800" cy="1500480"/>
+            <a:off x="4673880" y="1536840"/>
+            <a:ext cx="4015440" cy="1500480"/>
           </a:xfrm>
           <a:prstGeom prst="rect">
             <a:avLst/>
@@ -1231,8 +1241,8 @@
         </p:nvSpPr>
         <p:spPr>
           <a:xfrm>
-            <a:off x="4674240" y="3180240"/>
-            <a:ext cx="4015800" cy="1500480"/>
+            <a:off x="4673880" y="3180240"/>
+            <a:ext cx="4015440" cy="1500480"/>
           </a:xfrm>
           <a:prstGeom prst="rect">
             <a:avLst/>
@@ -1280,7 +1290,7 @@
         <p:spPr>
           <a:xfrm>
             <a:off x="457200" y="434520"/>
-            <a:ext cx="8686440" cy="1141560"/>
+            <a:ext cx="8686080" cy="1141560"/>
           </a:xfrm>
           <a:prstGeom prst="rect">
             <a:avLst/>
@@ -1289,6 +1299,7 @@
         <p:txBody>
           <a:bodyPr lIns="0" rIns="0" tIns="0" bIns="0" anchor="ctr"/>
           <a:p>
+            <a:pPr algn="ctr"/>
             <a:endParaRPr/>
           </a:p>
         </p:txBody>
@@ -1306,7 +1317,7 @@
         <p:spPr>
           <a:xfrm>
             <a:off x="457200" y="1536840"/>
-            <a:ext cx="4015800" cy="1500480"/>
+            <a:ext cx="4015440" cy="1500480"/>
           </a:xfrm>
           <a:prstGeom prst="rect">
             <a:avLst/>
@@ -1331,8 +1342,8 @@
         </p:nvSpPr>
         <p:spPr>
           <a:xfrm>
-            <a:off x="4674240" y="1536840"/>
-            <a:ext cx="4015800" cy="1500480"/>
+            <a:off x="4673880" y="1536840"/>
+            <a:ext cx="4015440" cy="1500480"/>
           </a:xfrm>
           <a:prstGeom prst="rect">
             <a:avLst/>
@@ -1358,7 +1369,7 @@
         <p:spPr>
           <a:xfrm>
             <a:off x="457200" y="3180240"/>
-            <a:ext cx="8229240" cy="1500480"/>
+            <a:ext cx="8228880" cy="1500480"/>
           </a:xfrm>
           <a:prstGeom prst="rect">
             <a:avLst/>
@@ -1406,7 +1417,7 @@
         <p:spPr>
           <a:xfrm>
             <a:off x="457200" y="434520"/>
-            <a:ext cx="8686440" cy="1141560"/>
+            <a:ext cx="8686080" cy="1141560"/>
           </a:xfrm>
           <a:prstGeom prst="rect">
             <a:avLst/>
@@ -1415,6 +1426,7 @@
         <p:txBody>
           <a:bodyPr lIns="0" rIns="0" tIns="0" bIns="0" anchor="ctr"/>
           <a:p>
+            <a:pPr algn="ctr"/>
             <a:endParaRPr/>
           </a:p>
         </p:txBody>
@@ -1432,7 +1444,7 @@
         <p:spPr>
           <a:xfrm>
             <a:off x="457200" y="1536840"/>
-            <a:ext cx="8229240" cy="1500480"/>
+            <a:ext cx="8228880" cy="1500480"/>
           </a:xfrm>
           <a:prstGeom prst="rect">
             <a:avLst/>
@@ -1458,7 +1470,7 @@
         <p:spPr>
           <a:xfrm>
             <a:off x="457200" y="3180240"/>
-            <a:ext cx="8229240" cy="1500480"/>
+            <a:ext cx="8228880" cy="1500480"/>
           </a:xfrm>
           <a:prstGeom prst="rect">
             <a:avLst/>
@@ -1506,7 +1518,7 @@
         <p:spPr>
           <a:xfrm>
             <a:off x="457200" y="434520"/>
-            <a:ext cx="8686440" cy="1141560"/>
+            <a:ext cx="8686080" cy="1141560"/>
           </a:xfrm>
           <a:prstGeom prst="rect">
             <a:avLst/>
@@ -1515,6 +1527,7 @@
         <p:txBody>
           <a:bodyPr lIns="0" rIns="0" tIns="0" bIns="0" anchor="ctr"/>
           <a:p>
+            <a:pPr algn="ctr"/>
             <a:endParaRPr/>
           </a:p>
         </p:txBody>
@@ -1532,7 +1545,7 @@
         <p:spPr>
           <a:xfrm>
             <a:off x="457200" y="1536840"/>
-            <a:ext cx="4015800" cy="1500480"/>
+            <a:ext cx="4015440" cy="1500480"/>
           </a:xfrm>
           <a:prstGeom prst="rect">
             <a:avLst/>
@@ -1557,8 +1570,8 @@
         </p:nvSpPr>
         <p:spPr>
           <a:xfrm>
-            <a:off x="4674240" y="1536840"/>
-            <a:ext cx="4015800" cy="1500480"/>
+            <a:off x="4673880" y="1536840"/>
+            <a:ext cx="4015440" cy="1500480"/>
           </a:xfrm>
           <a:prstGeom prst="rect">
             <a:avLst/>
@@ -1583,8 +1596,8 @@
         </p:nvSpPr>
         <p:spPr>
           <a:xfrm>
-            <a:off x="4674240" y="3180240"/>
-            <a:ext cx="4015800" cy="1500480"/>
+            <a:off x="4673880" y="3180240"/>
+            <a:ext cx="4015440" cy="1500480"/>
           </a:xfrm>
           <a:prstGeom prst="rect">
             <a:avLst/>
@@ -1610,7 +1623,7 @@
         <p:spPr>
           <a:xfrm>
             <a:off x="457200" y="3180240"/>
-            <a:ext cx="4015800" cy="1500480"/>
+            <a:ext cx="4015440" cy="1500480"/>
           </a:xfrm>
           <a:prstGeom prst="rect">
             <a:avLst/>
@@ -1658,7 +1671,7 @@
         <p:spPr>
           <a:xfrm>
             <a:off x="457200" y="434520"/>
-            <a:ext cx="8686440" cy="1141560"/>
+            <a:ext cx="8686080" cy="1141560"/>
           </a:xfrm>
           <a:prstGeom prst="rect">
             <a:avLst/>
@@ -1667,6 +1680,7 @@
         <p:txBody>
           <a:bodyPr lIns="0" rIns="0" tIns="0" bIns="0" anchor="ctr"/>
           <a:p>
+            <a:pPr algn="ctr"/>
             <a:endParaRPr/>
           </a:p>
         </p:txBody>
@@ -1684,7 +1698,7 @@
         <p:spPr>
           <a:xfrm>
             <a:off x="457200" y="1536840"/>
-            <a:ext cx="8229240" cy="3146040"/>
+            <a:ext cx="8228880" cy="3145680"/>
           </a:xfrm>
           <a:prstGeom prst="rect">
             <a:avLst/>
@@ -1710,7 +1724,7 @@
         <p:spPr>
           <a:xfrm>
             <a:off x="457200" y="1536840"/>
-            <a:ext cx="8229240" cy="3146040"/>
+            <a:ext cx="8228880" cy="3145680"/>
           </a:xfrm>
           <a:prstGeom prst="rect">
             <a:avLst/>
@@ -1737,8 +1751,8 @@
         </p:blipFill>
         <p:spPr>
           <a:xfrm>
-            <a:off x="2599920" y="1536480"/>
-            <a:ext cx="3943080" cy="3146040"/>
+            <a:off x="2600280" y="1536840"/>
+            <a:ext cx="3942360" cy="3145680"/>
           </a:xfrm>
           <a:prstGeom prst="rect">
             <a:avLst/>
@@ -1762,8 +1776,8 @@
         </p:blipFill>
         <p:spPr>
           <a:xfrm>
-            <a:off x="2599920" y="1536480"/>
-            <a:ext cx="3943080" cy="3146040"/>
+            <a:off x="2600280" y="1536840"/>
+            <a:ext cx="3942360" cy="3145680"/>
           </a:xfrm>
           <a:prstGeom prst="rect">
             <a:avLst/>
@@ -1830,7 +1844,7 @@
         <p:spPr>
           <a:xfrm>
             <a:off x="457200" y="434520"/>
-            <a:ext cx="8686440" cy="1141560"/>
+            <a:ext cx="8686080" cy="1141560"/>
           </a:xfrm>
           <a:prstGeom prst="rect">
             <a:avLst/>
@@ -1839,6 +1853,7 @@
         <p:txBody>
           <a:bodyPr lIns="0" rIns="0" tIns="0" bIns="0" anchor="ctr"/>
           <a:p>
+            <a:pPr algn="ctr"/>
             <a:endParaRPr/>
           </a:p>
         </p:txBody>
@@ -1856,7 +1871,7 @@
         <p:spPr>
           <a:xfrm>
             <a:off x="457200" y="1536840"/>
-            <a:ext cx="8229240" cy="3146400"/>
+            <a:ext cx="8228880" cy="3146040"/>
           </a:xfrm>
           <a:prstGeom prst="rect">
             <a:avLst/>
@@ -1905,7 +1920,7 @@
         <p:spPr>
           <a:xfrm>
             <a:off x="457200" y="434520"/>
-            <a:ext cx="8686440" cy="1141560"/>
+            <a:ext cx="8686080" cy="1141560"/>
           </a:xfrm>
           <a:prstGeom prst="rect">
             <a:avLst/>
@@ -1914,6 +1929,7 @@
         <p:txBody>
           <a:bodyPr lIns="0" rIns="0" tIns="0" bIns="0" anchor="ctr"/>
           <a:p>
+            <a:pPr algn="ctr"/>
             <a:endParaRPr/>
           </a:p>
         </p:txBody>
@@ -1931,7 +1947,7 @@
         <p:spPr>
           <a:xfrm>
             <a:off x="457200" y="1536840"/>
-            <a:ext cx="8229240" cy="3146040"/>
+            <a:ext cx="8228880" cy="3145680"/>
           </a:xfrm>
           <a:prstGeom prst="rect">
             <a:avLst/>
@@ -1979,7 +1995,7 @@
         <p:spPr>
           <a:xfrm>
             <a:off x="457200" y="434520"/>
-            <a:ext cx="8686440" cy="1141560"/>
+            <a:ext cx="8686080" cy="1141560"/>
           </a:xfrm>
           <a:prstGeom prst="rect">
             <a:avLst/>
@@ -1988,6 +2004,7 @@
         <p:txBody>
           <a:bodyPr lIns="0" rIns="0" tIns="0" bIns="0" anchor="ctr"/>
           <a:p>
+            <a:pPr algn="ctr"/>
             <a:endParaRPr/>
           </a:p>
         </p:txBody>
@@ -2005,7 +2022,7 @@
         <p:spPr>
           <a:xfrm>
             <a:off x="457200" y="1536840"/>
-            <a:ext cx="4015800" cy="3146040"/>
+            <a:ext cx="4015440" cy="3145680"/>
           </a:xfrm>
           <a:prstGeom prst="rect">
             <a:avLst/>
@@ -2030,8 +2047,8 @@
         </p:nvSpPr>
         <p:spPr>
           <a:xfrm>
-            <a:off x="4674240" y="1536840"/>
-            <a:ext cx="4015800" cy="3146040"/>
+            <a:off x="4673880" y="1536840"/>
+            <a:ext cx="4015440" cy="3145680"/>
           </a:xfrm>
           <a:prstGeom prst="rect">
             <a:avLst/>
@@ -2079,7 +2096,7 @@
         <p:spPr>
           <a:xfrm>
             <a:off x="457200" y="434520"/>
-            <a:ext cx="8686440" cy="1141560"/>
+            <a:ext cx="8686080" cy="1141560"/>
           </a:xfrm>
           <a:prstGeom prst="rect">
             <a:avLst/>
@@ -2088,6 +2105,7 @@
         <p:txBody>
           <a:bodyPr lIns="0" rIns="0" tIns="0" bIns="0" anchor="ctr"/>
           <a:p>
+            <a:pPr algn="ctr"/>
             <a:endParaRPr/>
           </a:p>
         </p:txBody>
@@ -2127,7 +2145,7 @@
         <p:spPr>
           <a:xfrm>
             <a:off x="457200" y="434520"/>
-            <a:ext cx="8686440" cy="1141560"/>
+            <a:ext cx="8686080" cy="1141560"/>
           </a:xfrm>
           <a:prstGeom prst="rect">
             <a:avLst/>
@@ -2136,6 +2154,7 @@
         <p:txBody>
           <a:bodyPr lIns="0" rIns="0" tIns="0" bIns="0" anchor="ctr"/>
           <a:p>
+            <a:pPr algn="ctr"/>
             <a:endParaRPr/>
           </a:p>
         </p:txBody>
@@ -2153,7 +2172,7 @@
         <p:spPr>
           <a:xfrm>
             <a:off x="457200" y="1536840"/>
-            <a:ext cx="8229240" cy="3146040"/>
+            <a:ext cx="8228880" cy="3145680"/>
           </a:xfrm>
           <a:prstGeom prst="rect">
             <a:avLst/>
@@ -2201,7 +2220,7 @@
         <p:spPr>
           <a:xfrm>
             <a:off x="457200" y="434520"/>
-            <a:ext cx="8686440" cy="5291640"/>
+            <a:ext cx="8686080" cy="5291640"/>
           </a:xfrm>
           <a:prstGeom prst="rect">
             <a:avLst/>
@@ -2250,7 +2269,7 @@
         <p:spPr>
           <a:xfrm>
             <a:off x="457200" y="434520"/>
-            <a:ext cx="8686440" cy="1141560"/>
+            <a:ext cx="8686080" cy="1141560"/>
           </a:xfrm>
           <a:prstGeom prst="rect">
             <a:avLst/>
@@ -2259,6 +2278,7 @@
         <p:txBody>
           <a:bodyPr lIns="0" rIns="0" tIns="0" bIns="0" anchor="ctr"/>
           <a:p>
+            <a:pPr algn="ctr"/>
             <a:endParaRPr/>
           </a:p>
         </p:txBody>
@@ -2276,7 +2296,7 @@
         <p:spPr>
           <a:xfrm>
             <a:off x="457200" y="1536840"/>
-            <a:ext cx="4015800" cy="1500480"/>
+            <a:ext cx="4015440" cy="1500480"/>
           </a:xfrm>
           <a:prstGeom prst="rect">
             <a:avLst/>
@@ -2302,7 +2322,7 @@
         <p:spPr>
           <a:xfrm>
             <a:off x="457200" y="3180240"/>
-            <a:ext cx="4015800" cy="1500480"/>
+            <a:ext cx="4015440" cy="1500480"/>
           </a:xfrm>
           <a:prstGeom prst="rect">
             <a:avLst/>
@@ -2327,8 +2347,8 @@
         </p:nvSpPr>
         <p:spPr>
           <a:xfrm>
-            <a:off x="4674240" y="1536840"/>
-            <a:ext cx="4015800" cy="3146040"/>
+            <a:off x="4673880" y="1536840"/>
+            <a:ext cx="4015440" cy="3145680"/>
           </a:xfrm>
           <a:prstGeom prst="rect">
             <a:avLst/>
@@ -2376,7 +2396,7 @@
         <p:spPr>
           <a:xfrm>
             <a:off x="457200" y="434520"/>
-            <a:ext cx="8686440" cy="1141560"/>
+            <a:ext cx="8686080" cy="1141560"/>
           </a:xfrm>
           <a:prstGeom prst="rect">
             <a:avLst/>
@@ -2385,6 +2405,7 @@
         <p:txBody>
           <a:bodyPr lIns="0" rIns="0" tIns="0" bIns="0" anchor="ctr"/>
           <a:p>
+            <a:pPr algn="ctr"/>
             <a:endParaRPr/>
           </a:p>
         </p:txBody>
@@ -2402,7 +2423,7 @@
         <p:spPr>
           <a:xfrm>
             <a:off x="457200" y="1536840"/>
-            <a:ext cx="4015800" cy="3146040"/>
+            <a:ext cx="4015440" cy="3145680"/>
           </a:xfrm>
           <a:prstGeom prst="rect">
             <a:avLst/>
@@ -2427,8 +2448,8 @@
         </p:nvSpPr>
         <p:spPr>
           <a:xfrm>
-            <a:off x="4674240" y="1536840"/>
-            <a:ext cx="4015800" cy="1500480"/>
+            <a:off x="4673880" y="1536840"/>
+            <a:ext cx="4015440" cy="1500480"/>
           </a:xfrm>
           <a:prstGeom prst="rect">
             <a:avLst/>
@@ -2453,8 +2474,8 @@
         </p:nvSpPr>
         <p:spPr>
           <a:xfrm>
-            <a:off x="4674240" y="3180240"/>
-            <a:ext cx="4015800" cy="1500480"/>
+            <a:off x="4673880" y="3180240"/>
+            <a:ext cx="4015440" cy="1500480"/>
           </a:xfrm>
           <a:prstGeom prst="rect">
             <a:avLst/>
@@ -2502,7 +2523,7 @@
         <p:spPr>
           <a:xfrm>
             <a:off x="457200" y="434520"/>
-            <a:ext cx="8686440" cy="1141560"/>
+            <a:ext cx="8686080" cy="1141560"/>
           </a:xfrm>
           <a:prstGeom prst="rect">
             <a:avLst/>
@@ -2511,6 +2532,7 @@
         <p:txBody>
           <a:bodyPr lIns="0" rIns="0" tIns="0" bIns="0" anchor="ctr"/>
           <a:p>
+            <a:pPr algn="ctr"/>
             <a:endParaRPr/>
           </a:p>
         </p:txBody>
@@ -2528,7 +2550,7 @@
         <p:spPr>
           <a:xfrm>
             <a:off x="457200" y="1536840"/>
-            <a:ext cx="4015800" cy="1500480"/>
+            <a:ext cx="4015440" cy="1500480"/>
           </a:xfrm>
           <a:prstGeom prst="rect">
             <a:avLst/>
@@ -2553,8 +2575,8 @@
         </p:nvSpPr>
         <p:spPr>
           <a:xfrm>
-            <a:off x="4674240" y="1536840"/>
-            <a:ext cx="4015800" cy="1500480"/>
+            <a:off x="4673880" y="1536840"/>
+            <a:ext cx="4015440" cy="1500480"/>
           </a:xfrm>
           <a:prstGeom prst="rect">
             <a:avLst/>
@@ -2580,7 +2602,7 @@
         <p:spPr>
           <a:xfrm>
             <a:off x="457200" y="3180240"/>
-            <a:ext cx="8229240" cy="1500480"/>
+            <a:ext cx="8228880" cy="1500480"/>
           </a:xfrm>
           <a:prstGeom prst="rect">
             <a:avLst/>
@@ -2628,7 +2650,7 @@
         <p:spPr>
           <a:xfrm>
             <a:off x="457200" y="434520"/>
-            <a:ext cx="8686440" cy="1141560"/>
+            <a:ext cx="8686080" cy="1141560"/>
           </a:xfrm>
           <a:prstGeom prst="rect">
             <a:avLst/>
@@ -2637,6 +2659,7 @@
         <p:txBody>
           <a:bodyPr lIns="0" rIns="0" tIns="0" bIns="0" anchor="ctr"/>
           <a:p>
+            <a:pPr algn="ctr"/>
             <a:endParaRPr/>
           </a:p>
         </p:txBody>
@@ -2654,7 +2677,7 @@
         <p:spPr>
           <a:xfrm>
             <a:off x="457200" y="1536840"/>
-            <a:ext cx="8229240" cy="1500480"/>
+            <a:ext cx="8228880" cy="1500480"/>
           </a:xfrm>
           <a:prstGeom prst="rect">
             <a:avLst/>
@@ -2680,7 +2703,7 @@
         <p:spPr>
           <a:xfrm>
             <a:off x="457200" y="3180240"/>
-            <a:ext cx="8229240" cy="1500480"/>
+            <a:ext cx="8228880" cy="1500480"/>
           </a:xfrm>
           <a:prstGeom prst="rect">
             <a:avLst/>
@@ -2728,7 +2751,7 @@
         <p:spPr>
           <a:xfrm>
             <a:off x="457200" y="434520"/>
-            <a:ext cx="8686440" cy="1141560"/>
+            <a:ext cx="8686080" cy="1141560"/>
           </a:xfrm>
           <a:prstGeom prst="rect">
             <a:avLst/>
@@ -2737,6 +2760,7 @@
         <p:txBody>
           <a:bodyPr lIns="0" rIns="0" tIns="0" bIns="0" anchor="ctr"/>
           <a:p>
+            <a:pPr algn="ctr"/>
             <a:endParaRPr/>
           </a:p>
         </p:txBody>
@@ -2754,7 +2778,7 @@
         <p:spPr>
           <a:xfrm>
             <a:off x="457200" y="1536840"/>
-            <a:ext cx="4015800" cy="1500480"/>
+            <a:ext cx="4015440" cy="1500480"/>
           </a:xfrm>
           <a:prstGeom prst="rect">
             <a:avLst/>
@@ -2779,8 +2803,8 @@
         </p:nvSpPr>
         <p:spPr>
           <a:xfrm>
-            <a:off x="4674240" y="1536840"/>
-            <a:ext cx="4015800" cy="1500480"/>
+            <a:off x="4673880" y="1536840"/>
+            <a:ext cx="4015440" cy="1500480"/>
           </a:xfrm>
           <a:prstGeom prst="rect">
             <a:avLst/>
@@ -2805,8 +2829,8 @@
         </p:nvSpPr>
         <p:spPr>
           <a:xfrm>
-            <a:off x="4674240" y="3180240"/>
-            <a:ext cx="4015800" cy="1500480"/>
+            <a:off x="4673880" y="3180240"/>
+            <a:ext cx="4015440" cy="1500480"/>
           </a:xfrm>
           <a:prstGeom prst="rect">
             <a:avLst/>
@@ -2832,7 +2856,7 @@
         <p:spPr>
           <a:xfrm>
             <a:off x="457200" y="3180240"/>
-            <a:ext cx="4015800" cy="1500480"/>
+            <a:ext cx="4015440" cy="1500480"/>
           </a:xfrm>
           <a:prstGeom prst="rect">
             <a:avLst/>
@@ -2880,7 +2904,7 @@
         <p:spPr>
           <a:xfrm>
             <a:off x="457200" y="434520"/>
-            <a:ext cx="8686440" cy="1141560"/>
+            <a:ext cx="8686080" cy="1141560"/>
           </a:xfrm>
           <a:prstGeom prst="rect">
             <a:avLst/>
@@ -2889,6 +2913,7 @@
         <p:txBody>
           <a:bodyPr lIns="0" rIns="0" tIns="0" bIns="0" anchor="ctr"/>
           <a:p>
+            <a:pPr algn="ctr"/>
             <a:endParaRPr/>
           </a:p>
         </p:txBody>
@@ -2906,7 +2931,7 @@
         <p:spPr>
           <a:xfrm>
             <a:off x="457200" y="1536840"/>
-            <a:ext cx="8229240" cy="3146040"/>
+            <a:ext cx="8228880" cy="3145680"/>
           </a:xfrm>
           <a:prstGeom prst="rect">
             <a:avLst/>
@@ -2932,7 +2957,7 @@
         <p:spPr>
           <a:xfrm>
             <a:off x="457200" y="1536840"/>
-            <a:ext cx="8229240" cy="3146040"/>
+            <a:ext cx="8228880" cy="3145680"/>
           </a:xfrm>
           <a:prstGeom prst="rect">
             <a:avLst/>
@@ -2959,8 +2984,8 @@
         </p:blipFill>
         <p:spPr>
           <a:xfrm>
-            <a:off x="2599920" y="1536480"/>
-            <a:ext cx="3943080" cy="3146040"/>
+            <a:off x="2600280" y="1536840"/>
+            <a:ext cx="3942360" cy="3145680"/>
           </a:xfrm>
           <a:prstGeom prst="rect">
             <a:avLst/>
@@ -2984,8 +3009,8 @@
         </p:blipFill>
         <p:spPr>
           <a:xfrm>
-            <a:off x="2599920" y="1536480"/>
-            <a:ext cx="3943080" cy="3146040"/>
+            <a:off x="2600280" y="1536840"/>
+            <a:ext cx="3942360" cy="3145680"/>
           </a:xfrm>
           <a:prstGeom prst="rect">
             <a:avLst/>
@@ -3030,7 +3055,7 @@
         <p:spPr>
           <a:xfrm>
             <a:off x="457200" y="434520"/>
-            <a:ext cx="8686440" cy="1141560"/>
+            <a:ext cx="8686080" cy="1141560"/>
           </a:xfrm>
           <a:prstGeom prst="rect">
             <a:avLst/>
@@ -3039,6 +3064,7 @@
         <p:txBody>
           <a:bodyPr lIns="0" rIns="0" tIns="0" bIns="0" anchor="ctr"/>
           <a:p>
+            <a:pPr algn="ctr"/>
             <a:endParaRPr/>
           </a:p>
         </p:txBody>
@@ -3056,7 +3082,7 @@
         <p:spPr>
           <a:xfrm>
             <a:off x="457200" y="1536840"/>
-            <a:ext cx="4015800" cy="3146040"/>
+            <a:ext cx="4015440" cy="3145680"/>
           </a:xfrm>
           <a:prstGeom prst="rect">
             <a:avLst/>
@@ -3081,8 +3107,8 @@
         </p:nvSpPr>
         <p:spPr>
           <a:xfrm>
-            <a:off x="4674240" y="1536840"/>
-            <a:ext cx="4015800" cy="3146040"/>
+            <a:off x="4673880" y="1536840"/>
+            <a:ext cx="4015440" cy="3145680"/>
           </a:xfrm>
           <a:prstGeom prst="rect">
             <a:avLst/>
@@ -3130,7 +3156,7 @@
         <p:spPr>
           <a:xfrm>
             <a:off x="457200" y="434520"/>
-            <a:ext cx="8686440" cy="1141560"/>
+            <a:ext cx="8686080" cy="1141560"/>
           </a:xfrm>
           <a:prstGeom prst="rect">
             <a:avLst/>
@@ -3139,6 +3165,7 @@
         <p:txBody>
           <a:bodyPr lIns="0" rIns="0" tIns="0" bIns="0" anchor="ctr"/>
           <a:p>
+            <a:pPr algn="ctr"/>
             <a:endParaRPr/>
           </a:p>
         </p:txBody>
@@ -3178,7 +3205,7 @@
         <p:spPr>
           <a:xfrm>
             <a:off x="457200" y="434520"/>
-            <a:ext cx="8686440" cy="5291640"/>
+            <a:ext cx="8686080" cy="5291640"/>
           </a:xfrm>
           <a:prstGeom prst="rect">
             <a:avLst/>
@@ -3227,7 +3254,7 @@
         <p:spPr>
           <a:xfrm>
             <a:off x="457200" y="434520"/>
-            <a:ext cx="8686440" cy="1141560"/>
+            <a:ext cx="8686080" cy="1141560"/>
           </a:xfrm>
           <a:prstGeom prst="rect">
             <a:avLst/>
@@ -3236,6 +3263,7 @@
         <p:txBody>
           <a:bodyPr lIns="0" rIns="0" tIns="0" bIns="0" anchor="ctr"/>
           <a:p>
+            <a:pPr algn="ctr"/>
             <a:endParaRPr/>
           </a:p>
         </p:txBody>
@@ -3253,7 +3281,7 @@
         <p:spPr>
           <a:xfrm>
             <a:off x="457200" y="1536840"/>
-            <a:ext cx="4015800" cy="1500480"/>
+            <a:ext cx="4015440" cy="1500480"/>
           </a:xfrm>
           <a:prstGeom prst="rect">
             <a:avLst/>
@@ -3279,7 +3307,7 @@
         <p:spPr>
           <a:xfrm>
             <a:off x="457200" y="3180240"/>
-            <a:ext cx="4015800" cy="1500480"/>
+            <a:ext cx="4015440" cy="1500480"/>
           </a:xfrm>
           <a:prstGeom prst="rect">
             <a:avLst/>
@@ -3304,8 +3332,8 @@
         </p:nvSpPr>
         <p:spPr>
           <a:xfrm>
-            <a:off x="4674240" y="1536840"/>
-            <a:ext cx="4015800" cy="3146040"/>
+            <a:off x="4673880" y="1536840"/>
+            <a:ext cx="4015440" cy="3145680"/>
           </a:xfrm>
           <a:prstGeom prst="rect">
             <a:avLst/>
@@ -3353,7 +3381,7 @@
         <p:spPr>
           <a:xfrm>
             <a:off x="457200" y="434520"/>
-            <a:ext cx="8686440" cy="1141560"/>
+            <a:ext cx="8686080" cy="1141560"/>
           </a:xfrm>
           <a:prstGeom prst="rect">
             <a:avLst/>
@@ -3362,6 +3390,7 @@
         <p:txBody>
           <a:bodyPr lIns="0" rIns="0" tIns="0" bIns="0" anchor="ctr"/>
           <a:p>
+            <a:pPr algn="ctr"/>
             <a:endParaRPr/>
           </a:p>
         </p:txBody>
@@ -3379,7 +3408,7 @@
         <p:spPr>
           <a:xfrm>
             <a:off x="457200" y="1536840"/>
-            <a:ext cx="4015800" cy="3146040"/>
+            <a:ext cx="4015440" cy="3145680"/>
           </a:xfrm>
           <a:prstGeom prst="rect">
             <a:avLst/>
@@ -3404,8 +3433,8 @@
         </p:nvSpPr>
         <p:spPr>
           <a:xfrm>
-            <a:off x="4674240" y="1536840"/>
-            <a:ext cx="4015800" cy="1500480"/>
+            <a:off x="4673880" y="1536840"/>
+            <a:ext cx="4015440" cy="1500480"/>
           </a:xfrm>
           <a:prstGeom prst="rect">
             <a:avLst/>
@@ -3430,8 +3459,8 @@
         </p:nvSpPr>
         <p:spPr>
           <a:xfrm>
-            <a:off x="4674240" y="3180240"/>
-            <a:ext cx="4015800" cy="1500480"/>
+            <a:off x="4673880" y="3180240"/>
+            <a:ext cx="4015440" cy="1500480"/>
           </a:xfrm>
           <a:prstGeom prst="rect">
             <a:avLst/>
@@ -3479,7 +3508,7 @@
         <p:spPr>
           <a:xfrm>
             <a:off x="457200" y="434520"/>
-            <a:ext cx="8686440" cy="1141560"/>
+            <a:ext cx="8686080" cy="1141560"/>
           </a:xfrm>
           <a:prstGeom prst="rect">
             <a:avLst/>
@@ -3488,6 +3517,7 @@
         <p:txBody>
           <a:bodyPr lIns="0" rIns="0" tIns="0" bIns="0" anchor="ctr"/>
           <a:p>
+            <a:pPr algn="ctr"/>
             <a:endParaRPr/>
           </a:p>
         </p:txBody>
@@ -3505,7 +3535,7 @@
         <p:spPr>
           <a:xfrm>
             <a:off x="457200" y="1536840"/>
-            <a:ext cx="4015800" cy="1500480"/>
+            <a:ext cx="4015440" cy="1500480"/>
           </a:xfrm>
           <a:prstGeom prst="rect">
             <a:avLst/>
@@ -3530,8 +3560,8 @@
         </p:nvSpPr>
         <p:spPr>
           <a:xfrm>
-            <a:off x="4674240" y="1536840"/>
-            <a:ext cx="4015800" cy="1500480"/>
+            <a:off x="4673880" y="1536840"/>
+            <a:ext cx="4015440" cy="1500480"/>
           </a:xfrm>
           <a:prstGeom prst="rect">
             <a:avLst/>
@@ -3557,7 +3587,7 @@
         <p:spPr>
           <a:xfrm>
             <a:off x="457200" y="3180240"/>
-            <a:ext cx="8229240" cy="1500480"/>
+            <a:ext cx="8228880" cy="1500480"/>
           </a:xfrm>
           <a:prstGeom prst="rect">
             <a:avLst/>
@@ -3608,7 +3638,7 @@
         <p:spPr>
           <a:xfrm>
             <a:off x="0" y="0"/>
-            <a:ext cx="9143640" cy="3418920"/>
+            <a:ext cx="9143280" cy="3418560"/>
           </a:xfrm>
           <a:prstGeom prst="rect">
             <a:avLst/>
@@ -3621,130 +3651,9 @@
           </a:ln>
         </p:spPr>
       </p:sp>
-      <p:sp>
-        <p:nvSpPr>
-          <p:cNvPr id="1" name="PlaceHolder 2"/>
-          <p:cNvSpPr>
-            <a:spLocks noGrp="1"/>
-          </p:cNvSpPr>
-          <p:nvPr>
-            <p:ph type="body"/>
-          </p:nvPr>
-        </p:nvSpPr>
-        <p:spPr>
-          <a:xfrm>
-            <a:off x="0" y="1915200"/>
-            <a:ext cx="9143640" cy="1357200"/>
-          </a:xfrm>
-          <a:prstGeom prst="rect">
-            <a:avLst/>
-          </a:prstGeom>
-        </p:spPr>
-        <p:txBody>
-          <a:bodyPr tIns="91440" bIns="91440" anchor="ctr"/>
-          <a:p>
-            <a:pPr>
-              <a:buSzPct val="45000"/>
-              <a:buFont typeface="StarSymbol"/>
-              <a:buChar char=""/>
-            </a:pPr>
-            <a:r>
-              <a:rPr lang="en-CA" sz="5000">
-                <a:latin typeface="Arial"/>
-              </a:rPr>
-              <a:t>Click to edit the outline text format</a:t>
-            </a:r>
-            <a:endParaRPr/>
-          </a:p>
-          <a:p>
-            <a:pPr lvl="1">
-              <a:buSzPct val="75000"/>
-              <a:buFont typeface="StarSymbol"/>
-              <a:buChar char=""/>
-            </a:pPr>
-            <a:r>
-              <a:rPr lang="en-CA" sz="5000">
-                <a:latin typeface="Arial"/>
-              </a:rPr>
-              <a:t>Second Outline Level</a:t>
-            </a:r>
-            <a:endParaRPr/>
-          </a:p>
-          <a:p>
-            <a:pPr lvl="2">
-              <a:buSzPct val="45000"/>
-              <a:buFont typeface="StarSymbol"/>
-              <a:buChar char=""/>
-            </a:pPr>
-            <a:r>
-              <a:rPr lang="en-CA" sz="5000">
-                <a:latin typeface="Arial"/>
-              </a:rPr>
-              <a:t>Third Outline Level</a:t>
-            </a:r>
-            <a:endParaRPr/>
-          </a:p>
-          <a:p>
-            <a:pPr lvl="3">
-              <a:buSzPct val="75000"/>
-              <a:buFont typeface="StarSymbol"/>
-              <a:buChar char=""/>
-            </a:pPr>
-            <a:r>
-              <a:rPr lang="en-CA" sz="5000">
-                <a:latin typeface="Arial"/>
-              </a:rPr>
-              <a:t>Fourth Outline Level</a:t>
-            </a:r>
-            <a:endParaRPr/>
-          </a:p>
-          <a:p>
-            <a:pPr lvl="4">
-              <a:buSzPct val="45000"/>
-              <a:buFont typeface="StarSymbol"/>
-              <a:buChar char=""/>
-            </a:pPr>
-            <a:r>
-              <a:rPr lang="en-CA" sz="5000">
-                <a:latin typeface="Arial"/>
-              </a:rPr>
-              <a:t>Fifth Outline Level</a:t>
-            </a:r>
-            <a:endParaRPr/>
-          </a:p>
-          <a:p>
-            <a:pPr lvl="5">
-              <a:buSzPct val="45000"/>
-              <a:buFont typeface="StarSymbol"/>
-              <a:buChar char=""/>
-            </a:pPr>
-            <a:r>
-              <a:rPr lang="en-CA" sz="5000">
-                <a:latin typeface="Arial"/>
-              </a:rPr>
-              <a:t>Sixth Outline Level</a:t>
-            </a:r>
-            <a:endParaRPr/>
-          </a:p>
-          <a:p>
-            <a:pPr lvl="6">
-              <a:buSzPct val="45000"/>
-              <a:buFont typeface="StarSymbol"/>
-              <a:buChar char=""/>
-            </a:pPr>
-            <a:r>
-              <a:rPr lang="en-CA" sz="5000">
-                <a:latin typeface="Arial"/>
-              </a:rPr>
-              <a:t>Seventh Outline Level</a:t>
-            </a:r>
-            <a:endParaRPr/>
-          </a:p>
-        </p:txBody>
-      </p:sp>
       <p:pic>
         <p:nvPicPr>
-          <p:cNvPr id="2" name="Shape 28" descr=""/>
+          <p:cNvPr id="1" name="Shape 28" descr=""/>
           <p:cNvPicPr/>
           <p:nvPr/>
         </p:nvPicPr>
@@ -3757,7 +3666,7 @@
         <p:spPr>
           <a:xfrm>
             <a:off x="0" y="0"/>
-            <a:ext cx="9143640" cy="875880"/>
+            <a:ext cx="9143280" cy="875520"/>
           </a:xfrm>
           <a:prstGeom prst="rect">
             <a:avLst/>
@@ -3769,14 +3678,14 @@
       </p:pic>
       <p:sp>
         <p:nvSpPr>
-          <p:cNvPr id="3" name="CustomShape 3"/>
+          <p:cNvPr id="2" name="CustomShape 2"/>
           <p:cNvSpPr/>
           <p:nvPr/>
         </p:nvSpPr>
         <p:spPr>
           <a:xfrm>
             <a:off x="339840" y="4772160"/>
-            <a:ext cx="1976760" cy="273240"/>
+            <a:ext cx="1976400" cy="272880"/>
           </a:xfrm>
           <a:prstGeom prst="rect">
             <a:avLst/>
@@ -3787,7 +3696,7 @@
           </a:ln>
         </p:spPr>
         <p:txBody>
-          <a:bodyPr tIns="91440" bIns="91440"/>
+          <a:bodyPr lIns="90000" rIns="90000" tIns="91440" bIns="91440"/>
           <a:p>
             <a:pPr>
               <a:lnSpc>
@@ -3810,7 +3719,7 @@
       </p:sp>
       <p:sp>
         <p:nvSpPr>
-          <p:cNvPr id="4" name="PlaceHolder 4"/>
+          <p:cNvPr id="3" name="PlaceHolder 3"/>
           <p:cNvSpPr>
             <a:spLocks noGrp="1"/>
           </p:cNvSpPr>
@@ -3830,11 +3739,133 @@
         <p:txBody>
           <a:bodyPr lIns="0" rIns="0" tIns="0" bIns="0" anchor="ctr"/>
           <a:p>
-            <a:r>
-              <a:rPr lang="en-CA" sz="1400">
+            <a:pPr algn="ctr"/>
+            <a:r>
+              <a:rPr lang="en-CA" sz="4400">
                 <a:latin typeface="Arial"/>
               </a:rPr>
               <a:t>Click to edit the title text format</a:t>
+            </a:r>
+            <a:endParaRPr/>
+          </a:p>
+        </p:txBody>
+      </p:sp>
+      <p:sp>
+        <p:nvSpPr>
+          <p:cNvPr id="4" name="PlaceHolder 4"/>
+          <p:cNvSpPr>
+            <a:spLocks noGrp="1"/>
+          </p:cNvSpPr>
+          <p:nvPr>
+            <p:ph type="body"/>
+          </p:nvPr>
+        </p:nvSpPr>
+        <p:spPr>
+          <a:xfrm>
+            <a:off x="457200" y="1203480"/>
+            <a:ext cx="8229240" cy="2982960"/>
+          </a:xfrm>
+          <a:prstGeom prst="rect">
+            <a:avLst/>
+          </a:prstGeom>
+        </p:spPr>
+        <p:txBody>
+          <a:bodyPr lIns="0" rIns="0" tIns="0" bIns="0"/>
+          <a:p>
+            <a:pPr>
+              <a:buSzPct val="45000"/>
+              <a:buFont typeface="StarSymbol"/>
+              <a:buChar char=""/>
+            </a:pPr>
+            <a:r>
+              <a:rPr lang="en-CA" sz="3200">
+                <a:latin typeface="Arial"/>
+              </a:rPr>
+              <a:t>Click to edit the outline text format</a:t>
+            </a:r>
+            <a:endParaRPr/>
+          </a:p>
+          <a:p>
+            <a:pPr lvl="1">
+              <a:buSzPct val="75000"/>
+              <a:buFont typeface="StarSymbol"/>
+              <a:buChar char=""/>
+            </a:pPr>
+            <a:r>
+              <a:rPr lang="en-CA" sz="2800">
+                <a:latin typeface="Arial"/>
+              </a:rPr>
+              <a:t>Second Outline Level</a:t>
+            </a:r>
+            <a:endParaRPr/>
+          </a:p>
+          <a:p>
+            <a:pPr lvl="2">
+              <a:buSzPct val="45000"/>
+              <a:buFont typeface="StarSymbol"/>
+              <a:buChar char=""/>
+            </a:pPr>
+            <a:r>
+              <a:rPr lang="en-CA" sz="2400">
+                <a:latin typeface="Arial"/>
+              </a:rPr>
+              <a:t>Third Outline Level</a:t>
+            </a:r>
+            <a:endParaRPr/>
+          </a:p>
+          <a:p>
+            <a:pPr lvl="3">
+              <a:buSzPct val="75000"/>
+              <a:buFont typeface="StarSymbol"/>
+              <a:buChar char=""/>
+            </a:pPr>
+            <a:r>
+              <a:rPr lang="en-CA" sz="2000">
+                <a:latin typeface="Arial"/>
+              </a:rPr>
+              <a:t>Fourth Outline Level</a:t>
+            </a:r>
+            <a:endParaRPr/>
+          </a:p>
+          <a:p>
+            <a:pPr lvl="4">
+              <a:buSzPct val="45000"/>
+              <a:buFont typeface="StarSymbol"/>
+              <a:buChar char=""/>
+            </a:pPr>
+            <a:r>
+              <a:rPr lang="en-CA" sz="2000">
+                <a:latin typeface="Arial"/>
+              </a:rPr>
+              <a:t>Fifth Outline Level</a:t>
+            </a:r>
+            <a:endParaRPr/>
+          </a:p>
+          <a:p>
+            <a:pPr lvl="5">
+              <a:buSzPct val="45000"/>
+              <a:buFont typeface="StarSymbol"/>
+              <a:buChar char=""/>
+            </a:pPr>
+            <a:r>
+              <a:rPr lang="en-CA" sz="2000">
+                <a:latin typeface="Arial"/>
+              </a:rPr>
+              <a:t>Sixth Outline Level</a:t>
+            </a:r>
+            <a:endParaRPr/>
+          </a:p>
+          <a:p>
+            <a:pPr lvl="6">
+              <a:buSzPct val="45000"/>
+              <a:buFont typeface="StarSymbol"/>
+              <a:buChar char=""/>
+            </a:pPr>
+            <a:r>
+              <a:rPr lang="en-CA" sz="2000">
+                <a:latin typeface="Arial"/>
+              </a:rPr>
+              <a:t>Seventh Outline Level</a:t>
             </a:r>
             <a:endParaRPr/>
           </a:p>
@@ -3893,7 +3924,7 @@
         <p:spPr>
           <a:xfrm>
             <a:off x="0" y="205920"/>
-            <a:ext cx="9143640" cy="1337400"/>
+            <a:ext cx="9143280" cy="1337040"/>
           </a:xfrm>
           <a:prstGeom prst="rect">
             <a:avLst/>
@@ -3908,167 +3939,14 @@
       </p:sp>
       <p:sp>
         <p:nvSpPr>
-          <p:cNvPr id="40" name="PlaceHolder 2"/>
-          <p:cNvSpPr>
-            <a:spLocks noGrp="1"/>
-          </p:cNvSpPr>
-          <p:nvPr>
-            <p:ph type="title"/>
-          </p:nvPr>
-        </p:nvSpPr>
-        <p:spPr>
-          <a:xfrm>
-            <a:off x="457200" y="434520"/>
-            <a:ext cx="8686440" cy="1141200"/>
-          </a:xfrm>
-          <a:prstGeom prst="rect">
-            <a:avLst/>
-          </a:prstGeom>
-        </p:spPr>
-        <p:txBody>
-          <a:bodyPr tIns="91440" bIns="91440" anchor="b"/>
-          <a:p>
-            <a:r>
-              <a:rPr lang="en-CA" sz="4800">
-                <a:latin typeface="Arial"/>
-              </a:rPr>
-              <a:t>Click to edit the title text format</a:t>
-            </a:r>
-            <a:endParaRPr/>
-          </a:p>
-        </p:txBody>
-      </p:sp>
-      <p:sp>
-        <p:nvSpPr>
-          <p:cNvPr id="41" name="PlaceHolder 3"/>
-          <p:cNvSpPr>
-            <a:spLocks noGrp="1"/>
-          </p:cNvSpPr>
-          <p:nvPr>
-            <p:ph type="body"/>
-          </p:nvPr>
-        </p:nvSpPr>
-        <p:spPr>
-          <a:xfrm>
-            <a:off x="457200" y="1536840"/>
-            <a:ext cx="8229240" cy="3146040"/>
-          </a:xfrm>
-          <a:prstGeom prst="rect">
-            <a:avLst/>
-          </a:prstGeom>
-        </p:spPr>
-        <p:txBody>
-          <a:bodyPr tIns="91440" bIns="91440"/>
-          <a:p>
-            <a:pPr>
-              <a:buSzPct val="45000"/>
-              <a:buFont typeface="StarSymbol"/>
-              <a:buChar char=""/>
-            </a:pPr>
-            <a:r>
-              <a:rPr lang="en-CA" sz="3000">
-                <a:latin typeface="Arial"/>
-              </a:rPr>
-              <a:t>Click to edit the outline text format</a:t>
-            </a:r>
-            <a:endParaRPr/>
-          </a:p>
-          <a:p>
-            <a:pPr lvl="1">
-              <a:buSzPct val="75000"/>
-              <a:buFont typeface="StarSymbol"/>
-              <a:buChar char=""/>
-            </a:pPr>
-            <a:r>
-              <a:rPr lang="en-CA" sz="3000">
-                <a:latin typeface="Arial"/>
-              </a:rPr>
-              <a:t>Second Outline Level</a:t>
-            </a:r>
-            <a:endParaRPr/>
-          </a:p>
-          <a:p>
-            <a:pPr lvl="2">
-              <a:buSzPct val="45000"/>
-              <a:buFont typeface="StarSymbol"/>
-              <a:buChar char=""/>
-            </a:pPr>
-            <a:r>
-              <a:rPr lang="en-CA" sz="3000">
-                <a:latin typeface="Arial"/>
-              </a:rPr>
-              <a:t>Third Outline Level</a:t>
-            </a:r>
-            <a:endParaRPr/>
-          </a:p>
-          <a:p>
-            <a:pPr lvl="3">
-              <a:buSzPct val="75000"/>
-              <a:buFont typeface="StarSymbol"/>
-              <a:buChar char=""/>
-            </a:pPr>
-            <a:r>
-              <a:rPr lang="en-CA" sz="3000">
-                <a:latin typeface="Arial"/>
-              </a:rPr>
-              <a:t>Fourth Outline Level</a:t>
-            </a:r>
-            <a:endParaRPr/>
-          </a:p>
-          <a:p>
-            <a:pPr lvl="4">
-              <a:buSzPct val="45000"/>
-              <a:buFont typeface="StarSymbol"/>
-              <a:buChar char=""/>
-            </a:pPr>
-            <a:r>
-              <a:rPr lang="en-CA" sz="3000">
-                <a:latin typeface="Arial"/>
-              </a:rPr>
-              <a:t>Fifth Outline Level</a:t>
-            </a:r>
-            <a:endParaRPr/>
-          </a:p>
-          <a:p>
-            <a:pPr lvl="5">
-              <a:buSzPct val="45000"/>
-              <a:buFont typeface="StarSymbol"/>
-              <a:buChar char=""/>
-            </a:pPr>
-            <a:r>
-              <a:rPr lang="en-CA" sz="3000">
-                <a:latin typeface="Arial"/>
-              </a:rPr>
-              <a:t>Sixth Outline Level</a:t>
-            </a:r>
-            <a:endParaRPr/>
-          </a:p>
-          <a:p>
-            <a:pPr lvl="6">
-              <a:buSzPct val="45000"/>
-              <a:buFont typeface="StarSymbol"/>
-              <a:buChar char=""/>
-            </a:pPr>
-            <a:r>
-              <a:rPr lang="en-CA" sz="3000">
-                <a:latin typeface="Arial"/>
-              </a:rPr>
-              <a:t>Seventh Outline Level</a:t>
-            </a:r>
-            <a:endParaRPr/>
-          </a:p>
-        </p:txBody>
-      </p:sp>
-      <p:sp>
-        <p:nvSpPr>
-          <p:cNvPr id="42" name="CustomShape 4"/>
+          <p:cNvPr id="40" name="CustomShape 2"/>
           <p:cNvSpPr/>
           <p:nvPr/>
         </p:nvSpPr>
         <p:spPr>
           <a:xfrm>
             <a:off x="339840" y="4772160"/>
-            <a:ext cx="1976760" cy="273240"/>
+            <a:ext cx="1976400" cy="272880"/>
           </a:xfrm>
           <a:prstGeom prst="rect">
             <a:avLst/>
@@ -4079,7 +3957,7 @@
           </a:ln>
         </p:spPr>
         <p:txBody>
-          <a:bodyPr tIns="91440" bIns="91440"/>
+          <a:bodyPr lIns="90000" rIns="90000" tIns="91440" bIns="91440"/>
           <a:p>
             <a:pPr>
               <a:lnSpc>
@@ -4102,7 +3980,7 @@
       </p:sp>
       <p:pic>
         <p:nvPicPr>
-          <p:cNvPr id="43" name="Shape 16" descr=""/>
+          <p:cNvPr id="41" name="Shape 16" descr=""/>
           <p:cNvPicPr/>
           <p:nvPr/>
         </p:nvPicPr>
@@ -4115,7 +3993,7 @@
         <p:spPr>
           <a:xfrm>
             <a:off x="0" y="0"/>
-            <a:ext cx="9143640" cy="875880"/>
+            <a:ext cx="9143280" cy="875520"/>
           </a:xfrm>
           <a:prstGeom prst="rect">
             <a:avLst/>
@@ -4125,6 +4003,159 @@
           </a:ln>
         </p:spPr>
       </p:pic>
+      <p:sp>
+        <p:nvSpPr>
+          <p:cNvPr id="42" name="PlaceHolder 3"/>
+          <p:cNvSpPr>
+            <a:spLocks noGrp="1"/>
+          </p:cNvSpPr>
+          <p:nvPr>
+            <p:ph type="title"/>
+          </p:nvPr>
+        </p:nvSpPr>
+        <p:spPr>
+          <a:xfrm>
+            <a:off x="457200" y="434520"/>
+            <a:ext cx="8686080" cy="1141200"/>
+          </a:xfrm>
+          <a:prstGeom prst="rect">
+            <a:avLst/>
+          </a:prstGeom>
+        </p:spPr>
+        <p:txBody>
+          <a:bodyPr lIns="0" rIns="0" tIns="0" bIns="0" anchor="ctr"/>
+          <a:p>
+            <a:r>
+              <a:rPr lang="en-CA">
+                <a:latin typeface="Arial"/>
+              </a:rPr>
+              <a:t>Click to edit the title text format</a:t>
+            </a:r>
+            <a:endParaRPr/>
+          </a:p>
+        </p:txBody>
+      </p:sp>
+      <p:sp>
+        <p:nvSpPr>
+          <p:cNvPr id="43" name="PlaceHolder 4"/>
+          <p:cNvSpPr>
+            <a:spLocks noGrp="1"/>
+          </p:cNvSpPr>
+          <p:nvPr>
+            <p:ph type="body"/>
+          </p:nvPr>
+        </p:nvSpPr>
+        <p:spPr>
+          <a:xfrm>
+            <a:off x="457200" y="1536840"/>
+            <a:ext cx="8228880" cy="3145680"/>
+          </a:xfrm>
+          <a:prstGeom prst="rect">
+            <a:avLst/>
+          </a:prstGeom>
+        </p:spPr>
+        <p:txBody>
+          <a:bodyPr lIns="0" rIns="0" tIns="0" bIns="0"/>
+          <a:p>
+            <a:pPr>
+              <a:buSzPct val="45000"/>
+              <a:buFont typeface="StarSymbol"/>
+              <a:buChar char=""/>
+            </a:pPr>
+            <a:r>
+              <a:rPr lang="en-CA">
+                <a:latin typeface="Arial"/>
+              </a:rPr>
+              <a:t>Click to edit the outline text format</a:t>
+            </a:r>
+            <a:endParaRPr/>
+          </a:p>
+          <a:p>
+            <a:pPr lvl="1">
+              <a:buSzPct val="75000"/>
+              <a:buFont typeface="StarSymbol"/>
+              <a:buChar char=""/>
+            </a:pPr>
+            <a:r>
+              <a:rPr lang="en-CA">
+                <a:latin typeface="Arial"/>
+              </a:rPr>
+              <a:t>Second Outline Level</a:t>
+            </a:r>
+            <a:endParaRPr/>
+          </a:p>
+          <a:p>
+            <a:pPr lvl="2">
+              <a:buSzPct val="45000"/>
+              <a:buFont typeface="StarSymbol"/>
+              <a:buChar char=""/>
+            </a:pPr>
+            <a:r>
+              <a:rPr lang="en-CA">
+                <a:latin typeface="Arial"/>
+              </a:rPr>
+              <a:t>Third Outline Level</a:t>
+            </a:r>
+            <a:endParaRPr/>
+          </a:p>
+          <a:p>
+            <a:pPr lvl="3">
+              <a:buSzPct val="75000"/>
+              <a:buFont typeface="StarSymbol"/>
+              <a:buChar char=""/>
+            </a:pPr>
+            <a:r>
+              <a:rPr lang="en-CA">
+                <a:latin typeface="Arial"/>
+              </a:rPr>
+              <a:t>Fourth Outline Level</a:t>
+            </a:r>
+            <a:endParaRPr/>
+          </a:p>
+          <a:p>
+            <a:pPr lvl="4">
+              <a:buSzPct val="45000"/>
+              <a:buFont typeface="StarSymbol"/>
+              <a:buChar char=""/>
+            </a:pPr>
+            <a:r>
+              <a:rPr lang="en-CA">
+                <a:latin typeface="Arial"/>
+              </a:rPr>
+              <a:t>Fifth Outline Level</a:t>
+            </a:r>
+            <a:endParaRPr/>
+          </a:p>
+          <a:p>
+            <a:pPr lvl="5">
+              <a:buSzPct val="45000"/>
+              <a:buFont typeface="StarSymbol"/>
+              <a:buChar char=""/>
+            </a:pPr>
+            <a:r>
+              <a:rPr lang="en-CA">
+                <a:latin typeface="Arial"/>
+              </a:rPr>
+              <a:t>Sixth Outline Level</a:t>
+            </a:r>
+            <a:endParaRPr/>
+          </a:p>
+          <a:p>
+            <a:pPr lvl="6">
+              <a:buSzPct val="45000"/>
+              <a:buFont typeface="StarSymbol"/>
+              <a:buChar char=""/>
+            </a:pPr>
+            <a:r>
+              <a:rPr lang="en-CA">
+                <a:latin typeface="Arial"/>
+              </a:rPr>
+              <a:t>Seventh Outline Level</a:t>
+            </a:r>
+            <a:endParaRPr/>
+          </a:p>
+        </p:txBody>
+      </p:sp>
     </p:spTree>
   </p:cSld>
   <p:clrMap bg1="lt1" bg2="lt2" tx1="dk1" tx2="dk2" accent1="accent1" accent2="accent2" accent3="accent3" accent4="accent4" accent5="accent5" accent6="accent6" hlink="hlink" folHlink="folHlink"/>
@@ -4191,8 +4222,9 @@
         <p:txBody>
           <a:bodyPr lIns="0" rIns="0" tIns="0" bIns="0" anchor="ctr"/>
           <a:p>
-            <a:r>
-              <a:rPr lang="en-CA" sz="1400">
+            <a:pPr algn="ctr"/>
+            <a:r>
+              <a:rPr lang="en-CA" sz="4400">
                 <a:latin typeface="Arial"/>
               </a:rPr>
               <a:t>Click to edit the title text format</a:t>
@@ -4229,7 +4261,7 @@
               <a:buChar char=""/>
             </a:pPr>
             <a:r>
-              <a:rPr lang="en-CA" sz="1400">
+              <a:rPr lang="en-CA" sz="3200">
                 <a:latin typeface="Arial"/>
               </a:rPr>
               <a:t>Click to edit the outline text format</a:t>
@@ -4243,7 +4275,7 @@
               <a:buChar char=""/>
             </a:pPr>
             <a:r>
-              <a:rPr lang="en-CA" sz="1400">
+              <a:rPr lang="en-CA" sz="2800">
                 <a:latin typeface="Arial"/>
               </a:rPr>
               <a:t>Second Outline Level</a:t>
@@ -4257,7 +4289,7 @@
               <a:buChar char=""/>
             </a:pPr>
             <a:r>
-              <a:rPr lang="en-CA" sz="1400">
+              <a:rPr lang="en-CA" sz="2400">
                 <a:latin typeface="Arial"/>
               </a:rPr>
               <a:t>Third Outline Level</a:t>
@@ -4271,7 +4303,7 @@
               <a:buChar char=""/>
             </a:pPr>
             <a:r>
-              <a:rPr lang="en-CA" sz="1400">
+              <a:rPr lang="en-CA" sz="2000">
                 <a:latin typeface="Arial"/>
               </a:rPr>
               <a:t>Fourth Outline Level</a:t>
@@ -4361,21 +4393,25 @@
       </p:grpSpPr>
       <p:sp>
         <p:nvSpPr>
-          <p:cNvPr id="114" name="TextShape 1"/>
-          <p:cNvSpPr txBox="1"/>
+          <p:cNvPr id="114" name="CustomShape 1"/>
+          <p:cNvSpPr/>
           <p:nvPr/>
         </p:nvSpPr>
         <p:spPr>
           <a:xfrm>
             <a:off x="0" y="1915200"/>
-            <a:ext cx="9143640" cy="1357200"/>
-          </a:xfrm>
-          <a:prstGeom prst="rect">
-            <a:avLst/>
-          </a:prstGeom>
-        </p:spPr>
-        <p:txBody>
-          <a:bodyPr tIns="91440" bIns="91440" anchor="ctr"/>
+            <a:ext cx="9143280" cy="1356840"/>
+          </a:xfrm>
+          <a:prstGeom prst="rect">
+            <a:avLst/>
+          </a:prstGeom>
+          <a:noFill/>
+          <a:ln>
+            <a:noFill/>
+          </a:ln>
+        </p:spPr>
+        <p:txBody>
+          <a:bodyPr lIns="90000" rIns="90000" tIns="91440" bIns="91440" anchor="ctr"/>
           <a:p>
             <a:pPr algn="ctr">
               <a:lnSpc>
@@ -4447,7 +4483,7 @@
       </p:grpSpPr>
       <p:pic>
         <p:nvPicPr>
-          <p:cNvPr id="133" name="Picture 1" descr=""/>
+          <p:cNvPr id="134" name="Picture 1" descr=""/>
           <p:cNvPicPr/>
           <p:nvPr/>
         </p:nvPicPr>
@@ -4460,7 +4496,7 @@
         <p:spPr>
           <a:xfrm>
             <a:off x="232920" y="1069560"/>
-            <a:ext cx="8664480" cy="3165480"/>
+            <a:ext cx="8664120" cy="3165120"/>
           </a:xfrm>
           <a:prstGeom prst="rect">
             <a:avLst/>
@@ -4521,21 +4557,25 @@
       </p:grpSpPr>
       <p:sp>
         <p:nvSpPr>
-          <p:cNvPr id="285" name="TextShape 1"/>
-          <p:cNvSpPr txBox="1"/>
+          <p:cNvPr id="286" name="CustomShape 1"/>
+          <p:cNvSpPr/>
           <p:nvPr/>
         </p:nvSpPr>
         <p:spPr>
           <a:xfrm>
             <a:off x="457200" y="434520"/>
-            <a:ext cx="8686440" cy="1141200"/>
-          </a:xfrm>
-          <a:prstGeom prst="rect">
-            <a:avLst/>
-          </a:prstGeom>
-        </p:spPr>
-        <p:txBody>
-          <a:bodyPr tIns="91440" bIns="91440" anchor="b"/>
+            <a:ext cx="8686080" cy="1140840"/>
+          </a:xfrm>
+          <a:prstGeom prst="rect">
+            <a:avLst/>
+          </a:prstGeom>
+          <a:noFill/>
+          <a:ln>
+            <a:noFill/>
+          </a:ln>
+        </p:spPr>
+        <p:txBody>
+          <a:bodyPr lIns="90000" rIns="90000" tIns="91440" bIns="91440" anchor="b"/>
           <a:p>
             <a:pPr>
               <a:lnSpc>
@@ -4558,21 +4598,25 @@
       </p:sp>
       <p:sp>
         <p:nvSpPr>
-          <p:cNvPr id="286" name="TextShape 2"/>
-          <p:cNvSpPr txBox="1"/>
+          <p:cNvPr id="287" name="CustomShape 2"/>
+          <p:cNvSpPr/>
           <p:nvPr/>
         </p:nvSpPr>
         <p:spPr>
           <a:xfrm>
             <a:off x="457200" y="1536840"/>
-            <a:ext cx="8229240" cy="3146040"/>
-          </a:xfrm>
-          <a:prstGeom prst="rect">
-            <a:avLst/>
-          </a:prstGeom>
-        </p:spPr>
-        <p:txBody>
-          <a:bodyPr tIns="91440" bIns="91440"/>
+            <a:ext cx="8228880" cy="3145680"/>
+          </a:xfrm>
+          <a:prstGeom prst="rect">
+            <a:avLst/>
+          </a:prstGeom>
+          <a:noFill/>
+          <a:ln>
+            <a:noFill/>
+          </a:ln>
+        </p:spPr>
+        <p:txBody>
+          <a:bodyPr lIns="90000" rIns="90000" tIns="91440" bIns="91440"/>
           <a:p>
             <a:pPr>
               <a:lnSpc>
@@ -4674,21 +4718,25 @@
       </p:grpSpPr>
       <p:sp>
         <p:nvSpPr>
-          <p:cNvPr id="287" name="TextShape 1"/>
-          <p:cNvSpPr txBox="1"/>
+          <p:cNvPr id="288" name="CustomShape 1"/>
+          <p:cNvSpPr/>
           <p:nvPr/>
         </p:nvSpPr>
         <p:spPr>
           <a:xfrm>
             <a:off x="457200" y="434520"/>
-            <a:ext cx="8686440" cy="1141200"/>
-          </a:xfrm>
-          <a:prstGeom prst="rect">
-            <a:avLst/>
-          </a:prstGeom>
-        </p:spPr>
-        <p:txBody>
-          <a:bodyPr tIns="91440" bIns="91440" anchor="b"/>
+            <a:ext cx="8686080" cy="1140840"/>
+          </a:xfrm>
+          <a:prstGeom prst="rect">
+            <a:avLst/>
+          </a:prstGeom>
+          <a:noFill/>
+          <a:ln>
+            <a:noFill/>
+          </a:ln>
+        </p:spPr>
+        <p:txBody>
+          <a:bodyPr lIns="90000" rIns="90000" tIns="91440" bIns="91440" anchor="b"/>
           <a:p>
             <a:pPr>
               <a:lnSpc>
@@ -4711,21 +4759,25 @@
       </p:sp>
       <p:sp>
         <p:nvSpPr>
-          <p:cNvPr id="288" name="TextShape 2"/>
-          <p:cNvSpPr txBox="1"/>
+          <p:cNvPr id="289" name="CustomShape 2"/>
+          <p:cNvSpPr/>
           <p:nvPr/>
         </p:nvSpPr>
         <p:spPr>
           <a:xfrm>
             <a:off x="457200" y="1536840"/>
-            <a:ext cx="8229240" cy="3146040"/>
-          </a:xfrm>
-          <a:prstGeom prst="rect">
-            <a:avLst/>
-          </a:prstGeom>
-        </p:spPr>
-        <p:txBody>
-          <a:bodyPr tIns="91440" bIns="91440"/>
+            <a:ext cx="8228880" cy="3145680"/>
+          </a:xfrm>
+          <a:prstGeom prst="rect">
+            <a:avLst/>
+          </a:prstGeom>
+          <a:noFill/>
+          <a:ln>
+            <a:noFill/>
+          </a:ln>
+        </p:spPr>
+        <p:txBody>
+          <a:bodyPr lIns="90000" rIns="90000" tIns="91440" bIns="91440"/>
           <a:p>
             <a:pPr>
               <a:lnSpc>
@@ -4817,21 +4869,25 @@
       </p:grpSpPr>
       <p:sp>
         <p:nvSpPr>
-          <p:cNvPr id="289" name="TextShape 1"/>
-          <p:cNvSpPr txBox="1"/>
+          <p:cNvPr id="290" name="CustomShape 1"/>
+          <p:cNvSpPr/>
           <p:nvPr/>
         </p:nvSpPr>
         <p:spPr>
           <a:xfrm>
             <a:off x="457200" y="434520"/>
-            <a:ext cx="8686440" cy="1141200"/>
-          </a:xfrm>
-          <a:prstGeom prst="rect">
-            <a:avLst/>
-          </a:prstGeom>
-        </p:spPr>
-        <p:txBody>
-          <a:bodyPr tIns="91440" bIns="91440" anchor="b"/>
+            <a:ext cx="8686080" cy="1140840"/>
+          </a:xfrm>
+          <a:prstGeom prst="rect">
+            <a:avLst/>
+          </a:prstGeom>
+          <a:noFill/>
+          <a:ln>
+            <a:noFill/>
+          </a:ln>
+        </p:spPr>
+        <p:txBody>
+          <a:bodyPr lIns="90000" rIns="90000" tIns="91440" bIns="91440" anchor="b"/>
           <a:p>
             <a:pPr>
               <a:lnSpc>
@@ -4854,21 +4910,25 @@
       </p:sp>
       <p:sp>
         <p:nvSpPr>
-          <p:cNvPr id="290" name="TextShape 2"/>
-          <p:cNvSpPr txBox="1"/>
+          <p:cNvPr id="291" name="CustomShape 2"/>
+          <p:cNvSpPr/>
           <p:nvPr/>
         </p:nvSpPr>
         <p:spPr>
           <a:xfrm>
             <a:off x="457200" y="1536840"/>
-            <a:ext cx="8229240" cy="3146040"/>
-          </a:xfrm>
-          <a:prstGeom prst="rect">
-            <a:avLst/>
-          </a:prstGeom>
-        </p:spPr>
-        <p:txBody>
-          <a:bodyPr tIns="91440" bIns="91440"/>
+            <a:ext cx="8228880" cy="3145680"/>
+          </a:xfrm>
+          <a:prstGeom prst="rect">
+            <a:avLst/>
+          </a:prstGeom>
+          <a:noFill/>
+          <a:ln>
+            <a:noFill/>
+          </a:ln>
+        </p:spPr>
+        <p:txBody>
+          <a:bodyPr lIns="90000" rIns="90000" tIns="91440" bIns="91440"/>
           <a:p>
             <a:pPr>
               <a:lnSpc>
@@ -4942,21 +5002,25 @@
       </p:grpSpPr>
       <p:sp>
         <p:nvSpPr>
-          <p:cNvPr id="291" name="TextShape 1"/>
-          <p:cNvSpPr txBox="1"/>
+          <p:cNvPr id="292" name="CustomShape 1"/>
+          <p:cNvSpPr/>
           <p:nvPr/>
         </p:nvSpPr>
         <p:spPr>
           <a:xfrm>
             <a:off x="457200" y="434520"/>
-            <a:ext cx="8686440" cy="1141200"/>
-          </a:xfrm>
-          <a:prstGeom prst="rect">
-            <a:avLst/>
-          </a:prstGeom>
-        </p:spPr>
-        <p:txBody>
-          <a:bodyPr tIns="91440" bIns="91440" anchor="b"/>
+            <a:ext cx="8686080" cy="1140840"/>
+          </a:xfrm>
+          <a:prstGeom prst="rect">
+            <a:avLst/>
+          </a:prstGeom>
+          <a:noFill/>
+          <a:ln>
+            <a:noFill/>
+          </a:ln>
+        </p:spPr>
+        <p:txBody>
+          <a:bodyPr lIns="90000" rIns="90000" tIns="91440" bIns="91440" anchor="b"/>
           <a:p>
             <a:pPr>
               <a:lnSpc>
@@ -4979,21 +5043,25 @@
       </p:sp>
       <p:sp>
         <p:nvSpPr>
-          <p:cNvPr id="292" name="TextShape 2"/>
-          <p:cNvSpPr txBox="1"/>
+          <p:cNvPr id="293" name="CustomShape 2"/>
+          <p:cNvSpPr/>
           <p:nvPr/>
         </p:nvSpPr>
         <p:spPr>
           <a:xfrm>
             <a:off x="457200" y="1536840"/>
-            <a:ext cx="8229240" cy="3146040"/>
-          </a:xfrm>
-          <a:prstGeom prst="rect">
-            <a:avLst/>
-          </a:prstGeom>
-        </p:spPr>
-        <p:txBody>
-          <a:bodyPr tIns="91440" bIns="91440"/>
+            <a:ext cx="8228880" cy="3145680"/>
+          </a:xfrm>
+          <a:prstGeom prst="rect">
+            <a:avLst/>
+          </a:prstGeom>
+          <a:noFill/>
+          <a:ln>
+            <a:noFill/>
+          </a:ln>
+        </p:spPr>
+        <p:txBody>
+          <a:bodyPr lIns="90000" rIns="90000" tIns="91440" bIns="91440"/>
           <a:p>
             <a:pPr>
               <a:lnSpc>
@@ -5046,14 +5114,14 @@
       </p:sp>
       <p:sp>
         <p:nvSpPr>
-          <p:cNvPr id="293" name="CustomShape 3"/>
+          <p:cNvPr id="294" name="CustomShape 3"/>
           <p:cNvSpPr/>
           <p:nvPr/>
         </p:nvSpPr>
         <p:spPr>
           <a:xfrm>
             <a:off x="5267520" y="4683240"/>
-            <a:ext cx="4079160" cy="303480"/>
+            <a:ext cx="4078800" cy="303120"/>
           </a:xfrm>
           <a:prstGeom prst="rect">
             <a:avLst/>
@@ -5136,21 +5204,25 @@
       </p:grpSpPr>
       <p:sp>
         <p:nvSpPr>
-          <p:cNvPr id="294" name="TextShape 1"/>
-          <p:cNvSpPr txBox="1"/>
+          <p:cNvPr id="295" name="CustomShape 1"/>
+          <p:cNvSpPr/>
           <p:nvPr/>
         </p:nvSpPr>
         <p:spPr>
           <a:xfrm>
             <a:off x="457200" y="434520"/>
-            <a:ext cx="8686440" cy="1141200"/>
-          </a:xfrm>
-          <a:prstGeom prst="rect">
-            <a:avLst/>
-          </a:prstGeom>
-        </p:spPr>
-        <p:txBody>
-          <a:bodyPr tIns="91440" bIns="91440" anchor="b"/>
+            <a:ext cx="8686080" cy="1140840"/>
+          </a:xfrm>
+          <a:prstGeom prst="rect">
+            <a:avLst/>
+          </a:prstGeom>
+          <a:noFill/>
+          <a:ln>
+            <a:noFill/>
+          </a:ln>
+        </p:spPr>
+        <p:txBody>
+          <a:bodyPr lIns="90000" rIns="90000" tIns="91440" bIns="91440" anchor="b"/>
           <a:p>
             <a:pPr>
               <a:lnSpc>
@@ -5173,21 +5245,25 @@
       </p:sp>
       <p:sp>
         <p:nvSpPr>
-          <p:cNvPr id="295" name="TextShape 2"/>
-          <p:cNvSpPr txBox="1"/>
+          <p:cNvPr id="296" name="CustomShape 2"/>
+          <p:cNvSpPr/>
           <p:nvPr/>
         </p:nvSpPr>
         <p:spPr>
           <a:xfrm>
             <a:off x="457200" y="1536840"/>
-            <a:ext cx="8229240" cy="3146040"/>
-          </a:xfrm>
-          <a:prstGeom prst="rect">
-            <a:avLst/>
-          </a:prstGeom>
-        </p:spPr>
-        <p:txBody>
-          <a:bodyPr tIns="91440" bIns="91440"/>
+            <a:ext cx="8228880" cy="3145680"/>
+          </a:xfrm>
+          <a:prstGeom prst="rect">
+            <a:avLst/>
+          </a:prstGeom>
+          <a:noFill/>
+          <a:ln>
+            <a:noFill/>
+          </a:ln>
+        </p:spPr>
+        <p:txBody>
+          <a:bodyPr lIns="90000" rIns="90000" tIns="91440" bIns="91440"/>
           <a:p>
             <a:pPr>
               <a:lnSpc>
@@ -5279,21 +5355,25 @@
       </p:grpSpPr>
       <p:sp>
         <p:nvSpPr>
-          <p:cNvPr id="296" name="TextShape 1"/>
-          <p:cNvSpPr txBox="1"/>
+          <p:cNvPr id="297" name="CustomShape 1"/>
+          <p:cNvSpPr/>
           <p:nvPr/>
         </p:nvSpPr>
         <p:spPr>
           <a:xfrm>
             <a:off x="457200" y="434520"/>
-            <a:ext cx="8686440" cy="1141200"/>
-          </a:xfrm>
-          <a:prstGeom prst="rect">
-            <a:avLst/>
-          </a:prstGeom>
-        </p:spPr>
-        <p:txBody>
-          <a:bodyPr tIns="91440" bIns="91440" anchor="b"/>
+            <a:ext cx="8686080" cy="1140840"/>
+          </a:xfrm>
+          <a:prstGeom prst="rect">
+            <a:avLst/>
+          </a:prstGeom>
+          <a:noFill/>
+          <a:ln>
+            <a:noFill/>
+          </a:ln>
+        </p:spPr>
+        <p:txBody>
+          <a:bodyPr lIns="90000" rIns="90000" tIns="91440" bIns="91440" anchor="b"/>
           <a:p>
             <a:pPr>
               <a:lnSpc>
@@ -5316,21 +5396,25 @@
       </p:sp>
       <p:sp>
         <p:nvSpPr>
-          <p:cNvPr id="297" name="TextShape 2"/>
-          <p:cNvSpPr txBox="1"/>
+          <p:cNvPr id="298" name="CustomShape 2"/>
+          <p:cNvSpPr/>
           <p:nvPr/>
         </p:nvSpPr>
         <p:spPr>
           <a:xfrm>
             <a:off x="457200" y="1536840"/>
-            <a:ext cx="8229240" cy="3146040"/>
-          </a:xfrm>
-          <a:prstGeom prst="rect">
-            <a:avLst/>
-          </a:prstGeom>
-        </p:spPr>
-        <p:txBody>
-          <a:bodyPr tIns="91440" bIns="91440"/>
+            <a:ext cx="8228880" cy="3145680"/>
+          </a:xfrm>
+          <a:prstGeom prst="rect">
+            <a:avLst/>
+          </a:prstGeom>
+          <a:noFill/>
+          <a:ln>
+            <a:noFill/>
+          </a:ln>
+        </p:spPr>
+        <p:txBody>
+          <a:bodyPr lIns="90000" rIns="90000" tIns="91440" bIns="91440"/>
           <a:p>
             <a:pPr>
               <a:lnSpc>
@@ -5460,21 +5544,25 @@
       </p:grpSpPr>
       <p:sp>
         <p:nvSpPr>
-          <p:cNvPr id="298" name="TextShape 1"/>
-          <p:cNvSpPr txBox="1"/>
+          <p:cNvPr id="299" name="CustomShape 1"/>
+          <p:cNvSpPr/>
           <p:nvPr/>
         </p:nvSpPr>
         <p:spPr>
           <a:xfrm>
             <a:off x="457200" y="434520"/>
-            <a:ext cx="8686440" cy="1141200"/>
-          </a:xfrm>
-          <a:prstGeom prst="rect">
-            <a:avLst/>
-          </a:prstGeom>
-        </p:spPr>
-        <p:txBody>
-          <a:bodyPr tIns="91440" bIns="91440" anchor="b"/>
+            <a:ext cx="8686080" cy="1140840"/>
+          </a:xfrm>
+          <a:prstGeom prst="rect">
+            <a:avLst/>
+          </a:prstGeom>
+          <a:noFill/>
+          <a:ln>
+            <a:noFill/>
+          </a:ln>
+        </p:spPr>
+        <p:txBody>
+          <a:bodyPr lIns="90000" rIns="90000" tIns="91440" bIns="91440" anchor="b"/>
           <a:p>
             <a:pPr>
               <a:lnSpc>
@@ -5497,21 +5585,25 @@
       </p:sp>
       <p:sp>
         <p:nvSpPr>
-          <p:cNvPr id="299" name="TextShape 2"/>
-          <p:cNvSpPr txBox="1"/>
+          <p:cNvPr id="300" name="CustomShape 2"/>
+          <p:cNvSpPr/>
           <p:nvPr/>
         </p:nvSpPr>
         <p:spPr>
           <a:xfrm>
             <a:off x="457200" y="1536840"/>
-            <a:ext cx="8229240" cy="3146040"/>
-          </a:xfrm>
-          <a:prstGeom prst="rect">
-            <a:avLst/>
-          </a:prstGeom>
-        </p:spPr>
-        <p:txBody>
-          <a:bodyPr tIns="91440" bIns="91440"/>
+            <a:ext cx="8228880" cy="3145680"/>
+          </a:xfrm>
+          <a:prstGeom prst="rect">
+            <a:avLst/>
+          </a:prstGeom>
+          <a:noFill/>
+          <a:ln>
+            <a:noFill/>
+          </a:ln>
+        </p:spPr>
+        <p:txBody>
+          <a:bodyPr lIns="90000" rIns="90000" tIns="91440" bIns="91440"/>
           <a:p>
             <a:pPr>
               <a:lnSpc>
@@ -5609,6 +5701,11 @@
             <a:endParaRPr/>
           </a:p>
           <a:p>
+            <a:pPr>
+              <a:lnSpc>
+                <a:spcPct val="100000"/>
+              </a:lnSpc>
+            </a:pPr>
             <a:r>
               <a:rPr lang="en-CA" sz="2400">
                 <a:solidFill>
@@ -5724,21 +5821,25 @@
       </p:grpSpPr>
       <p:sp>
         <p:nvSpPr>
-          <p:cNvPr id="300" name="TextShape 1"/>
-          <p:cNvSpPr txBox="1"/>
+          <p:cNvPr id="301" name="CustomShape 1"/>
+          <p:cNvSpPr/>
           <p:nvPr/>
         </p:nvSpPr>
         <p:spPr>
           <a:xfrm>
             <a:off x="457200" y="434520"/>
-            <a:ext cx="8686440" cy="1141200"/>
-          </a:xfrm>
-          <a:prstGeom prst="rect">
-            <a:avLst/>
-          </a:prstGeom>
-        </p:spPr>
-        <p:txBody>
-          <a:bodyPr tIns="91440" bIns="91440" anchor="b"/>
+            <a:ext cx="8686080" cy="1140840"/>
+          </a:xfrm>
+          <a:prstGeom prst="rect">
+            <a:avLst/>
+          </a:prstGeom>
+          <a:noFill/>
+          <a:ln>
+            <a:noFill/>
+          </a:ln>
+        </p:spPr>
+        <p:txBody>
+          <a:bodyPr lIns="90000" rIns="90000" tIns="91440" bIns="91440" anchor="b"/>
           <a:p>
             <a:pPr>
               <a:lnSpc>
@@ -5761,21 +5862,25 @@
       </p:sp>
       <p:sp>
         <p:nvSpPr>
-          <p:cNvPr id="301" name="TextShape 2"/>
-          <p:cNvSpPr txBox="1"/>
+          <p:cNvPr id="302" name="CustomShape 2"/>
+          <p:cNvSpPr/>
           <p:nvPr/>
         </p:nvSpPr>
         <p:spPr>
           <a:xfrm>
             <a:off x="457200" y="1536840"/>
-            <a:ext cx="8229240" cy="3146040"/>
-          </a:xfrm>
-          <a:prstGeom prst="rect">
-            <a:avLst/>
-          </a:prstGeom>
-        </p:spPr>
-        <p:txBody>
-          <a:bodyPr tIns="91440" bIns="91440"/>
+            <a:ext cx="8228880" cy="3145680"/>
+          </a:xfrm>
+          <a:prstGeom prst="rect">
+            <a:avLst/>
+          </a:prstGeom>
+          <a:noFill/>
+          <a:ln>
+            <a:noFill/>
+          </a:ln>
+        </p:spPr>
+        <p:txBody>
+          <a:bodyPr lIns="90000" rIns="90000" tIns="91440" bIns="91440"/>
           <a:p>
             <a:pPr>
               <a:lnSpc>
@@ -5849,21 +5954,25 @@
       </p:grpSpPr>
       <p:sp>
         <p:nvSpPr>
-          <p:cNvPr id="302" name="TextShape 1"/>
-          <p:cNvSpPr txBox="1"/>
+          <p:cNvPr id="303" name="CustomShape 1"/>
+          <p:cNvSpPr/>
           <p:nvPr/>
         </p:nvSpPr>
         <p:spPr>
           <a:xfrm>
             <a:off x="457200" y="434520"/>
-            <a:ext cx="8686440" cy="1141200"/>
-          </a:xfrm>
-          <a:prstGeom prst="rect">
-            <a:avLst/>
-          </a:prstGeom>
-        </p:spPr>
-        <p:txBody>
-          <a:bodyPr tIns="91440" bIns="91440" anchor="b"/>
+            <a:ext cx="8686080" cy="1140840"/>
+          </a:xfrm>
+          <a:prstGeom prst="rect">
+            <a:avLst/>
+          </a:prstGeom>
+          <a:noFill/>
+          <a:ln>
+            <a:noFill/>
+          </a:ln>
+        </p:spPr>
+        <p:txBody>
+          <a:bodyPr lIns="90000" rIns="90000" tIns="91440" bIns="91440" anchor="b"/>
           <a:p>
             <a:pPr>
               <a:lnSpc>
@@ -5886,21 +5995,25 @@
       </p:sp>
       <p:sp>
         <p:nvSpPr>
-          <p:cNvPr id="303" name="TextShape 2"/>
-          <p:cNvSpPr txBox="1"/>
+          <p:cNvPr id="304" name="CustomShape 2"/>
+          <p:cNvSpPr/>
           <p:nvPr/>
         </p:nvSpPr>
         <p:spPr>
           <a:xfrm>
             <a:off x="457200" y="1536840"/>
-            <a:ext cx="8229240" cy="3146040"/>
-          </a:xfrm>
-          <a:prstGeom prst="rect">
-            <a:avLst/>
-          </a:prstGeom>
-        </p:spPr>
-        <p:txBody>
-          <a:bodyPr tIns="91440" bIns="91440"/>
+            <a:ext cx="8228880" cy="3145680"/>
+          </a:xfrm>
+          <a:prstGeom prst="rect">
+            <a:avLst/>
+          </a:prstGeom>
+          <a:noFill/>
+          <a:ln>
+            <a:noFill/>
+          </a:ln>
+        </p:spPr>
+        <p:txBody>
+          <a:bodyPr lIns="90000" rIns="90000" tIns="91440" bIns="91440"/>
           <a:p>
             <a:pPr>
               <a:lnSpc>
@@ -5982,8 +6095,13 @@
             <a:endParaRPr/>
           </a:p>
           <a:p>
-            <a:r>
-              <a:rPr lang="en-CA">
+            <a:pPr>
+              <a:lnSpc>
+                <a:spcPct val="100000"/>
+              </a:lnSpc>
+            </a:pPr>
+            <a:r>
+              <a:rPr lang="en-CA" sz="2400">
                 <a:solidFill>
                   <a:srgbClr val="000000"/>
                 </a:solidFill>
@@ -5993,7 +6111,7 @@
               <a:t>ex: </a:t>
             </a:r>
             <a:r>
-              <a:rPr i="1" lang="en-CA">
+              <a:rPr i="1" lang="en-CA" sz="2400">
                 <a:solidFill>
                   <a:srgbClr val="808080"/>
                 </a:solidFill>
@@ -6003,7 +6121,7 @@
               <a:t>Name</a:t>
             </a:r>
             <a:r>
-              <a:rPr lang="en-CA">
+              <a:rPr lang="en-CA" sz="2400">
                 <a:solidFill>
                   <a:srgbClr val="000000"/>
                 </a:solidFill>
@@ -6013,7 +6131,7 @@
               <a:t> you are </a:t>
             </a:r>
             <a:r>
-              <a:rPr lang="en-CA">
+              <a:rPr lang="en-CA" sz="2400">
                 <a:solidFill>
                   <a:srgbClr val="808080"/>
                 </a:solidFill>
@@ -6023,7 +6141,7 @@
               <a:t>[adjective] </a:t>
             </a:r>
             <a:r>
-              <a:rPr lang="en-CA">
+              <a:rPr lang="en-CA" sz="2400">
                 <a:solidFill>
                   <a:srgbClr val="000000"/>
                 </a:solidFill>
@@ -6033,7 +6151,7 @@
               <a:t>at </a:t>
             </a:r>
             <a:r>
-              <a:rPr lang="en-CA">
+              <a:rPr lang="en-CA" sz="2400">
                 <a:solidFill>
                   <a:srgbClr val="808080"/>
                 </a:solidFill>
@@ -6121,6 +6239,11 @@
             <a:endParaRPr/>
           </a:p>
           <a:p>
+            <a:pPr>
+              <a:lnSpc>
+                <a:spcPct val="100000"/>
+              </a:lnSpc>
+            </a:pPr>
             <a:r>
               <a:rPr lang="en-CA" sz="2400">
                 <a:solidFill>
@@ -6244,21 +6367,25 @@
       </p:grpSpPr>
       <p:sp>
         <p:nvSpPr>
-          <p:cNvPr id="304" name="TextShape 1"/>
-          <p:cNvSpPr txBox="1"/>
+          <p:cNvPr id="305" name="CustomShape 1"/>
+          <p:cNvSpPr/>
           <p:nvPr/>
         </p:nvSpPr>
         <p:spPr>
           <a:xfrm>
             <a:off x="457200" y="434520"/>
-            <a:ext cx="8686440" cy="1141200"/>
-          </a:xfrm>
-          <a:prstGeom prst="rect">
-            <a:avLst/>
-          </a:prstGeom>
-        </p:spPr>
-        <p:txBody>
-          <a:bodyPr tIns="91440" bIns="91440" anchor="b"/>
+            <a:ext cx="8686080" cy="1140840"/>
+          </a:xfrm>
+          <a:prstGeom prst="rect">
+            <a:avLst/>
+          </a:prstGeom>
+          <a:noFill/>
+          <a:ln>
+            <a:noFill/>
+          </a:ln>
+        </p:spPr>
+        <p:txBody>
+          <a:bodyPr lIns="90000" rIns="90000" tIns="91440" bIns="91440" anchor="b"/>
           <a:p>
             <a:pPr>
               <a:lnSpc>
@@ -6281,21 +6408,25 @@
       </p:sp>
       <p:sp>
         <p:nvSpPr>
-          <p:cNvPr id="305" name="TextShape 2"/>
-          <p:cNvSpPr txBox="1"/>
+          <p:cNvPr id="306" name="CustomShape 2"/>
+          <p:cNvSpPr/>
           <p:nvPr/>
         </p:nvSpPr>
         <p:spPr>
           <a:xfrm>
             <a:off x="457200" y="1536840"/>
-            <a:ext cx="8229240" cy="3146040"/>
-          </a:xfrm>
-          <a:prstGeom prst="rect">
-            <a:avLst/>
-          </a:prstGeom>
-        </p:spPr>
-        <p:txBody>
-          <a:bodyPr tIns="91440" bIns="91440"/>
+            <a:ext cx="8228880" cy="3145680"/>
+          </a:xfrm>
+          <a:prstGeom prst="rect">
+            <a:avLst/>
+          </a:prstGeom>
+          <a:noFill/>
+          <a:ln>
+            <a:noFill/>
+          </a:ln>
+        </p:spPr>
+        <p:txBody>
+          <a:bodyPr lIns="90000" rIns="90000" tIns="91440" bIns="91440"/>
           <a:p>
             <a:pPr>
               <a:lnSpc>
@@ -6397,21 +6528,25 @@
       </p:grpSpPr>
       <p:sp>
         <p:nvSpPr>
-          <p:cNvPr id="134" name="TextShape 1"/>
-          <p:cNvSpPr txBox="1"/>
+          <p:cNvPr id="135" name="CustomShape 1"/>
+          <p:cNvSpPr/>
           <p:nvPr/>
         </p:nvSpPr>
         <p:spPr>
           <a:xfrm>
             <a:off x="0" y="1915200"/>
-            <a:ext cx="9143640" cy="1357200"/>
-          </a:xfrm>
-          <a:prstGeom prst="rect">
-            <a:avLst/>
-          </a:prstGeom>
-        </p:spPr>
-        <p:txBody>
-          <a:bodyPr tIns="91440" bIns="91440" anchor="ctr"/>
+            <a:ext cx="9143280" cy="1356840"/>
+          </a:xfrm>
+          <a:prstGeom prst="rect">
+            <a:avLst/>
+          </a:prstGeom>
+          <a:noFill/>
+          <a:ln>
+            <a:noFill/>
+          </a:ln>
+        </p:spPr>
+        <p:txBody>
+          <a:bodyPr lIns="90000" rIns="90000" tIns="91440" bIns="91440" anchor="ctr"/>
           <a:p>
             <a:pPr>
               <a:lnSpc>
@@ -6483,21 +6618,25 @@
       </p:grpSpPr>
       <p:sp>
         <p:nvSpPr>
-          <p:cNvPr id="306" name="TextShape 1"/>
-          <p:cNvSpPr txBox="1"/>
+          <p:cNvPr id="307" name="CustomShape 1"/>
+          <p:cNvSpPr/>
           <p:nvPr/>
         </p:nvSpPr>
         <p:spPr>
           <a:xfrm>
             <a:off x="457200" y="434520"/>
-            <a:ext cx="8686440" cy="1141200"/>
-          </a:xfrm>
-          <a:prstGeom prst="rect">
-            <a:avLst/>
-          </a:prstGeom>
-        </p:spPr>
-        <p:txBody>
-          <a:bodyPr tIns="91440" bIns="91440" anchor="b"/>
+            <a:ext cx="8686080" cy="1140840"/>
+          </a:xfrm>
+          <a:prstGeom prst="rect">
+            <a:avLst/>
+          </a:prstGeom>
+          <a:noFill/>
+          <a:ln>
+            <a:noFill/>
+          </a:ln>
+        </p:spPr>
+        <p:txBody>
+          <a:bodyPr lIns="90000" rIns="90000" tIns="91440" bIns="91440" anchor="b"/>
           <a:p>
             <a:pPr>
               <a:lnSpc>
@@ -6520,21 +6659,25 @@
       </p:sp>
       <p:sp>
         <p:nvSpPr>
-          <p:cNvPr id="307" name="TextShape 2"/>
-          <p:cNvSpPr txBox="1"/>
+          <p:cNvPr id="308" name="CustomShape 2"/>
+          <p:cNvSpPr/>
           <p:nvPr/>
         </p:nvSpPr>
         <p:spPr>
           <a:xfrm>
             <a:off x="457200" y="1536840"/>
-            <a:ext cx="8229240" cy="3146040"/>
-          </a:xfrm>
-          <a:prstGeom prst="rect">
-            <a:avLst/>
-          </a:prstGeom>
-        </p:spPr>
-        <p:txBody>
-          <a:bodyPr tIns="91440" bIns="91440"/>
+            <a:ext cx="8228880" cy="3145680"/>
+          </a:xfrm>
+          <a:prstGeom prst="rect">
+            <a:avLst/>
+          </a:prstGeom>
+          <a:noFill/>
+          <a:ln>
+            <a:noFill/>
+          </a:ln>
+        </p:spPr>
+        <p:txBody>
+          <a:bodyPr lIns="90000" rIns="90000" tIns="91440" bIns="91440"/>
           <a:p>
             <a:pPr>
               <a:lnSpc>
@@ -6648,21 +6791,25 @@
       </p:grpSpPr>
       <p:sp>
         <p:nvSpPr>
-          <p:cNvPr id="308" name="TextShape 1"/>
-          <p:cNvSpPr txBox="1"/>
+          <p:cNvPr id="309" name="CustomShape 1"/>
+          <p:cNvSpPr/>
           <p:nvPr/>
         </p:nvSpPr>
         <p:spPr>
           <a:xfrm>
             <a:off x="457200" y="434520"/>
-            <a:ext cx="8686440" cy="1141200"/>
-          </a:xfrm>
-          <a:prstGeom prst="rect">
-            <a:avLst/>
-          </a:prstGeom>
-        </p:spPr>
-        <p:txBody>
-          <a:bodyPr tIns="91440" bIns="91440" anchor="b"/>
+            <a:ext cx="8686080" cy="1140840"/>
+          </a:xfrm>
+          <a:prstGeom prst="rect">
+            <a:avLst/>
+          </a:prstGeom>
+          <a:noFill/>
+          <a:ln>
+            <a:noFill/>
+          </a:ln>
+        </p:spPr>
+        <p:txBody>
+          <a:bodyPr lIns="90000" rIns="90000" tIns="91440" bIns="91440" anchor="b"/>
           <a:p>
             <a:pPr>
               <a:lnSpc>
@@ -6685,25 +6832,23 @@
       </p:sp>
       <p:sp>
         <p:nvSpPr>
-          <p:cNvPr id="309" name="TextShape 2"/>
-          <p:cNvSpPr txBox="1"/>
+          <p:cNvPr id="310" name="CustomShape 2"/>
+          <p:cNvSpPr/>
           <p:nvPr/>
         </p:nvSpPr>
         <p:spPr>
           <a:xfrm>
             <a:off x="457200" y="1536840"/>
-            <a:ext cx="8229240" cy="3146040"/>
-          </a:xfrm>
-          <a:prstGeom prst="rect">
-            <a:avLst/>
-          </a:prstGeom>
-        </p:spPr>
-        <p:txBody>
-          <a:bodyPr tIns="91440" bIns="91440"/>
-          <a:p>
-            <a:endParaRPr/>
-          </a:p>
-        </p:txBody>
+            <a:ext cx="8228880" cy="3145680"/>
+          </a:xfrm>
+          <a:prstGeom prst="rect">
+            <a:avLst/>
+          </a:prstGeom>
+          <a:noFill/>
+          <a:ln>
+            <a:noFill/>
+          </a:ln>
+        </p:spPr>
       </p:sp>
     </p:spTree>
   </p:cSld>
@@ -6756,21 +6901,25 @@
       </p:grpSpPr>
       <p:sp>
         <p:nvSpPr>
-          <p:cNvPr id="310" name="TextShape 1"/>
-          <p:cNvSpPr txBox="1"/>
+          <p:cNvPr id="311" name="CustomShape 1"/>
+          <p:cNvSpPr/>
           <p:nvPr/>
         </p:nvSpPr>
         <p:spPr>
           <a:xfrm>
             <a:off x="457200" y="434520"/>
-            <a:ext cx="8686440" cy="1141200"/>
-          </a:xfrm>
-          <a:prstGeom prst="rect">
-            <a:avLst/>
-          </a:prstGeom>
-        </p:spPr>
-        <p:txBody>
-          <a:bodyPr tIns="91440" bIns="91440" anchor="b"/>
+            <a:ext cx="8686080" cy="1140840"/>
+          </a:xfrm>
+          <a:prstGeom prst="rect">
+            <a:avLst/>
+          </a:prstGeom>
+          <a:noFill/>
+          <a:ln>
+            <a:noFill/>
+          </a:ln>
+        </p:spPr>
+        <p:txBody>
+          <a:bodyPr lIns="90000" rIns="90000" tIns="91440" bIns="91440" anchor="b"/>
           <a:p>
             <a:pPr>
               <a:lnSpc>
@@ -6793,21 +6942,25 @@
       </p:sp>
       <p:sp>
         <p:nvSpPr>
-          <p:cNvPr id="311" name="TextShape 2"/>
-          <p:cNvSpPr txBox="1"/>
+          <p:cNvPr id="312" name="CustomShape 2"/>
+          <p:cNvSpPr/>
           <p:nvPr/>
         </p:nvSpPr>
         <p:spPr>
           <a:xfrm>
             <a:off x="457200" y="1536840"/>
-            <a:ext cx="8229240" cy="3146040"/>
-          </a:xfrm>
-          <a:prstGeom prst="rect">
-            <a:avLst/>
-          </a:prstGeom>
-        </p:spPr>
-        <p:txBody>
-          <a:bodyPr tIns="91440" bIns="91440"/>
+            <a:ext cx="8228880" cy="3145680"/>
+          </a:xfrm>
+          <a:prstGeom prst="rect">
+            <a:avLst/>
+          </a:prstGeom>
+          <a:noFill/>
+          <a:ln>
+            <a:noFill/>
+          </a:ln>
+        </p:spPr>
+        <p:txBody>
+          <a:bodyPr lIns="90000" rIns="90000" tIns="91440" bIns="91440"/>
           <a:p>
             <a:pPr>
               <a:lnSpc>
@@ -6909,21 +7062,25 @@
       </p:grpSpPr>
       <p:sp>
         <p:nvSpPr>
-          <p:cNvPr id="312" name="TextShape 1"/>
-          <p:cNvSpPr txBox="1"/>
+          <p:cNvPr id="313" name="CustomShape 1"/>
+          <p:cNvSpPr/>
           <p:nvPr/>
         </p:nvSpPr>
         <p:spPr>
           <a:xfrm>
             <a:off x="457200" y="434520"/>
-            <a:ext cx="8686440" cy="1141200"/>
-          </a:xfrm>
-          <a:prstGeom prst="rect">
-            <a:avLst/>
-          </a:prstGeom>
-        </p:spPr>
-        <p:txBody>
-          <a:bodyPr tIns="91440" bIns="91440" anchor="b"/>
+            <a:ext cx="8686080" cy="1140840"/>
+          </a:xfrm>
+          <a:prstGeom prst="rect">
+            <a:avLst/>
+          </a:prstGeom>
+          <a:noFill/>
+          <a:ln>
+            <a:noFill/>
+          </a:ln>
+        </p:spPr>
+        <p:txBody>
+          <a:bodyPr lIns="90000" rIns="90000" tIns="91440" bIns="91440" anchor="b"/>
           <a:p>
             <a:pPr>
               <a:lnSpc>
@@ -6946,25 +7103,23 @@
       </p:sp>
       <p:sp>
         <p:nvSpPr>
-          <p:cNvPr id="313" name="TextShape 2"/>
-          <p:cNvSpPr txBox="1"/>
+          <p:cNvPr id="314" name="CustomShape 2"/>
+          <p:cNvSpPr/>
           <p:nvPr/>
         </p:nvSpPr>
         <p:spPr>
           <a:xfrm>
             <a:off x="457200" y="1536840"/>
-            <a:ext cx="8229240" cy="3146040"/>
-          </a:xfrm>
-          <a:prstGeom prst="rect">
-            <a:avLst/>
-          </a:prstGeom>
-        </p:spPr>
-        <p:txBody>
-          <a:bodyPr tIns="91440" bIns="91440"/>
-          <a:p>
-            <a:endParaRPr/>
-          </a:p>
-        </p:txBody>
+            <a:ext cx="8228880" cy="3145680"/>
+          </a:xfrm>
+          <a:prstGeom prst="rect">
+            <a:avLst/>
+          </a:prstGeom>
+          <a:noFill/>
+          <a:ln>
+            <a:noFill/>
+          </a:ln>
+        </p:spPr>
       </p:sp>
     </p:spTree>
   </p:cSld>
@@ -7017,21 +7172,25 @@
       </p:grpSpPr>
       <p:sp>
         <p:nvSpPr>
-          <p:cNvPr id="314" name="TextShape 1"/>
-          <p:cNvSpPr txBox="1"/>
+          <p:cNvPr id="315" name="CustomShape 1"/>
+          <p:cNvSpPr/>
           <p:nvPr/>
         </p:nvSpPr>
         <p:spPr>
           <a:xfrm>
             <a:off x="457200" y="434520"/>
-            <a:ext cx="8686440" cy="1141200"/>
-          </a:xfrm>
-          <a:prstGeom prst="rect">
-            <a:avLst/>
-          </a:prstGeom>
-        </p:spPr>
-        <p:txBody>
-          <a:bodyPr tIns="91440" bIns="91440" anchor="b"/>
+            <a:ext cx="8686080" cy="1140840"/>
+          </a:xfrm>
+          <a:prstGeom prst="rect">
+            <a:avLst/>
+          </a:prstGeom>
+          <a:noFill/>
+          <a:ln>
+            <a:noFill/>
+          </a:ln>
+        </p:spPr>
+        <p:txBody>
+          <a:bodyPr lIns="90000" rIns="90000" tIns="91440" bIns="91440" anchor="b"/>
           <a:p>
             <a:pPr>
               <a:lnSpc>
@@ -7054,21 +7213,25 @@
       </p:sp>
       <p:sp>
         <p:nvSpPr>
-          <p:cNvPr id="315" name="TextShape 2"/>
-          <p:cNvSpPr txBox="1"/>
+          <p:cNvPr id="316" name="CustomShape 2"/>
+          <p:cNvSpPr/>
           <p:nvPr/>
         </p:nvSpPr>
         <p:spPr>
           <a:xfrm>
             <a:off x="457200" y="1536840"/>
-            <a:ext cx="8229240" cy="3146040"/>
-          </a:xfrm>
-          <a:prstGeom prst="rect">
-            <a:avLst/>
-          </a:prstGeom>
-        </p:spPr>
-        <p:txBody>
-          <a:bodyPr tIns="91440" bIns="91440"/>
+            <a:ext cx="8228880" cy="3145680"/>
+          </a:xfrm>
+          <a:prstGeom prst="rect">
+            <a:avLst/>
+          </a:prstGeom>
+          <a:noFill/>
+          <a:ln>
+            <a:noFill/>
+          </a:ln>
+        </p:spPr>
+        <p:txBody>
+          <a:bodyPr lIns="90000" rIns="90000" tIns="91440" bIns="91440"/>
           <a:p>
             <a:pPr>
               <a:lnSpc>
@@ -7170,21 +7333,25 @@
       </p:grpSpPr>
       <p:sp>
         <p:nvSpPr>
-          <p:cNvPr id="316" name="TextShape 1"/>
-          <p:cNvSpPr txBox="1"/>
+          <p:cNvPr id="317" name="CustomShape 1"/>
+          <p:cNvSpPr/>
           <p:nvPr/>
         </p:nvSpPr>
         <p:spPr>
           <a:xfrm>
             <a:off x="457200" y="434520"/>
-            <a:ext cx="8686440" cy="1141200"/>
-          </a:xfrm>
-          <a:prstGeom prst="rect">
-            <a:avLst/>
-          </a:prstGeom>
-        </p:spPr>
-        <p:txBody>
-          <a:bodyPr tIns="91440" bIns="91440" anchor="b"/>
+            <a:ext cx="8686080" cy="1140840"/>
+          </a:xfrm>
+          <a:prstGeom prst="rect">
+            <a:avLst/>
+          </a:prstGeom>
+          <a:noFill/>
+          <a:ln>
+            <a:noFill/>
+          </a:ln>
+        </p:spPr>
+        <p:txBody>
+          <a:bodyPr lIns="90000" rIns="90000" tIns="91440" bIns="91440" anchor="b"/>
           <a:p>
             <a:pPr>
               <a:lnSpc>
@@ -7207,21 +7374,25 @@
       </p:sp>
       <p:sp>
         <p:nvSpPr>
-          <p:cNvPr id="317" name="TextShape 2"/>
-          <p:cNvSpPr txBox="1"/>
+          <p:cNvPr id="318" name="CustomShape 2"/>
+          <p:cNvSpPr/>
           <p:nvPr/>
         </p:nvSpPr>
         <p:spPr>
           <a:xfrm>
             <a:off x="457200" y="1536840"/>
-            <a:ext cx="8229240" cy="3146040"/>
-          </a:xfrm>
-          <a:prstGeom prst="rect">
-            <a:avLst/>
-          </a:prstGeom>
-        </p:spPr>
-        <p:txBody>
-          <a:bodyPr tIns="91440" bIns="91440"/>
+            <a:ext cx="8228880" cy="3145680"/>
+          </a:xfrm>
+          <a:prstGeom prst="rect">
+            <a:avLst/>
+          </a:prstGeom>
+          <a:noFill/>
+          <a:ln>
+            <a:noFill/>
+          </a:ln>
+        </p:spPr>
+        <p:txBody>
+          <a:bodyPr lIns="90000" rIns="90000" tIns="91440" bIns="91440"/>
           <a:p>
             <a:pPr>
               <a:lnSpc>
@@ -7375,21 +7546,25 @@
       </p:grpSpPr>
       <p:sp>
         <p:nvSpPr>
-          <p:cNvPr id="318" name="TextShape 1"/>
-          <p:cNvSpPr txBox="1"/>
+          <p:cNvPr id="319" name="CustomShape 1"/>
+          <p:cNvSpPr/>
           <p:nvPr/>
         </p:nvSpPr>
         <p:spPr>
           <a:xfrm>
             <a:off x="457200" y="434520"/>
-            <a:ext cx="8686440" cy="1141200"/>
-          </a:xfrm>
-          <a:prstGeom prst="rect">
-            <a:avLst/>
-          </a:prstGeom>
-        </p:spPr>
-        <p:txBody>
-          <a:bodyPr tIns="91440" bIns="91440" anchor="b"/>
+            <a:ext cx="8686080" cy="1140840"/>
+          </a:xfrm>
+          <a:prstGeom prst="rect">
+            <a:avLst/>
+          </a:prstGeom>
+          <a:noFill/>
+          <a:ln>
+            <a:noFill/>
+          </a:ln>
+        </p:spPr>
+        <p:txBody>
+          <a:bodyPr lIns="90000" rIns="90000" tIns="91440" bIns="91440" anchor="b"/>
           <a:p>
             <a:pPr>
               <a:lnSpc>
@@ -7412,21 +7587,25 @@
       </p:sp>
       <p:sp>
         <p:nvSpPr>
-          <p:cNvPr id="319" name="TextShape 2"/>
-          <p:cNvSpPr txBox="1"/>
+          <p:cNvPr id="320" name="CustomShape 2"/>
+          <p:cNvSpPr/>
           <p:nvPr/>
         </p:nvSpPr>
         <p:spPr>
           <a:xfrm>
             <a:off x="457200" y="1536840"/>
-            <a:ext cx="8229240" cy="3146040"/>
-          </a:xfrm>
-          <a:prstGeom prst="rect">
-            <a:avLst/>
-          </a:prstGeom>
-        </p:spPr>
-        <p:txBody>
-          <a:bodyPr tIns="91440" bIns="91440"/>
+            <a:ext cx="8228880" cy="3145680"/>
+          </a:xfrm>
+          <a:prstGeom prst="rect">
+            <a:avLst/>
+          </a:prstGeom>
+          <a:noFill/>
+          <a:ln>
+            <a:noFill/>
+          </a:ln>
+        </p:spPr>
+        <p:txBody>
+          <a:bodyPr lIns="90000" rIns="90000" tIns="91440" bIns="91440"/>
           <a:p>
             <a:pPr>
               <a:lnSpc>
@@ -7588,21 +7767,25 @@
       </p:grpSpPr>
       <p:sp>
         <p:nvSpPr>
-          <p:cNvPr id="320" name="TextShape 1"/>
-          <p:cNvSpPr txBox="1"/>
+          <p:cNvPr id="321" name="CustomShape 1"/>
+          <p:cNvSpPr/>
           <p:nvPr/>
         </p:nvSpPr>
         <p:spPr>
           <a:xfrm>
             <a:off x="457200" y="434520"/>
-            <a:ext cx="8686440" cy="1141200"/>
-          </a:xfrm>
-          <a:prstGeom prst="rect">
-            <a:avLst/>
-          </a:prstGeom>
-        </p:spPr>
-        <p:txBody>
-          <a:bodyPr tIns="91440" bIns="91440" anchor="b"/>
+            <a:ext cx="8686080" cy="1140840"/>
+          </a:xfrm>
+          <a:prstGeom prst="rect">
+            <a:avLst/>
+          </a:prstGeom>
+          <a:noFill/>
+          <a:ln>
+            <a:noFill/>
+          </a:ln>
+        </p:spPr>
+        <p:txBody>
+          <a:bodyPr lIns="90000" rIns="90000" tIns="91440" bIns="91440" anchor="b"/>
           <a:p>
             <a:pPr>
               <a:lnSpc>
@@ -7625,21 +7808,25 @@
       </p:sp>
       <p:sp>
         <p:nvSpPr>
-          <p:cNvPr id="321" name="TextShape 2"/>
-          <p:cNvSpPr txBox="1"/>
+          <p:cNvPr id="322" name="CustomShape 2"/>
+          <p:cNvSpPr/>
           <p:nvPr/>
         </p:nvSpPr>
         <p:spPr>
           <a:xfrm>
             <a:off x="457200" y="1536840"/>
-            <a:ext cx="8229240" cy="3146040"/>
-          </a:xfrm>
-          <a:prstGeom prst="rect">
-            <a:avLst/>
-          </a:prstGeom>
-        </p:spPr>
-        <p:txBody>
-          <a:bodyPr tIns="91440" bIns="91440"/>
+            <a:ext cx="8228880" cy="3145680"/>
+          </a:xfrm>
+          <a:prstGeom prst="rect">
+            <a:avLst/>
+          </a:prstGeom>
+          <a:noFill/>
+          <a:ln>
+            <a:noFill/>
+          </a:ln>
+        </p:spPr>
+        <p:txBody>
+          <a:bodyPr lIns="90000" rIns="90000" tIns="91440" bIns="91440"/>
           <a:p>
             <a:pPr>
               <a:lnSpc>
@@ -7741,21 +7928,25 @@
       </p:grpSpPr>
       <p:sp>
         <p:nvSpPr>
-          <p:cNvPr id="322" name="TextShape 1"/>
-          <p:cNvSpPr txBox="1"/>
+          <p:cNvPr id="323" name="CustomShape 1"/>
+          <p:cNvSpPr/>
           <p:nvPr/>
         </p:nvSpPr>
         <p:spPr>
           <a:xfrm>
             <a:off x="457200" y="434520"/>
-            <a:ext cx="8686440" cy="1141200"/>
-          </a:xfrm>
-          <a:prstGeom prst="rect">
-            <a:avLst/>
-          </a:prstGeom>
-        </p:spPr>
-        <p:txBody>
-          <a:bodyPr tIns="91440" bIns="91440" anchor="b"/>
+            <a:ext cx="8686080" cy="1140840"/>
+          </a:xfrm>
+          <a:prstGeom prst="rect">
+            <a:avLst/>
+          </a:prstGeom>
+          <a:noFill/>
+          <a:ln>
+            <a:noFill/>
+          </a:ln>
+        </p:spPr>
+        <p:txBody>
+          <a:bodyPr lIns="90000" rIns="90000" tIns="91440" bIns="91440" anchor="b"/>
           <a:p>
             <a:pPr>
               <a:lnSpc>
@@ -7778,21 +7969,25 @@
       </p:sp>
       <p:sp>
         <p:nvSpPr>
-          <p:cNvPr id="323" name="TextShape 2"/>
-          <p:cNvSpPr txBox="1"/>
+          <p:cNvPr id="324" name="CustomShape 2"/>
+          <p:cNvSpPr/>
           <p:nvPr/>
         </p:nvSpPr>
         <p:spPr>
           <a:xfrm>
             <a:off x="457200" y="1536840"/>
-            <a:ext cx="8229240" cy="3146040"/>
-          </a:xfrm>
-          <a:prstGeom prst="rect">
-            <a:avLst/>
-          </a:prstGeom>
-        </p:spPr>
-        <p:txBody>
-          <a:bodyPr tIns="91440" bIns="91440"/>
+            <a:ext cx="8228880" cy="3145680"/>
+          </a:xfrm>
+          <a:prstGeom prst="rect">
+            <a:avLst/>
+          </a:prstGeom>
+          <a:noFill/>
+          <a:ln>
+            <a:noFill/>
+          </a:ln>
+        </p:spPr>
+        <p:txBody>
+          <a:bodyPr lIns="90000" rIns="90000" tIns="91440" bIns="91440"/>
           <a:p>
             <a:pPr>
               <a:lnSpc>
@@ -7866,21 +8061,25 @@
       </p:grpSpPr>
       <p:sp>
         <p:nvSpPr>
-          <p:cNvPr id="135" name="TextShape 1"/>
-          <p:cNvSpPr txBox="1"/>
+          <p:cNvPr id="136" name="CustomShape 1"/>
+          <p:cNvSpPr/>
           <p:nvPr/>
         </p:nvSpPr>
         <p:spPr>
           <a:xfrm>
             <a:off x="457200" y="434520"/>
-            <a:ext cx="8686440" cy="1141200"/>
-          </a:xfrm>
-          <a:prstGeom prst="rect">
-            <a:avLst/>
-          </a:prstGeom>
-        </p:spPr>
-        <p:txBody>
-          <a:bodyPr tIns="91440" bIns="91440" anchor="b"/>
+            <a:ext cx="8686080" cy="1140840"/>
+          </a:xfrm>
+          <a:prstGeom prst="rect">
+            <a:avLst/>
+          </a:prstGeom>
+          <a:noFill/>
+          <a:ln>
+            <a:noFill/>
+          </a:ln>
+        </p:spPr>
+        <p:txBody>
+          <a:bodyPr lIns="90000" rIns="90000" tIns="91440" bIns="91440" anchor="b"/>
           <a:p>
             <a:pPr>
               <a:lnSpc>
@@ -7903,7 +8102,7 @@
       </p:sp>
       <p:pic>
         <p:nvPicPr>
-          <p:cNvPr id="136" name="Picture 2" descr=""/>
+          <p:cNvPr id="137" name="Picture 2" descr=""/>
           <p:cNvPicPr/>
           <p:nvPr/>
         </p:nvPicPr>
@@ -7916,7 +8115,7 @@
         <p:spPr>
           <a:xfrm>
             <a:off x="843480" y="1814040"/>
-            <a:ext cx="7571160" cy="2609280"/>
+            <a:ext cx="7570800" cy="2608920"/>
           </a:xfrm>
           <a:prstGeom prst="rect">
             <a:avLst/>
@@ -7977,7 +8176,7 @@
       </p:grpSpPr>
       <p:pic>
         <p:nvPicPr>
-          <p:cNvPr id="137" name="Picture 1" descr=""/>
+          <p:cNvPr id="138" name="Picture 1" descr=""/>
           <p:cNvPicPr/>
           <p:nvPr/>
         </p:nvPicPr>
@@ -7990,7 +8189,7 @@
         <p:spPr>
           <a:xfrm>
             <a:off x="555120" y="864360"/>
-            <a:ext cx="8119800" cy="3664800"/>
+            <a:ext cx="8119440" cy="3664440"/>
           </a:xfrm>
           <a:prstGeom prst="rect">
             <a:avLst/>
@@ -8051,21 +8250,25 @@
       </p:grpSpPr>
       <p:sp>
         <p:nvSpPr>
-          <p:cNvPr id="138" name="TextShape 1"/>
-          <p:cNvSpPr txBox="1"/>
+          <p:cNvPr id="139" name="CustomShape 1"/>
+          <p:cNvSpPr/>
           <p:nvPr/>
         </p:nvSpPr>
         <p:spPr>
           <a:xfrm>
             <a:off x="0" y="1915200"/>
-            <a:ext cx="9143640" cy="1357200"/>
-          </a:xfrm>
-          <a:prstGeom prst="rect">
-            <a:avLst/>
-          </a:prstGeom>
-        </p:spPr>
-        <p:txBody>
-          <a:bodyPr tIns="91440" bIns="91440" anchor="ctr"/>
+            <a:ext cx="9143280" cy="1356840"/>
+          </a:xfrm>
+          <a:prstGeom prst="rect">
+            <a:avLst/>
+          </a:prstGeom>
+          <a:noFill/>
+          <a:ln>
+            <a:noFill/>
+          </a:ln>
+        </p:spPr>
+        <p:txBody>
+          <a:bodyPr lIns="90000" rIns="90000" tIns="91440" bIns="91440" anchor="ctr"/>
           <a:p>
             <a:pPr>
               <a:lnSpc>
@@ -8137,21 +8340,25 @@
       </p:grpSpPr>
       <p:sp>
         <p:nvSpPr>
-          <p:cNvPr id="139" name="TextShape 1"/>
-          <p:cNvSpPr txBox="1"/>
+          <p:cNvPr id="140" name="CustomShape 1"/>
+          <p:cNvSpPr/>
           <p:nvPr/>
         </p:nvSpPr>
         <p:spPr>
           <a:xfrm>
             <a:off x="457200" y="434520"/>
-            <a:ext cx="8686440" cy="1141200"/>
-          </a:xfrm>
-          <a:prstGeom prst="rect">
-            <a:avLst/>
-          </a:prstGeom>
-        </p:spPr>
-        <p:txBody>
-          <a:bodyPr tIns="91440" bIns="91440" anchor="b"/>
+            <a:ext cx="8686080" cy="1140840"/>
+          </a:xfrm>
+          <a:prstGeom prst="rect">
+            <a:avLst/>
+          </a:prstGeom>
+          <a:noFill/>
+          <a:ln>
+            <a:noFill/>
+          </a:ln>
+        </p:spPr>
+        <p:txBody>
+          <a:bodyPr lIns="90000" rIns="90000" tIns="91440" bIns="91440" anchor="b"/>
           <a:p>
             <a:pPr>
               <a:lnSpc>
@@ -8174,7 +8381,7 @@
       </p:sp>
       <p:pic>
         <p:nvPicPr>
-          <p:cNvPr id="140" name="Picture 2" descr=""/>
+          <p:cNvPr id="141" name="Picture 2" descr=""/>
           <p:cNvPicPr/>
           <p:nvPr/>
         </p:nvPicPr>
@@ -8187,7 +8394,7 @@
         <p:spPr>
           <a:xfrm>
             <a:off x="1209960" y="1710720"/>
-            <a:ext cx="6723360" cy="3028320"/>
+            <a:ext cx="6723000" cy="3027960"/>
           </a:xfrm>
           <a:prstGeom prst="rect">
             <a:avLst/>
@@ -8248,21 +8455,25 @@
       </p:grpSpPr>
       <p:sp>
         <p:nvSpPr>
-          <p:cNvPr id="141" name="TextShape 1"/>
-          <p:cNvSpPr txBox="1"/>
+          <p:cNvPr id="142" name="CustomShape 1"/>
+          <p:cNvSpPr/>
           <p:nvPr/>
         </p:nvSpPr>
         <p:spPr>
           <a:xfrm>
             <a:off x="0" y="1915200"/>
-            <a:ext cx="9143640" cy="1357200"/>
-          </a:xfrm>
-          <a:prstGeom prst="rect">
-            <a:avLst/>
-          </a:prstGeom>
-        </p:spPr>
-        <p:txBody>
-          <a:bodyPr tIns="91440" bIns="91440" anchor="ctr"/>
+            <a:ext cx="9143280" cy="1356840"/>
+          </a:xfrm>
+          <a:prstGeom prst="rect">
+            <a:avLst/>
+          </a:prstGeom>
+          <a:noFill/>
+          <a:ln>
+            <a:noFill/>
+          </a:ln>
+        </p:spPr>
+        <p:txBody>
+          <a:bodyPr lIns="90000" rIns="90000" tIns="91440" bIns="91440" anchor="ctr"/>
           <a:p>
             <a:pPr>
               <a:lnSpc>
@@ -8334,21 +8545,25 @@
       </p:grpSpPr>
       <p:sp>
         <p:nvSpPr>
-          <p:cNvPr id="142" name="TextShape 1"/>
-          <p:cNvSpPr txBox="1"/>
+          <p:cNvPr id="143" name="CustomShape 1"/>
+          <p:cNvSpPr/>
           <p:nvPr/>
         </p:nvSpPr>
         <p:spPr>
           <a:xfrm>
             <a:off x="0" y="1141200"/>
-            <a:ext cx="9088920" cy="2131200"/>
-          </a:xfrm>
-          <a:prstGeom prst="rect">
-            <a:avLst/>
-          </a:prstGeom>
-        </p:spPr>
-        <p:txBody>
-          <a:bodyPr tIns="91440" bIns="91440" anchor="ctr"/>
+            <a:ext cx="9088560" cy="2130840"/>
+          </a:xfrm>
+          <a:prstGeom prst="rect">
+            <a:avLst/>
+          </a:prstGeom>
+          <a:noFill/>
+          <a:ln>
+            <a:noFill/>
+          </a:ln>
+        </p:spPr>
+        <p:txBody>
+          <a:bodyPr lIns="90000" rIns="90000" tIns="91440" bIns="91440" anchor="ctr"/>
           <a:p>
             <a:pPr>
               <a:lnSpc>
@@ -8420,21 +8635,25 @@
       </p:grpSpPr>
       <p:sp>
         <p:nvSpPr>
-          <p:cNvPr id="143" name="TextShape 1"/>
-          <p:cNvSpPr txBox="1"/>
+          <p:cNvPr id="144" name="CustomShape 1"/>
+          <p:cNvSpPr/>
           <p:nvPr/>
         </p:nvSpPr>
         <p:spPr>
           <a:xfrm>
             <a:off x="457200" y="434520"/>
-            <a:ext cx="8686440" cy="1141200"/>
-          </a:xfrm>
-          <a:prstGeom prst="rect">
-            <a:avLst/>
-          </a:prstGeom>
-        </p:spPr>
-        <p:txBody>
-          <a:bodyPr tIns="91440" bIns="91440" anchor="b"/>
+            <a:ext cx="8686080" cy="1140840"/>
+          </a:xfrm>
+          <a:prstGeom prst="rect">
+            <a:avLst/>
+          </a:prstGeom>
+          <a:noFill/>
+          <a:ln>
+            <a:noFill/>
+          </a:ln>
+        </p:spPr>
+        <p:txBody>
+          <a:bodyPr lIns="90000" rIns="90000" tIns="91440" bIns="91440" anchor="b"/>
           <a:p>
             <a:pPr>
               <a:lnSpc>
@@ -8457,21 +8676,38 @@
       </p:sp>
       <p:sp>
         <p:nvSpPr>
-          <p:cNvPr id="144" name="TextShape 2"/>
-          <p:cNvSpPr txBox="1"/>
+          <p:cNvPr id="145" name="CustomShape 2"/>
+          <p:cNvSpPr/>
           <p:nvPr/>
         </p:nvSpPr>
         <p:spPr>
           <a:xfrm>
             <a:off x="457200" y="1536840"/>
-            <a:ext cx="8229240" cy="3146040"/>
-          </a:xfrm>
-          <a:prstGeom prst="rect">
-            <a:avLst/>
-          </a:prstGeom>
-        </p:spPr>
-        <p:txBody>
-          <a:bodyPr tIns="91440" bIns="91440"/>
+            <a:ext cx="8228880" cy="3145680"/>
+          </a:xfrm>
+          <a:prstGeom prst="rect">
+            <a:avLst/>
+          </a:prstGeom>
+          <a:noFill/>
+          <a:ln>
+            <a:noFill/>
+          </a:ln>
+        </p:spPr>
+        <p:txBody>
+          <a:bodyPr lIns="90000" rIns="90000" tIns="91440" bIns="91440"/>
+          <a:p>
+            <a:r>
+              <a:rPr lang="en-CA" sz="3000">
+                <a:solidFill>
+                  <a:srgbClr val="000000"/>
+                </a:solidFill>
+                <a:latin typeface="Quicksand"/>
+                <a:ea typeface="Quicksand"/>
+              </a:rPr>
+              <a:t>Just like in our world there are many objects in Ruby Robot’s world</a:t>
+            </a:r>
+            <a:endParaRPr/>
+          </a:p>
           <a:p>
             <a:pPr>
               <a:lnSpc>
@@ -8481,27 +8717,6 @@
               <a:buChar char="➔"/>
             </a:pPr>
             <a:r>
-              <a:rPr lang="en-CA" sz="3000">
-                <a:solidFill>
-                  <a:srgbClr val="000000"/>
-                </a:solidFill>
-                <a:latin typeface="Quicksand"/>
-                <a:ea typeface="Quicksand"/>
-              </a:rPr>
-              <a:t>Just like in our world there are many objects in Ruby Robot’s world</a:t>
-            </a:r>
-            <a:r>
-              <a:rPr lang="en-CA" sz="3000">
-                <a:solidFill>
-                  <a:srgbClr val="000000"/>
-                </a:solidFill>
-                <a:latin typeface="Quicksand"/>
-                <a:ea typeface="Quicksand"/>
-              </a:rPr>
-              <a:t>
-</a:t>
-            </a:r>
-            <a:r>
               <a:rPr lang="en-CA" sz="1100">
                 <a:solidFill>
                   <a:srgbClr val="000000"/>
@@ -8531,17 +8746,16 @@
               </a:rPr>
               <a:t>Every object has a barcode</a:t>
             </a:r>
-            <a:r>
-              <a:rPr lang="en-CA" sz="3000">
-                <a:solidFill>
-                  <a:srgbClr val="000000"/>
-                </a:solidFill>
-                <a:latin typeface="Quicksand"/>
-                <a:ea typeface="Quicksand"/>
-              </a:rPr>
-              <a:t>
-</a:t>
-            </a:r>
+            <a:endParaRPr/>
+          </a:p>
+          <a:p>
+            <a:pPr>
+              <a:lnSpc>
+                <a:spcPct val="100000"/>
+              </a:lnSpc>
+              <a:buFont typeface="Quicksand"/>
+              <a:buChar char="➔"/>
+            </a:pPr>
             <a:r>
               <a:rPr lang="en-CA" sz="1100">
                 <a:solidFill>
@@ -8627,7 +8841,7 @@
       </p:grpSpPr>
       <p:pic>
         <p:nvPicPr>
-          <p:cNvPr id="145" name="Picture 1" descr=""/>
+          <p:cNvPr id="146" name="Picture 1" descr=""/>
           <p:cNvPicPr/>
           <p:nvPr/>
         </p:nvPicPr>
@@ -8640,7 +8854,7 @@
         <p:spPr>
           <a:xfrm>
             <a:off x="1168200" y="70920"/>
-            <a:ext cx="6685560" cy="4987800"/>
+            <a:ext cx="6685200" cy="4987440"/>
           </a:xfrm>
           <a:prstGeom prst="rect">
             <a:avLst/>
@@ -8701,100 +8915,14 @@
       </p:grpSpPr>
       <p:sp>
         <p:nvSpPr>
-          <p:cNvPr id="115" name="TextShape 1"/>
-          <p:cNvSpPr txBox="1"/>
-          <p:nvPr/>
-        </p:nvSpPr>
-        <p:spPr>
-          <a:xfrm>
-            <a:off x="457200" y="434520"/>
-            <a:ext cx="8686440" cy="1141200"/>
-          </a:xfrm>
-          <a:prstGeom prst="rect">
-            <a:avLst/>
-          </a:prstGeom>
-        </p:spPr>
-        <p:txBody>
-          <a:bodyPr tIns="91440" bIns="91440" anchor="b"/>
-          <a:p>
-            <a:pPr>
-              <a:lnSpc>
-                <a:spcPct val="100000"/>
-              </a:lnSpc>
-            </a:pPr>
-            <a:r>
-              <a:rPr b="1" lang="en-CA" sz="4800">
-                <a:solidFill>
-                  <a:srgbClr val="ffffff"/>
-                </a:solidFill>
-                <a:latin typeface="Quicksand"/>
-                <a:ea typeface="Quicksand"/>
-              </a:rPr>
-              <a:t>Your Lead Instructor</a:t>
-            </a:r>
-            <a:endParaRPr/>
-          </a:p>
-        </p:txBody>
-      </p:sp>
-      <p:sp>
-        <p:nvSpPr>
-          <p:cNvPr id="116" name="TextShape 2"/>
-          <p:cNvSpPr txBox="1"/>
-          <p:nvPr/>
-        </p:nvSpPr>
-        <p:spPr>
-          <a:xfrm>
-            <a:off x="457200" y="1536840"/>
-            <a:ext cx="8229240" cy="3146040"/>
-          </a:xfrm>
-          <a:prstGeom prst="rect">
-            <a:avLst/>
-          </a:prstGeom>
-        </p:spPr>
-        <p:txBody>
-          <a:bodyPr tIns="91440" bIns="91440"/>
-          <a:p>
-            <a:pPr>
-              <a:lnSpc>
-                <a:spcPct val="100000"/>
-              </a:lnSpc>
-              <a:buFont typeface="Quicksand"/>
-              <a:buChar char="➔"/>
-            </a:pPr>
-            <a:r>
-              <a:rPr lang="en-CA" sz="2600">
-                <a:solidFill>
-                  <a:srgbClr val="000000"/>
-                </a:solidFill>
-                <a:latin typeface="Quicksand"/>
-                <a:ea typeface="Quicksand"/>
-              </a:rPr>
-              <a:t>Who am I? </a:t>
-            </a:r>
-            <a:r>
-              <a:rPr lang="en-CA" sz="2600">
-                <a:solidFill>
-                  <a:srgbClr val="ffffff"/>
-                </a:solidFill>
-                <a:latin typeface="Quicksand"/>
-                <a:ea typeface="Quicksand"/>
-              </a:rPr>
-              <a:t>-- Irina</a:t>
-            </a:r>
-            <a:endParaRPr/>
-          </a:p>
-        </p:txBody>
-      </p:sp>
-      <p:sp>
-        <p:nvSpPr>
-          <p:cNvPr id="117" name="CustomShape 3"/>
+          <p:cNvPr id="115" name="CustomShape 1"/>
           <p:cNvSpPr/>
           <p:nvPr/>
         </p:nvSpPr>
         <p:spPr>
           <a:xfrm>
-            <a:off x="5119560" y="2238840"/>
-            <a:ext cx="3808440" cy="2069640"/>
+            <a:off x="457200" y="434520"/>
+            <a:ext cx="8686080" cy="1140840"/>
           </a:xfrm>
           <a:prstGeom prst="rect">
             <a:avLst/>
@@ -8805,6 +8933,100 @@
           </a:ln>
         </p:spPr>
         <p:txBody>
+          <a:bodyPr lIns="90000" rIns="90000" tIns="91440" bIns="91440" anchor="b"/>
+          <a:p>
+            <a:pPr>
+              <a:lnSpc>
+                <a:spcPct val="100000"/>
+              </a:lnSpc>
+            </a:pPr>
+            <a:r>
+              <a:rPr b="1" lang="en-CA" sz="4800">
+                <a:solidFill>
+                  <a:srgbClr val="ffffff"/>
+                </a:solidFill>
+                <a:latin typeface="Quicksand"/>
+                <a:ea typeface="Quicksand"/>
+              </a:rPr>
+              <a:t>Your Lead Instructor</a:t>
+            </a:r>
+            <a:endParaRPr/>
+          </a:p>
+        </p:txBody>
+      </p:sp>
+      <p:sp>
+        <p:nvSpPr>
+          <p:cNvPr id="116" name="CustomShape 2"/>
+          <p:cNvSpPr/>
+          <p:nvPr/>
+        </p:nvSpPr>
+        <p:spPr>
+          <a:xfrm>
+            <a:off x="457200" y="1536840"/>
+            <a:ext cx="8228880" cy="3145680"/>
+          </a:xfrm>
+          <a:prstGeom prst="rect">
+            <a:avLst/>
+          </a:prstGeom>
+          <a:noFill/>
+          <a:ln>
+            <a:noFill/>
+          </a:ln>
+        </p:spPr>
+        <p:txBody>
+          <a:bodyPr lIns="90000" rIns="90000" tIns="91440" bIns="91440"/>
+          <a:p>
+            <a:pPr>
+              <a:lnSpc>
+                <a:spcPct val="100000"/>
+              </a:lnSpc>
+              <a:buFont typeface="Quicksand"/>
+              <a:buChar char="➔"/>
+            </a:pPr>
+            <a:r>
+              <a:rPr lang="en-CA" sz="2600">
+                <a:solidFill>
+                  <a:srgbClr val="000000"/>
+                </a:solidFill>
+                <a:latin typeface="Quicksand"/>
+                <a:ea typeface="Quicksand"/>
+              </a:rPr>
+              <a:t>Who am I? </a:t>
+            </a:r>
+            <a:r>
+              <a:rPr lang="en-CA" sz="2600">
+                <a:solidFill>
+                  <a:srgbClr val="ffffff"/>
+                </a:solidFill>
+                <a:latin typeface="Quicksand"/>
+                <a:ea typeface="Quicksand"/>
+              </a:rPr>
+              <a:t>-- Irina</a:t>
+            </a:r>
+            <a:endParaRPr/>
+          </a:p>
+        </p:txBody>
+      </p:sp>
+      <p:sp>
+        <p:nvSpPr>
+          <p:cNvPr id="117" name="CustomShape 3"/>
+          <p:cNvSpPr/>
+          <p:nvPr/>
+        </p:nvSpPr>
+        <p:spPr>
+          <a:xfrm>
+            <a:off x="5119560" y="2238840"/>
+            <a:ext cx="3808080" cy="2069280"/>
+          </a:xfrm>
+          <a:prstGeom prst="rect">
+            <a:avLst/>
+          </a:prstGeom>
+          <a:noFill/>
+          <a:ln>
+            <a:noFill/>
+          </a:ln>
+        </p:spPr>
+        <p:txBody>
           <a:bodyPr lIns="90000" rIns="90000" tIns="45000" bIns="45000"/>
           <a:p>
             <a:pPr>
@@ -8901,7 +9123,7 @@
         <p:spPr>
           <a:xfrm>
             <a:off x="928440" y="2238840"/>
-            <a:ext cx="2999160" cy="2343240"/>
+            <a:ext cx="2998800" cy="2342880"/>
           </a:xfrm>
           <a:prstGeom prst="rect">
             <a:avLst/>
@@ -8956,6 +9178,31 @@
           </a:p>
         </p:txBody>
       </p:sp>
+      <p:pic>
+        <p:nvPicPr>
+          <p:cNvPr id="119" name="" descr=""/>
+          <p:cNvPicPr/>
+          <p:nvPr/>
+        </p:nvPicPr>
+        <p:blipFill>
+          <a:blip r:embed="rId1"/>
+          <a:stretch>
+            <a:fillRect/>
+          </a:stretch>
+        </p:blipFill>
+        <p:spPr>
+          <a:xfrm>
+            <a:off x="936000" y="2275920"/>
+            <a:ext cx="2991240" cy="2188080"/>
+          </a:xfrm>
+          <a:prstGeom prst="rect">
+            <a:avLst/>
+          </a:prstGeom>
+          <a:ln>
+            <a:noFill/>
+          </a:ln>
+        </p:spPr>
+      </p:pic>
     </p:spTree>
   </p:cSld>
   <p:timing>
@@ -9007,21 +9254,25 @@
       </p:grpSpPr>
       <p:sp>
         <p:nvSpPr>
-          <p:cNvPr id="146" name="TextShape 1"/>
-          <p:cNvSpPr txBox="1"/>
+          <p:cNvPr id="147" name="CustomShape 1"/>
+          <p:cNvSpPr/>
           <p:nvPr/>
         </p:nvSpPr>
         <p:spPr>
           <a:xfrm>
             <a:off x="457200" y="434520"/>
-            <a:ext cx="8686440" cy="1141200"/>
-          </a:xfrm>
-          <a:prstGeom prst="rect">
-            <a:avLst/>
-          </a:prstGeom>
-        </p:spPr>
-        <p:txBody>
-          <a:bodyPr tIns="91440" bIns="91440" anchor="b"/>
+            <a:ext cx="8686080" cy="1140840"/>
+          </a:xfrm>
+          <a:prstGeom prst="rect">
+            <a:avLst/>
+          </a:prstGeom>
+          <a:noFill/>
+          <a:ln>
+            <a:noFill/>
+          </a:ln>
+        </p:spPr>
+        <p:txBody>
+          <a:bodyPr lIns="90000" rIns="90000" tIns="91440" bIns="91440" anchor="b"/>
           <a:p>
             <a:pPr>
               <a:lnSpc>
@@ -9044,21 +9295,25 @@
       </p:sp>
       <p:sp>
         <p:nvSpPr>
-          <p:cNvPr id="147" name="TextShape 2"/>
-          <p:cNvSpPr txBox="1"/>
+          <p:cNvPr id="148" name="CustomShape 2"/>
+          <p:cNvSpPr/>
           <p:nvPr/>
         </p:nvSpPr>
         <p:spPr>
           <a:xfrm>
             <a:off x="457200" y="1536840"/>
-            <a:ext cx="8229240" cy="3146040"/>
-          </a:xfrm>
-          <a:prstGeom prst="rect">
-            <a:avLst/>
-          </a:prstGeom>
-        </p:spPr>
-        <p:txBody>
-          <a:bodyPr tIns="91440" bIns="91440"/>
+            <a:ext cx="8228880" cy="3145680"/>
+          </a:xfrm>
+          <a:prstGeom prst="rect">
+            <a:avLst/>
+          </a:prstGeom>
+          <a:noFill/>
+          <a:ln>
+            <a:noFill/>
+          </a:ln>
+        </p:spPr>
+        <p:txBody>
+          <a:bodyPr lIns="90000" rIns="90000" tIns="91440" bIns="91440"/>
           <a:p>
             <a:pPr>
               <a:lnSpc>
@@ -9180,21 +9435,25 @@
       </p:grpSpPr>
       <p:sp>
         <p:nvSpPr>
-          <p:cNvPr id="148" name="TextShape 1"/>
-          <p:cNvSpPr txBox="1"/>
+          <p:cNvPr id="149" name="CustomShape 1"/>
+          <p:cNvSpPr/>
           <p:nvPr/>
         </p:nvSpPr>
         <p:spPr>
           <a:xfrm>
             <a:off x="457200" y="434520"/>
-            <a:ext cx="8686440" cy="1141200"/>
-          </a:xfrm>
-          <a:prstGeom prst="rect">
-            <a:avLst/>
-          </a:prstGeom>
-        </p:spPr>
-        <p:txBody>
-          <a:bodyPr tIns="91440" bIns="91440" anchor="b"/>
+            <a:ext cx="8686080" cy="1140840"/>
+          </a:xfrm>
+          <a:prstGeom prst="rect">
+            <a:avLst/>
+          </a:prstGeom>
+          <a:noFill/>
+          <a:ln>
+            <a:noFill/>
+          </a:ln>
+        </p:spPr>
+        <p:txBody>
+          <a:bodyPr lIns="90000" rIns="90000" tIns="91440" bIns="91440" anchor="b"/>
           <a:p>
             <a:pPr>
               <a:lnSpc>
@@ -9217,21 +9476,25 @@
       </p:sp>
       <p:sp>
         <p:nvSpPr>
-          <p:cNvPr id="149" name="TextShape 2"/>
-          <p:cNvSpPr txBox="1"/>
+          <p:cNvPr id="150" name="CustomShape 2"/>
+          <p:cNvSpPr/>
           <p:nvPr/>
         </p:nvSpPr>
         <p:spPr>
           <a:xfrm>
             <a:off x="457200" y="1536840"/>
-            <a:ext cx="8229240" cy="3146040"/>
-          </a:xfrm>
-          <a:prstGeom prst="rect">
-            <a:avLst/>
-          </a:prstGeom>
-        </p:spPr>
-        <p:txBody>
-          <a:bodyPr tIns="91440" bIns="91440"/>
+            <a:ext cx="8228880" cy="3145680"/>
+          </a:xfrm>
+          <a:prstGeom prst="rect">
+            <a:avLst/>
+          </a:prstGeom>
+          <a:noFill/>
+          <a:ln>
+            <a:noFill/>
+          </a:ln>
+        </p:spPr>
+        <p:txBody>
+          <a:bodyPr lIns="90000" rIns="90000" tIns="91440" bIns="91440"/>
           <a:p>
             <a:pPr>
               <a:lnSpc>
@@ -9333,21 +9596,25 @@
       </p:grpSpPr>
       <p:sp>
         <p:nvSpPr>
-          <p:cNvPr id="150" name="TextShape 1"/>
-          <p:cNvSpPr txBox="1"/>
+          <p:cNvPr id="151" name="CustomShape 1"/>
+          <p:cNvSpPr/>
           <p:nvPr/>
         </p:nvSpPr>
         <p:spPr>
           <a:xfrm>
             <a:off x="457200" y="434520"/>
-            <a:ext cx="8686440" cy="1141200"/>
-          </a:xfrm>
-          <a:prstGeom prst="rect">
-            <a:avLst/>
-          </a:prstGeom>
-        </p:spPr>
-        <p:txBody>
-          <a:bodyPr tIns="91440" bIns="91440" anchor="b"/>
+            <a:ext cx="8686080" cy="1140840"/>
+          </a:xfrm>
+          <a:prstGeom prst="rect">
+            <a:avLst/>
+          </a:prstGeom>
+          <a:noFill/>
+          <a:ln>
+            <a:noFill/>
+          </a:ln>
+        </p:spPr>
+        <p:txBody>
+          <a:bodyPr lIns="90000" rIns="90000" tIns="91440" bIns="91440" anchor="b"/>
           <a:p>
             <a:pPr>
               <a:lnSpc>
@@ -9370,21 +9637,25 @@
       </p:sp>
       <p:sp>
         <p:nvSpPr>
-          <p:cNvPr id="151" name="TextShape 2"/>
-          <p:cNvSpPr txBox="1"/>
+          <p:cNvPr id="152" name="CustomShape 2"/>
+          <p:cNvSpPr/>
           <p:nvPr/>
         </p:nvSpPr>
         <p:spPr>
           <a:xfrm>
             <a:off x="457200" y="1536840"/>
-            <a:ext cx="8229240" cy="3146040"/>
-          </a:xfrm>
-          <a:prstGeom prst="rect">
-            <a:avLst/>
-          </a:prstGeom>
-        </p:spPr>
-        <p:txBody>
-          <a:bodyPr tIns="91440" bIns="91440"/>
+            <a:ext cx="8228880" cy="3145680"/>
+          </a:xfrm>
+          <a:prstGeom prst="rect">
+            <a:avLst/>
+          </a:prstGeom>
+          <a:noFill/>
+          <a:ln>
+            <a:noFill/>
+          </a:ln>
+        </p:spPr>
+        <p:txBody>
+          <a:bodyPr lIns="90000" rIns="90000" tIns="91440" bIns="91440"/>
           <a:p>
             <a:pPr>
               <a:lnSpc>
@@ -9486,21 +9757,25 @@
       </p:grpSpPr>
       <p:sp>
         <p:nvSpPr>
-          <p:cNvPr id="152" name="TextShape 1"/>
-          <p:cNvSpPr txBox="1"/>
+          <p:cNvPr id="153" name="CustomShape 1"/>
+          <p:cNvSpPr/>
           <p:nvPr/>
         </p:nvSpPr>
         <p:spPr>
           <a:xfrm>
             <a:off x="457200" y="434520"/>
-            <a:ext cx="8686440" cy="1141200"/>
-          </a:xfrm>
-          <a:prstGeom prst="rect">
-            <a:avLst/>
-          </a:prstGeom>
-        </p:spPr>
-        <p:txBody>
-          <a:bodyPr tIns="91440" bIns="91440" anchor="b"/>
+            <a:ext cx="8686080" cy="1140840"/>
+          </a:xfrm>
+          <a:prstGeom prst="rect">
+            <a:avLst/>
+          </a:prstGeom>
+          <a:noFill/>
+          <a:ln>
+            <a:noFill/>
+          </a:ln>
+        </p:spPr>
+        <p:txBody>
+          <a:bodyPr lIns="90000" rIns="90000" tIns="91440" bIns="91440" anchor="b"/>
           <a:p>
             <a:pPr>
               <a:lnSpc>
@@ -9523,21 +9798,25 @@
       </p:sp>
       <p:sp>
         <p:nvSpPr>
-          <p:cNvPr id="153" name="TextShape 2"/>
-          <p:cNvSpPr txBox="1"/>
+          <p:cNvPr id="154" name="CustomShape 2"/>
+          <p:cNvSpPr/>
           <p:nvPr/>
         </p:nvSpPr>
         <p:spPr>
           <a:xfrm>
             <a:off x="457200" y="1536840"/>
-            <a:ext cx="8229240" cy="3146040"/>
-          </a:xfrm>
-          <a:prstGeom prst="rect">
-            <a:avLst/>
-          </a:prstGeom>
-        </p:spPr>
-        <p:txBody>
-          <a:bodyPr tIns="91440" bIns="91440"/>
+            <a:ext cx="8228880" cy="3145680"/>
+          </a:xfrm>
+          <a:prstGeom prst="rect">
+            <a:avLst/>
+          </a:prstGeom>
+          <a:noFill/>
+          <a:ln>
+            <a:noFill/>
+          </a:ln>
+        </p:spPr>
+        <p:txBody>
+          <a:bodyPr lIns="90000" rIns="90000" tIns="91440" bIns="91440"/>
           <a:p>
             <a:pPr>
               <a:lnSpc>
@@ -9711,21 +9990,25 @@
       </p:grpSpPr>
       <p:sp>
         <p:nvSpPr>
-          <p:cNvPr id="154" name="TextShape 1"/>
-          <p:cNvSpPr txBox="1"/>
+          <p:cNvPr id="155" name="CustomShape 1"/>
+          <p:cNvSpPr/>
           <p:nvPr/>
         </p:nvSpPr>
         <p:spPr>
           <a:xfrm>
             <a:off x="457200" y="434520"/>
-            <a:ext cx="8686440" cy="1141200"/>
-          </a:xfrm>
-          <a:prstGeom prst="rect">
-            <a:avLst/>
-          </a:prstGeom>
-        </p:spPr>
-        <p:txBody>
-          <a:bodyPr tIns="91440" bIns="91440" anchor="b"/>
+            <a:ext cx="8686080" cy="1140840"/>
+          </a:xfrm>
+          <a:prstGeom prst="rect">
+            <a:avLst/>
+          </a:prstGeom>
+          <a:noFill/>
+          <a:ln>
+            <a:noFill/>
+          </a:ln>
+        </p:spPr>
+        <p:txBody>
+          <a:bodyPr lIns="90000" rIns="90000" tIns="91440" bIns="91440" anchor="b"/>
           <a:p>
             <a:pPr>
               <a:lnSpc>
@@ -9748,21 +10031,25 @@
       </p:sp>
       <p:sp>
         <p:nvSpPr>
-          <p:cNvPr id="155" name="TextShape 2"/>
-          <p:cNvSpPr txBox="1"/>
+          <p:cNvPr id="156" name="CustomShape 2"/>
+          <p:cNvSpPr/>
           <p:nvPr/>
         </p:nvSpPr>
         <p:spPr>
           <a:xfrm>
             <a:off x="457200" y="1536840"/>
-            <a:ext cx="8229240" cy="3146040"/>
-          </a:xfrm>
-          <a:prstGeom prst="rect">
-            <a:avLst/>
-          </a:prstGeom>
-        </p:spPr>
-        <p:txBody>
-          <a:bodyPr tIns="91440" bIns="91440"/>
+            <a:ext cx="8228880" cy="3145680"/>
+          </a:xfrm>
+          <a:prstGeom prst="rect">
+            <a:avLst/>
+          </a:prstGeom>
+          <a:noFill/>
+          <a:ln>
+            <a:noFill/>
+          </a:ln>
+        </p:spPr>
+        <p:txBody>
+          <a:bodyPr lIns="90000" rIns="90000" tIns="91440" bIns="91440"/>
           <a:p>
             <a:pPr>
               <a:lnSpc>
@@ -9876,21 +10163,25 @@
       </p:grpSpPr>
       <p:sp>
         <p:nvSpPr>
-          <p:cNvPr id="156" name="TextShape 1"/>
-          <p:cNvSpPr txBox="1"/>
+          <p:cNvPr id="157" name="CustomShape 1"/>
+          <p:cNvSpPr/>
           <p:nvPr/>
         </p:nvSpPr>
         <p:spPr>
           <a:xfrm>
             <a:off x="457200" y="434520"/>
-            <a:ext cx="8686440" cy="1141200"/>
-          </a:xfrm>
-          <a:prstGeom prst="rect">
-            <a:avLst/>
-          </a:prstGeom>
-        </p:spPr>
-        <p:txBody>
-          <a:bodyPr tIns="91440" bIns="91440" anchor="b"/>
+            <a:ext cx="8686080" cy="1140840"/>
+          </a:xfrm>
+          <a:prstGeom prst="rect">
+            <a:avLst/>
+          </a:prstGeom>
+          <a:noFill/>
+          <a:ln>
+            <a:noFill/>
+          </a:ln>
+        </p:spPr>
+        <p:txBody>
+          <a:bodyPr lIns="90000" rIns="90000" tIns="91440" bIns="91440" anchor="b"/>
           <a:p>
             <a:pPr>
               <a:lnSpc>
@@ -9913,21 +10204,25 @@
       </p:sp>
       <p:sp>
         <p:nvSpPr>
-          <p:cNvPr id="157" name="TextShape 2"/>
-          <p:cNvSpPr txBox="1"/>
+          <p:cNvPr id="158" name="CustomShape 2"/>
+          <p:cNvSpPr/>
           <p:nvPr/>
         </p:nvSpPr>
         <p:spPr>
           <a:xfrm>
             <a:off x="457200" y="1536840"/>
-            <a:ext cx="8229240" cy="3146040"/>
-          </a:xfrm>
-          <a:prstGeom prst="rect">
-            <a:avLst/>
-          </a:prstGeom>
-        </p:spPr>
-        <p:txBody>
-          <a:bodyPr tIns="91440" bIns="91440"/>
+            <a:ext cx="8228880" cy="3145680"/>
+          </a:xfrm>
+          <a:prstGeom prst="rect">
+            <a:avLst/>
+          </a:prstGeom>
+          <a:noFill/>
+          <a:ln>
+            <a:noFill/>
+          </a:ln>
+        </p:spPr>
+        <p:txBody>
+          <a:bodyPr lIns="90000" rIns="90000" tIns="91440" bIns="91440"/>
           <a:p>
             <a:pPr>
               <a:lnSpc>
@@ -10029,21 +10324,25 @@
       </p:grpSpPr>
       <p:sp>
         <p:nvSpPr>
-          <p:cNvPr id="158" name="TextShape 1"/>
-          <p:cNvSpPr txBox="1"/>
+          <p:cNvPr id="159" name="CustomShape 1"/>
+          <p:cNvSpPr/>
           <p:nvPr/>
         </p:nvSpPr>
         <p:spPr>
           <a:xfrm>
             <a:off x="457200" y="434520"/>
-            <a:ext cx="8686440" cy="1141200"/>
-          </a:xfrm>
-          <a:prstGeom prst="rect">
-            <a:avLst/>
-          </a:prstGeom>
-        </p:spPr>
-        <p:txBody>
-          <a:bodyPr tIns="91440" bIns="91440" anchor="b"/>
+            <a:ext cx="8686080" cy="1140840"/>
+          </a:xfrm>
+          <a:prstGeom prst="rect">
+            <a:avLst/>
+          </a:prstGeom>
+          <a:noFill/>
+          <a:ln>
+            <a:noFill/>
+          </a:ln>
+        </p:spPr>
+        <p:txBody>
+          <a:bodyPr lIns="90000" rIns="90000" tIns="91440" bIns="91440" anchor="b"/>
           <a:p>
             <a:pPr>
               <a:lnSpc>
@@ -10066,21 +10365,25 @@
       </p:sp>
       <p:sp>
         <p:nvSpPr>
-          <p:cNvPr id="159" name="TextShape 2"/>
-          <p:cNvSpPr txBox="1"/>
+          <p:cNvPr id="160" name="CustomShape 2"/>
+          <p:cNvSpPr/>
           <p:nvPr/>
         </p:nvSpPr>
         <p:spPr>
           <a:xfrm>
             <a:off x="457200" y="1536840"/>
-            <a:ext cx="8229240" cy="3146040"/>
-          </a:xfrm>
-          <a:prstGeom prst="rect">
-            <a:avLst/>
-          </a:prstGeom>
-        </p:spPr>
-        <p:txBody>
-          <a:bodyPr tIns="91440" bIns="91440"/>
+            <a:ext cx="8228880" cy="3145680"/>
+          </a:xfrm>
+          <a:prstGeom prst="rect">
+            <a:avLst/>
+          </a:prstGeom>
+          <a:noFill/>
+          <a:ln>
+            <a:noFill/>
+          </a:ln>
+        </p:spPr>
+        <p:txBody>
+          <a:bodyPr lIns="90000" rIns="90000" tIns="91440" bIns="91440"/>
           <a:p>
             <a:pPr>
               <a:lnSpc>
@@ -10284,21 +10587,25 @@
       </p:grpSpPr>
       <p:sp>
         <p:nvSpPr>
-          <p:cNvPr id="160" name="TextShape 1"/>
-          <p:cNvSpPr txBox="1"/>
+          <p:cNvPr id="161" name="CustomShape 1"/>
+          <p:cNvSpPr/>
           <p:nvPr/>
         </p:nvSpPr>
         <p:spPr>
           <a:xfrm>
             <a:off x="457200" y="434520"/>
-            <a:ext cx="8686440" cy="1141200"/>
-          </a:xfrm>
-          <a:prstGeom prst="rect">
-            <a:avLst/>
-          </a:prstGeom>
-        </p:spPr>
-        <p:txBody>
-          <a:bodyPr tIns="91440" bIns="91440" anchor="b"/>
+            <a:ext cx="8686080" cy="1140840"/>
+          </a:xfrm>
+          <a:prstGeom prst="rect">
+            <a:avLst/>
+          </a:prstGeom>
+          <a:noFill/>
+          <a:ln>
+            <a:noFill/>
+          </a:ln>
+        </p:spPr>
+        <p:txBody>
+          <a:bodyPr lIns="90000" rIns="90000" tIns="91440" bIns="91440" anchor="b"/>
           <a:p>
             <a:pPr>
               <a:lnSpc>
@@ -10321,21 +10628,25 @@
       </p:sp>
       <p:sp>
         <p:nvSpPr>
-          <p:cNvPr id="161" name="TextShape 2"/>
-          <p:cNvSpPr txBox="1"/>
+          <p:cNvPr id="162" name="CustomShape 2"/>
+          <p:cNvSpPr/>
           <p:nvPr/>
         </p:nvSpPr>
         <p:spPr>
           <a:xfrm>
             <a:off x="457200" y="1536840"/>
-            <a:ext cx="8229240" cy="3146040"/>
-          </a:xfrm>
-          <a:prstGeom prst="rect">
-            <a:avLst/>
-          </a:prstGeom>
-        </p:spPr>
-        <p:txBody>
-          <a:bodyPr tIns="91440" bIns="91440"/>
+            <a:ext cx="8228880" cy="3145680"/>
+          </a:xfrm>
+          <a:prstGeom prst="rect">
+            <a:avLst/>
+          </a:prstGeom>
+          <a:noFill/>
+          <a:ln>
+            <a:noFill/>
+          </a:ln>
+        </p:spPr>
+        <p:txBody>
+          <a:bodyPr lIns="90000" rIns="90000" tIns="91440" bIns="91440"/>
           <a:p>
             <a:pPr>
               <a:lnSpc>
@@ -10477,21 +10788,25 @@
       </p:grpSpPr>
       <p:sp>
         <p:nvSpPr>
-          <p:cNvPr id="162" name="TextShape 1"/>
-          <p:cNvSpPr txBox="1"/>
+          <p:cNvPr id="163" name="CustomShape 1"/>
+          <p:cNvSpPr/>
           <p:nvPr/>
         </p:nvSpPr>
         <p:spPr>
           <a:xfrm>
             <a:off x="457200" y="434520"/>
-            <a:ext cx="8686440" cy="1141200"/>
-          </a:xfrm>
-          <a:prstGeom prst="rect">
-            <a:avLst/>
-          </a:prstGeom>
-        </p:spPr>
-        <p:txBody>
-          <a:bodyPr tIns="91440" bIns="91440" anchor="b"/>
+            <a:ext cx="8686080" cy="1140840"/>
+          </a:xfrm>
+          <a:prstGeom prst="rect">
+            <a:avLst/>
+          </a:prstGeom>
+          <a:noFill/>
+          <a:ln>
+            <a:noFill/>
+          </a:ln>
+        </p:spPr>
+        <p:txBody>
+          <a:bodyPr lIns="90000" rIns="90000" tIns="91440" bIns="91440" anchor="b"/>
           <a:p>
             <a:pPr>
               <a:lnSpc>
@@ -10514,21 +10829,25 @@
       </p:sp>
       <p:sp>
         <p:nvSpPr>
-          <p:cNvPr id="163" name="TextShape 2"/>
-          <p:cNvSpPr txBox="1"/>
+          <p:cNvPr id="164" name="CustomShape 2"/>
+          <p:cNvSpPr/>
           <p:nvPr/>
         </p:nvSpPr>
         <p:spPr>
           <a:xfrm>
             <a:off x="457200" y="1536840"/>
-            <a:ext cx="8229240" cy="3146040"/>
-          </a:xfrm>
-          <a:prstGeom prst="rect">
-            <a:avLst/>
-          </a:prstGeom>
-        </p:spPr>
-        <p:txBody>
-          <a:bodyPr tIns="91440" bIns="91440"/>
+            <a:ext cx="8228880" cy="3145680"/>
+          </a:xfrm>
+          <a:prstGeom prst="rect">
+            <a:avLst/>
+          </a:prstGeom>
+          <a:noFill/>
+          <a:ln>
+            <a:noFill/>
+          </a:ln>
+        </p:spPr>
+        <p:txBody>
+          <a:bodyPr lIns="90000" rIns="90000" tIns="91440" bIns="91440"/>
           <a:p>
             <a:pPr>
               <a:lnSpc>
@@ -10792,21 +11111,25 @@
       </p:grpSpPr>
       <p:sp>
         <p:nvSpPr>
-          <p:cNvPr id="164" name="TextShape 1"/>
-          <p:cNvSpPr txBox="1"/>
+          <p:cNvPr id="165" name="CustomShape 1"/>
+          <p:cNvSpPr/>
           <p:nvPr/>
         </p:nvSpPr>
         <p:spPr>
           <a:xfrm>
             <a:off x="457200" y="434520"/>
-            <a:ext cx="8686440" cy="1141200"/>
-          </a:xfrm>
-          <a:prstGeom prst="rect">
-            <a:avLst/>
-          </a:prstGeom>
-        </p:spPr>
-        <p:txBody>
-          <a:bodyPr tIns="91440" bIns="91440" anchor="b"/>
+            <a:ext cx="8686080" cy="1140840"/>
+          </a:xfrm>
+          <a:prstGeom prst="rect">
+            <a:avLst/>
+          </a:prstGeom>
+          <a:noFill/>
+          <a:ln>
+            <a:noFill/>
+          </a:ln>
+        </p:spPr>
+        <p:txBody>
+          <a:bodyPr lIns="90000" rIns="90000" tIns="91440" bIns="91440" anchor="b"/>
           <a:p>
             <a:pPr>
               <a:lnSpc>
@@ -10829,21 +11152,25 @@
       </p:sp>
       <p:sp>
         <p:nvSpPr>
-          <p:cNvPr id="165" name="TextShape 2"/>
-          <p:cNvSpPr txBox="1"/>
+          <p:cNvPr id="166" name="CustomShape 2"/>
+          <p:cNvSpPr/>
           <p:nvPr/>
         </p:nvSpPr>
         <p:spPr>
           <a:xfrm>
             <a:off x="457200" y="1536840"/>
-            <a:ext cx="8229240" cy="3146040"/>
-          </a:xfrm>
-          <a:prstGeom prst="rect">
-            <a:avLst/>
-          </a:prstGeom>
-        </p:spPr>
-        <p:txBody>
-          <a:bodyPr tIns="91440" bIns="91440"/>
+            <a:ext cx="8228880" cy="3145680"/>
+          </a:xfrm>
+          <a:prstGeom prst="rect">
+            <a:avLst/>
+          </a:prstGeom>
+          <a:noFill/>
+          <a:ln>
+            <a:noFill/>
+          </a:ln>
+        </p:spPr>
+        <p:txBody>
+          <a:bodyPr lIns="90000" rIns="90000" tIns="91440" bIns="91440"/>
           <a:p>
             <a:pPr>
               <a:lnSpc>
@@ -10945,21 +11272,25 @@
       </p:grpSpPr>
       <p:sp>
         <p:nvSpPr>
-          <p:cNvPr id="119" name="TextShape 1"/>
-          <p:cNvSpPr txBox="1"/>
+          <p:cNvPr id="120" name="CustomShape 1"/>
+          <p:cNvSpPr/>
           <p:nvPr/>
         </p:nvSpPr>
         <p:spPr>
           <a:xfrm>
             <a:off x="457200" y="434520"/>
-            <a:ext cx="8686440" cy="1141200"/>
-          </a:xfrm>
-          <a:prstGeom prst="rect">
-            <a:avLst/>
-          </a:prstGeom>
-        </p:spPr>
-        <p:txBody>
-          <a:bodyPr tIns="91440" bIns="91440" anchor="b"/>
+            <a:ext cx="8686080" cy="1140840"/>
+          </a:xfrm>
+          <a:prstGeom prst="rect">
+            <a:avLst/>
+          </a:prstGeom>
+          <a:noFill/>
+          <a:ln>
+            <a:noFill/>
+          </a:ln>
+        </p:spPr>
+        <p:txBody>
+          <a:bodyPr lIns="90000" rIns="90000" tIns="91440" bIns="91440" anchor="b"/>
           <a:p>
             <a:pPr>
               <a:lnSpc>
@@ -10982,21 +11313,25 @@
       </p:sp>
       <p:sp>
         <p:nvSpPr>
-          <p:cNvPr id="120" name="TextShape 2"/>
-          <p:cNvSpPr txBox="1"/>
+          <p:cNvPr id="121" name="CustomShape 2"/>
+          <p:cNvSpPr/>
           <p:nvPr/>
         </p:nvSpPr>
         <p:spPr>
           <a:xfrm>
             <a:off x="457200" y="1536840"/>
-            <a:ext cx="8229240" cy="3146040"/>
-          </a:xfrm>
-          <a:prstGeom prst="rect">
-            <a:avLst/>
-          </a:prstGeom>
-        </p:spPr>
-        <p:txBody>
-          <a:bodyPr tIns="91440" bIns="91440"/>
+            <a:ext cx="8228880" cy="3145680"/>
+          </a:xfrm>
+          <a:prstGeom prst="rect">
+            <a:avLst/>
+          </a:prstGeom>
+          <a:noFill/>
+          <a:ln>
+            <a:noFill/>
+          </a:ln>
+        </p:spPr>
+        <p:txBody>
+          <a:bodyPr lIns="90000" rIns="90000" tIns="91440" bIns="91440"/>
           <a:p>
             <a:pPr>
               <a:lnSpc>
@@ -11021,7 +11356,7 @@
       </p:sp>
       <p:pic>
         <p:nvPicPr>
-          <p:cNvPr id="121" name="Picture 1" descr=""/>
+          <p:cNvPr id="122" name="Picture 1" descr=""/>
           <p:cNvPicPr/>
           <p:nvPr/>
         </p:nvPicPr>
@@ -11034,7 +11369,7 @@
         <p:spPr>
           <a:xfrm>
             <a:off x="4497840" y="2101680"/>
-            <a:ext cx="1191240" cy="2904480"/>
+            <a:ext cx="1190880" cy="2904120"/>
           </a:xfrm>
           <a:prstGeom prst="rect">
             <a:avLst/>
@@ -11095,21 +11430,25 @@
       </p:grpSpPr>
       <p:sp>
         <p:nvSpPr>
-          <p:cNvPr id="166" name="TextShape 1"/>
-          <p:cNvSpPr txBox="1"/>
+          <p:cNvPr id="167" name="CustomShape 1"/>
+          <p:cNvSpPr/>
           <p:nvPr/>
         </p:nvSpPr>
         <p:spPr>
           <a:xfrm>
             <a:off x="457200" y="434520"/>
-            <a:ext cx="8686440" cy="1141200"/>
-          </a:xfrm>
-          <a:prstGeom prst="rect">
-            <a:avLst/>
-          </a:prstGeom>
-        </p:spPr>
-        <p:txBody>
-          <a:bodyPr tIns="91440" bIns="91440" anchor="b"/>
+            <a:ext cx="8686080" cy="1140840"/>
+          </a:xfrm>
+          <a:prstGeom prst="rect">
+            <a:avLst/>
+          </a:prstGeom>
+          <a:noFill/>
+          <a:ln>
+            <a:noFill/>
+          </a:ln>
+        </p:spPr>
+        <p:txBody>
+          <a:bodyPr lIns="90000" rIns="90000" tIns="91440" bIns="91440" anchor="b"/>
           <a:p>
             <a:pPr>
               <a:lnSpc>
@@ -11132,21 +11471,25 @@
       </p:sp>
       <p:sp>
         <p:nvSpPr>
-          <p:cNvPr id="167" name="TextShape 2"/>
-          <p:cNvSpPr txBox="1"/>
+          <p:cNvPr id="168" name="CustomShape 2"/>
+          <p:cNvSpPr/>
           <p:nvPr/>
         </p:nvSpPr>
         <p:spPr>
           <a:xfrm>
             <a:off x="457200" y="1536840"/>
-            <a:ext cx="8229240" cy="3146040"/>
-          </a:xfrm>
-          <a:prstGeom prst="rect">
-            <a:avLst/>
-          </a:prstGeom>
-        </p:spPr>
-        <p:txBody>
-          <a:bodyPr tIns="91440" bIns="91440"/>
+            <a:ext cx="8228880" cy="3145680"/>
+          </a:xfrm>
+          <a:prstGeom prst="rect">
+            <a:avLst/>
+          </a:prstGeom>
+          <a:noFill/>
+          <a:ln>
+            <a:noFill/>
+          </a:ln>
+        </p:spPr>
+        <p:txBody>
+          <a:bodyPr lIns="90000" rIns="90000" tIns="91440" bIns="91440"/>
           <a:p>
             <a:pPr>
               <a:lnSpc>
@@ -11332,7 +11675,7 @@
       </p:grpSpPr>
       <p:pic>
         <p:nvPicPr>
-          <p:cNvPr id="168" name="Picture 1" descr=""/>
+          <p:cNvPr id="169" name="Picture 1" descr=""/>
           <p:cNvPicPr/>
           <p:nvPr/>
         </p:nvPicPr>
@@ -11345,7 +11688,7 @@
         <p:spPr>
           <a:xfrm>
             <a:off x="1371960" y="1171800"/>
-            <a:ext cx="6399720" cy="2799720"/>
+            <a:ext cx="6399360" cy="2799360"/>
           </a:xfrm>
           <a:prstGeom prst="rect">
             <a:avLst/>
@@ -11357,14 +11700,14 @@
       </p:pic>
       <p:sp>
         <p:nvSpPr>
-          <p:cNvPr id="169" name="CustomShape 1"/>
+          <p:cNvPr id="170" name="CustomShape 1"/>
           <p:cNvSpPr/>
           <p:nvPr/>
         </p:nvSpPr>
         <p:spPr>
           <a:xfrm>
             <a:off x="3282120" y="2326680"/>
-            <a:ext cx="3159360" cy="995760"/>
+            <a:ext cx="3159000" cy="995400"/>
           </a:xfrm>
           <a:prstGeom prst="rect">
             <a:avLst/>
@@ -11429,21 +11772,25 @@
       </p:grpSpPr>
       <p:sp>
         <p:nvSpPr>
-          <p:cNvPr id="170" name="TextShape 1"/>
-          <p:cNvSpPr txBox="1"/>
+          <p:cNvPr id="171" name="CustomShape 1"/>
+          <p:cNvSpPr/>
           <p:nvPr/>
         </p:nvSpPr>
         <p:spPr>
           <a:xfrm>
             <a:off x="457200" y="434520"/>
-            <a:ext cx="8686440" cy="1141200"/>
-          </a:xfrm>
-          <a:prstGeom prst="rect">
-            <a:avLst/>
-          </a:prstGeom>
-        </p:spPr>
-        <p:txBody>
-          <a:bodyPr tIns="91440" bIns="91440" anchor="b"/>
+            <a:ext cx="8686080" cy="1140840"/>
+          </a:xfrm>
+          <a:prstGeom prst="rect">
+            <a:avLst/>
+          </a:prstGeom>
+          <a:noFill/>
+          <a:ln>
+            <a:noFill/>
+          </a:ln>
+        </p:spPr>
+        <p:txBody>
+          <a:bodyPr lIns="90000" rIns="90000" tIns="91440" bIns="91440" anchor="b"/>
           <a:p>
             <a:pPr>
               <a:lnSpc>
@@ -11466,21 +11813,25 @@
       </p:sp>
       <p:sp>
         <p:nvSpPr>
-          <p:cNvPr id="171" name="TextShape 2"/>
-          <p:cNvSpPr txBox="1"/>
+          <p:cNvPr id="172" name="CustomShape 2"/>
+          <p:cNvSpPr/>
           <p:nvPr/>
         </p:nvSpPr>
         <p:spPr>
           <a:xfrm>
             <a:off x="457200" y="1536840"/>
-            <a:ext cx="8229240" cy="3146040"/>
-          </a:xfrm>
-          <a:prstGeom prst="rect">
-            <a:avLst/>
-          </a:prstGeom>
-        </p:spPr>
-        <p:txBody>
-          <a:bodyPr tIns="91440" bIns="91440"/>
+            <a:ext cx="8228880" cy="3145680"/>
+          </a:xfrm>
+          <a:prstGeom prst="rect">
+            <a:avLst/>
+          </a:prstGeom>
+          <a:noFill/>
+          <a:ln>
+            <a:noFill/>
+          </a:ln>
+        </p:spPr>
+        <p:txBody>
+          <a:bodyPr lIns="90000" rIns="90000" tIns="91440" bIns="91440"/>
           <a:p>
             <a:pPr>
               <a:lnSpc>
@@ -11582,7 +11933,7 @@
       </p:grpSpPr>
       <p:pic>
         <p:nvPicPr>
-          <p:cNvPr id="172" name="Picture 1" descr=""/>
+          <p:cNvPr id="173" name="Picture 1" descr=""/>
           <p:cNvPicPr/>
           <p:nvPr/>
         </p:nvPicPr>
@@ -11595,7 +11946,7 @@
         <p:spPr>
           <a:xfrm>
             <a:off x="1076760" y="1149120"/>
-            <a:ext cx="7158600" cy="3128760"/>
+            <a:ext cx="7158240" cy="3128400"/>
           </a:xfrm>
           <a:prstGeom prst="rect">
             <a:avLst/>
@@ -11656,21 +12007,25 @@
       </p:grpSpPr>
       <p:sp>
         <p:nvSpPr>
-          <p:cNvPr id="173" name="TextShape 1"/>
-          <p:cNvSpPr txBox="1"/>
+          <p:cNvPr id="174" name="CustomShape 1"/>
+          <p:cNvSpPr/>
           <p:nvPr/>
         </p:nvSpPr>
         <p:spPr>
           <a:xfrm>
             <a:off x="457200" y="434520"/>
-            <a:ext cx="8686440" cy="1141200"/>
-          </a:xfrm>
-          <a:prstGeom prst="rect">
-            <a:avLst/>
-          </a:prstGeom>
-        </p:spPr>
-        <p:txBody>
-          <a:bodyPr tIns="91440" bIns="91440" anchor="b"/>
+            <a:ext cx="8686080" cy="1140840"/>
+          </a:xfrm>
+          <a:prstGeom prst="rect">
+            <a:avLst/>
+          </a:prstGeom>
+          <a:noFill/>
+          <a:ln>
+            <a:noFill/>
+          </a:ln>
+        </p:spPr>
+        <p:txBody>
+          <a:bodyPr lIns="90000" rIns="90000" tIns="91440" bIns="91440" anchor="b"/>
           <a:p>
             <a:pPr>
               <a:lnSpc>
@@ -11693,21 +12048,25 @@
       </p:sp>
       <p:sp>
         <p:nvSpPr>
-          <p:cNvPr id="174" name="TextShape 2"/>
-          <p:cNvSpPr txBox="1"/>
+          <p:cNvPr id="175" name="CustomShape 2"/>
+          <p:cNvSpPr/>
           <p:nvPr/>
         </p:nvSpPr>
         <p:spPr>
           <a:xfrm>
             <a:off x="457200" y="1536840"/>
-            <a:ext cx="8229240" cy="3146040"/>
-          </a:xfrm>
-          <a:prstGeom prst="rect">
-            <a:avLst/>
-          </a:prstGeom>
-        </p:spPr>
-        <p:txBody>
-          <a:bodyPr tIns="91440" bIns="91440"/>
+            <a:ext cx="8228880" cy="3145680"/>
+          </a:xfrm>
+          <a:prstGeom prst="rect">
+            <a:avLst/>
+          </a:prstGeom>
+          <a:noFill/>
+          <a:ln>
+            <a:noFill/>
+          </a:ln>
+        </p:spPr>
+        <p:txBody>
+          <a:bodyPr lIns="90000" rIns="90000" tIns="91440" bIns="91440"/>
           <a:p>
             <a:pPr>
               <a:lnSpc>
@@ -11817,21 +12176,25 @@
       </p:grpSpPr>
       <p:sp>
         <p:nvSpPr>
-          <p:cNvPr id="175" name="TextShape 1"/>
-          <p:cNvSpPr txBox="1"/>
+          <p:cNvPr id="176" name="CustomShape 1"/>
+          <p:cNvSpPr/>
           <p:nvPr/>
         </p:nvSpPr>
         <p:spPr>
           <a:xfrm>
             <a:off x="0" y="1915200"/>
-            <a:ext cx="9143640" cy="1357200"/>
-          </a:xfrm>
-          <a:prstGeom prst="rect">
-            <a:avLst/>
-          </a:prstGeom>
-        </p:spPr>
-        <p:txBody>
-          <a:bodyPr tIns="91440" bIns="91440" anchor="ctr"/>
+            <a:ext cx="9143280" cy="1356840"/>
+          </a:xfrm>
+          <a:prstGeom prst="rect">
+            <a:avLst/>
+          </a:prstGeom>
+          <a:noFill/>
+          <a:ln>
+            <a:noFill/>
+          </a:ln>
+        </p:spPr>
+        <p:txBody>
+          <a:bodyPr lIns="90000" rIns="90000" tIns="91440" bIns="91440" anchor="ctr"/>
           <a:p>
             <a:pPr algn="ctr">
               <a:lnSpc>
@@ -11903,21 +12266,25 @@
       </p:grpSpPr>
       <p:sp>
         <p:nvSpPr>
-          <p:cNvPr id="176" name="TextShape 1"/>
-          <p:cNvSpPr txBox="1"/>
+          <p:cNvPr id="177" name="CustomShape 1"/>
+          <p:cNvSpPr/>
           <p:nvPr/>
         </p:nvSpPr>
         <p:spPr>
           <a:xfrm>
             <a:off x="457200" y="434520"/>
-            <a:ext cx="8686440" cy="1141200"/>
-          </a:xfrm>
-          <a:prstGeom prst="rect">
-            <a:avLst/>
-          </a:prstGeom>
-        </p:spPr>
-        <p:txBody>
-          <a:bodyPr tIns="91440" bIns="91440" anchor="b"/>
+            <a:ext cx="8686080" cy="1140840"/>
+          </a:xfrm>
+          <a:prstGeom prst="rect">
+            <a:avLst/>
+          </a:prstGeom>
+          <a:noFill/>
+          <a:ln>
+            <a:noFill/>
+          </a:ln>
+        </p:spPr>
+        <p:txBody>
+          <a:bodyPr lIns="90000" rIns="90000" tIns="91440" bIns="91440" anchor="b"/>
           <a:p>
             <a:pPr>
               <a:lnSpc>
@@ -11940,21 +12307,25 @@
       </p:sp>
       <p:sp>
         <p:nvSpPr>
-          <p:cNvPr id="177" name="TextShape 2"/>
-          <p:cNvSpPr txBox="1"/>
+          <p:cNvPr id="178" name="CustomShape 2"/>
+          <p:cNvSpPr/>
           <p:nvPr/>
         </p:nvSpPr>
         <p:spPr>
           <a:xfrm>
             <a:off x="457200" y="1536840"/>
-            <a:ext cx="8229240" cy="3146040"/>
-          </a:xfrm>
-          <a:prstGeom prst="rect">
-            <a:avLst/>
-          </a:prstGeom>
-        </p:spPr>
-        <p:txBody>
-          <a:bodyPr tIns="91440" bIns="91440"/>
+            <a:ext cx="8228880" cy="3145680"/>
+          </a:xfrm>
+          <a:prstGeom prst="rect">
+            <a:avLst/>
+          </a:prstGeom>
+          <a:noFill/>
+          <a:ln>
+            <a:noFill/>
+          </a:ln>
+        </p:spPr>
+        <p:txBody>
+          <a:bodyPr lIns="90000" rIns="90000" tIns="91440" bIns="91440"/>
           <a:p>
             <a:pPr>
               <a:lnSpc>
@@ -12060,21 +12431,25 @@
       </p:grpSpPr>
       <p:sp>
         <p:nvSpPr>
-          <p:cNvPr id="178" name="TextShape 1"/>
-          <p:cNvSpPr txBox="1"/>
+          <p:cNvPr id="179" name="CustomShape 1"/>
+          <p:cNvSpPr/>
           <p:nvPr/>
         </p:nvSpPr>
         <p:spPr>
           <a:xfrm>
             <a:off x="457200" y="434520"/>
-            <a:ext cx="8686440" cy="1141200"/>
-          </a:xfrm>
-          <a:prstGeom prst="rect">
-            <a:avLst/>
-          </a:prstGeom>
-        </p:spPr>
-        <p:txBody>
-          <a:bodyPr tIns="91440" bIns="91440" anchor="b"/>
+            <a:ext cx="8686080" cy="1140840"/>
+          </a:xfrm>
+          <a:prstGeom prst="rect">
+            <a:avLst/>
+          </a:prstGeom>
+          <a:noFill/>
+          <a:ln>
+            <a:noFill/>
+          </a:ln>
+        </p:spPr>
+        <p:txBody>
+          <a:bodyPr lIns="90000" rIns="90000" tIns="91440" bIns="91440" anchor="b"/>
           <a:p>
             <a:pPr>
               <a:lnSpc>
@@ -12097,21 +12472,25 @@
       </p:sp>
       <p:sp>
         <p:nvSpPr>
-          <p:cNvPr id="179" name="TextShape 2"/>
-          <p:cNvSpPr txBox="1"/>
+          <p:cNvPr id="180" name="CustomShape 2"/>
+          <p:cNvSpPr/>
           <p:nvPr/>
         </p:nvSpPr>
         <p:spPr>
           <a:xfrm>
             <a:off x="457200" y="1536840"/>
-            <a:ext cx="8229240" cy="3146040"/>
-          </a:xfrm>
-          <a:prstGeom prst="rect">
-            <a:avLst/>
-          </a:prstGeom>
-        </p:spPr>
-        <p:txBody>
-          <a:bodyPr tIns="91440" bIns="91440"/>
+            <a:ext cx="8228880" cy="3145680"/>
+          </a:xfrm>
+          <a:prstGeom prst="rect">
+            <a:avLst/>
+          </a:prstGeom>
+          <a:noFill/>
+          <a:ln>
+            <a:noFill/>
+          </a:ln>
+        </p:spPr>
+        <p:txBody>
+          <a:bodyPr lIns="90000" rIns="90000" tIns="91440" bIns="91440"/>
           <a:p>
             <a:pPr>
               <a:lnSpc>
@@ -12217,21 +12596,25 @@
       </p:grpSpPr>
       <p:sp>
         <p:nvSpPr>
-          <p:cNvPr id="180" name="TextShape 1"/>
-          <p:cNvSpPr txBox="1"/>
+          <p:cNvPr id="181" name="CustomShape 1"/>
+          <p:cNvSpPr/>
           <p:nvPr/>
         </p:nvSpPr>
         <p:spPr>
           <a:xfrm>
             <a:off x="457200" y="434520"/>
-            <a:ext cx="8686440" cy="1141200"/>
-          </a:xfrm>
-          <a:prstGeom prst="rect">
-            <a:avLst/>
-          </a:prstGeom>
-        </p:spPr>
-        <p:txBody>
-          <a:bodyPr tIns="91440" bIns="91440" anchor="b"/>
+            <a:ext cx="8686080" cy="1140840"/>
+          </a:xfrm>
+          <a:prstGeom prst="rect">
+            <a:avLst/>
+          </a:prstGeom>
+          <a:noFill/>
+          <a:ln>
+            <a:noFill/>
+          </a:ln>
+        </p:spPr>
+        <p:txBody>
+          <a:bodyPr lIns="90000" rIns="90000" tIns="91440" bIns="91440" anchor="b"/>
           <a:p>
             <a:pPr>
               <a:lnSpc>
@@ -12254,21 +12637,25 @@
       </p:sp>
       <p:sp>
         <p:nvSpPr>
-          <p:cNvPr id="181" name="TextShape 2"/>
-          <p:cNvSpPr txBox="1"/>
+          <p:cNvPr id="182" name="CustomShape 2"/>
+          <p:cNvSpPr/>
           <p:nvPr/>
         </p:nvSpPr>
         <p:spPr>
           <a:xfrm>
             <a:off x="457200" y="1536840"/>
-            <a:ext cx="8229240" cy="3146040"/>
-          </a:xfrm>
-          <a:prstGeom prst="rect">
-            <a:avLst/>
-          </a:prstGeom>
-        </p:spPr>
-        <p:txBody>
-          <a:bodyPr tIns="91440" bIns="91440"/>
+            <a:ext cx="8228880" cy="3145680"/>
+          </a:xfrm>
+          <a:prstGeom prst="rect">
+            <a:avLst/>
+          </a:prstGeom>
+          <a:noFill/>
+          <a:ln>
+            <a:noFill/>
+          </a:ln>
+        </p:spPr>
+        <p:txBody>
+          <a:bodyPr lIns="90000" rIns="90000" tIns="91440" bIns="91440"/>
           <a:p>
             <a:pPr>
               <a:lnSpc>
@@ -12392,21 +12779,25 @@
       </p:grpSpPr>
       <p:sp>
         <p:nvSpPr>
-          <p:cNvPr id="182" name="TextShape 1"/>
-          <p:cNvSpPr txBox="1"/>
+          <p:cNvPr id="183" name="CustomShape 1"/>
+          <p:cNvSpPr/>
           <p:nvPr/>
         </p:nvSpPr>
         <p:spPr>
           <a:xfrm>
             <a:off x="457200" y="434520"/>
-            <a:ext cx="8686440" cy="1141200"/>
-          </a:xfrm>
-          <a:prstGeom prst="rect">
-            <a:avLst/>
-          </a:prstGeom>
-        </p:spPr>
-        <p:txBody>
-          <a:bodyPr tIns="91440" bIns="91440" anchor="b"/>
+            <a:ext cx="8686080" cy="1140840"/>
+          </a:xfrm>
+          <a:prstGeom prst="rect">
+            <a:avLst/>
+          </a:prstGeom>
+          <a:noFill/>
+          <a:ln>
+            <a:noFill/>
+          </a:ln>
+        </p:spPr>
+        <p:txBody>
+          <a:bodyPr lIns="90000" rIns="90000" tIns="91440" bIns="91440" anchor="b"/>
           <a:p>
             <a:pPr>
               <a:lnSpc>
@@ -12429,21 +12820,25 @@
       </p:sp>
       <p:sp>
         <p:nvSpPr>
-          <p:cNvPr id="183" name="TextShape 2"/>
-          <p:cNvSpPr txBox="1"/>
+          <p:cNvPr id="184" name="CustomShape 2"/>
+          <p:cNvSpPr/>
           <p:nvPr/>
         </p:nvSpPr>
         <p:spPr>
           <a:xfrm>
             <a:off x="457200" y="1536840"/>
-            <a:ext cx="8229240" cy="3146040"/>
-          </a:xfrm>
-          <a:prstGeom prst="rect">
-            <a:avLst/>
-          </a:prstGeom>
-        </p:spPr>
-        <p:txBody>
-          <a:bodyPr tIns="91440" bIns="91440"/>
+            <a:ext cx="8228880" cy="3145680"/>
+          </a:xfrm>
+          <a:prstGeom prst="rect">
+            <a:avLst/>
+          </a:prstGeom>
+          <a:noFill/>
+          <a:ln>
+            <a:noFill/>
+          </a:ln>
+        </p:spPr>
+        <p:txBody>
+          <a:bodyPr lIns="90000" rIns="90000" tIns="91440" bIns="91440"/>
           <a:p>
             <a:pPr>
               <a:lnSpc>
@@ -12567,21 +12962,25 @@
       </p:grpSpPr>
       <p:sp>
         <p:nvSpPr>
-          <p:cNvPr id="122" name="TextShape 1"/>
-          <p:cNvSpPr txBox="1"/>
+          <p:cNvPr id="123" name="CustomShape 1"/>
+          <p:cNvSpPr/>
           <p:nvPr/>
         </p:nvSpPr>
         <p:spPr>
           <a:xfrm>
             <a:off x="457200" y="434520"/>
-            <a:ext cx="8686440" cy="1141200"/>
-          </a:xfrm>
-          <a:prstGeom prst="rect">
-            <a:avLst/>
-          </a:prstGeom>
-        </p:spPr>
-        <p:txBody>
-          <a:bodyPr tIns="91440" bIns="91440" anchor="b"/>
+            <a:ext cx="8686080" cy="1140840"/>
+          </a:xfrm>
+          <a:prstGeom prst="rect">
+            <a:avLst/>
+          </a:prstGeom>
+          <a:noFill/>
+          <a:ln>
+            <a:noFill/>
+          </a:ln>
+        </p:spPr>
+        <p:txBody>
+          <a:bodyPr lIns="90000" rIns="90000" tIns="91440" bIns="91440" anchor="b"/>
           <a:p>
             <a:pPr>
               <a:lnSpc>
@@ -12604,21 +13003,25 @@
       </p:sp>
       <p:sp>
         <p:nvSpPr>
-          <p:cNvPr id="123" name="TextShape 2"/>
-          <p:cNvSpPr txBox="1"/>
+          <p:cNvPr id="124" name="CustomShape 2"/>
+          <p:cNvSpPr/>
           <p:nvPr/>
         </p:nvSpPr>
         <p:spPr>
           <a:xfrm>
             <a:off x="457200" y="1536840"/>
-            <a:ext cx="8229240" cy="3146040"/>
-          </a:xfrm>
-          <a:prstGeom prst="rect">
-            <a:avLst/>
-          </a:prstGeom>
-        </p:spPr>
-        <p:txBody>
-          <a:bodyPr tIns="91440" bIns="91440"/>
+            <a:ext cx="8228880" cy="3145680"/>
+          </a:xfrm>
+          <a:prstGeom prst="rect">
+            <a:avLst/>
+          </a:prstGeom>
+          <a:noFill/>
+          <a:ln>
+            <a:noFill/>
+          </a:ln>
+        </p:spPr>
+        <p:txBody>
+          <a:bodyPr lIns="90000" rIns="90000" tIns="91440" bIns="91440"/>
           <a:p>
             <a:pPr>
               <a:lnSpc>
@@ -12692,21 +13095,25 @@
       </p:grpSpPr>
       <p:sp>
         <p:nvSpPr>
-          <p:cNvPr id="184" name="TextShape 1"/>
-          <p:cNvSpPr txBox="1"/>
+          <p:cNvPr id="185" name="CustomShape 1"/>
+          <p:cNvSpPr/>
           <p:nvPr/>
         </p:nvSpPr>
         <p:spPr>
           <a:xfrm>
             <a:off x="457200" y="434520"/>
-            <a:ext cx="8686440" cy="1141200"/>
-          </a:xfrm>
-          <a:prstGeom prst="rect">
-            <a:avLst/>
-          </a:prstGeom>
-        </p:spPr>
-        <p:txBody>
-          <a:bodyPr tIns="91440" bIns="91440" anchor="b"/>
+            <a:ext cx="8686080" cy="1140840"/>
+          </a:xfrm>
+          <a:prstGeom prst="rect">
+            <a:avLst/>
+          </a:prstGeom>
+          <a:noFill/>
+          <a:ln>
+            <a:noFill/>
+          </a:ln>
+        </p:spPr>
+        <p:txBody>
+          <a:bodyPr lIns="90000" rIns="90000" tIns="91440" bIns="91440" anchor="b"/>
           <a:p>
             <a:pPr>
               <a:lnSpc>
@@ -12729,21 +13136,25 @@
       </p:sp>
       <p:sp>
         <p:nvSpPr>
-          <p:cNvPr id="185" name="TextShape 2"/>
-          <p:cNvSpPr txBox="1"/>
+          <p:cNvPr id="186" name="CustomShape 2"/>
+          <p:cNvSpPr/>
           <p:nvPr/>
         </p:nvSpPr>
         <p:spPr>
           <a:xfrm>
             <a:off x="457200" y="1536840"/>
-            <a:ext cx="8229240" cy="3146040"/>
-          </a:xfrm>
-          <a:prstGeom prst="rect">
-            <a:avLst/>
-          </a:prstGeom>
-        </p:spPr>
-        <p:txBody>
-          <a:bodyPr tIns="91440" bIns="91440"/>
+            <a:ext cx="8228880" cy="3145680"/>
+          </a:xfrm>
+          <a:prstGeom prst="rect">
+            <a:avLst/>
+          </a:prstGeom>
+          <a:noFill/>
+          <a:ln>
+            <a:noFill/>
+          </a:ln>
+        </p:spPr>
+        <p:txBody>
+          <a:bodyPr lIns="90000" rIns="90000" tIns="91440" bIns="91440"/>
           <a:p>
             <a:pPr>
               <a:lnSpc>
@@ -12867,21 +13278,25 @@
       </p:grpSpPr>
       <p:sp>
         <p:nvSpPr>
-          <p:cNvPr id="186" name="TextShape 1"/>
-          <p:cNvSpPr txBox="1"/>
+          <p:cNvPr id="187" name="CustomShape 1"/>
+          <p:cNvSpPr/>
           <p:nvPr/>
         </p:nvSpPr>
         <p:spPr>
           <a:xfrm>
             <a:off x="457200" y="434520"/>
-            <a:ext cx="8686440" cy="1141200"/>
-          </a:xfrm>
-          <a:prstGeom prst="rect">
-            <a:avLst/>
-          </a:prstGeom>
-        </p:spPr>
-        <p:txBody>
-          <a:bodyPr tIns="91440" bIns="91440" anchor="b"/>
+            <a:ext cx="8686080" cy="1140840"/>
+          </a:xfrm>
+          <a:prstGeom prst="rect">
+            <a:avLst/>
+          </a:prstGeom>
+          <a:noFill/>
+          <a:ln>
+            <a:noFill/>
+          </a:ln>
+        </p:spPr>
+        <p:txBody>
+          <a:bodyPr lIns="90000" rIns="90000" tIns="91440" bIns="91440" anchor="b"/>
           <a:p>
             <a:pPr>
               <a:lnSpc>
@@ -12904,21 +13319,25 @@
       </p:sp>
       <p:sp>
         <p:nvSpPr>
-          <p:cNvPr id="187" name="TextShape 2"/>
-          <p:cNvSpPr txBox="1"/>
+          <p:cNvPr id="188" name="CustomShape 2"/>
+          <p:cNvSpPr/>
           <p:nvPr/>
         </p:nvSpPr>
         <p:spPr>
           <a:xfrm>
             <a:off x="457200" y="1536840"/>
-            <a:ext cx="8229240" cy="3146040"/>
-          </a:xfrm>
-          <a:prstGeom prst="rect">
-            <a:avLst/>
-          </a:prstGeom>
-        </p:spPr>
-        <p:txBody>
-          <a:bodyPr tIns="91440" bIns="91440"/>
+            <a:ext cx="8228880" cy="3145680"/>
+          </a:xfrm>
+          <a:prstGeom prst="rect">
+            <a:avLst/>
+          </a:prstGeom>
+          <a:noFill/>
+          <a:ln>
+            <a:noFill/>
+          </a:ln>
+        </p:spPr>
+        <p:txBody>
+          <a:bodyPr lIns="90000" rIns="90000" tIns="91440" bIns="91440"/>
           <a:p>
             <a:pPr>
               <a:lnSpc>
@@ -13060,21 +13479,25 @@
       </p:grpSpPr>
       <p:sp>
         <p:nvSpPr>
-          <p:cNvPr id="188" name="TextShape 1"/>
-          <p:cNvSpPr txBox="1"/>
+          <p:cNvPr id="189" name="CustomShape 1"/>
+          <p:cNvSpPr/>
           <p:nvPr/>
         </p:nvSpPr>
         <p:spPr>
           <a:xfrm>
             <a:off x="457200" y="434520"/>
-            <a:ext cx="8686440" cy="1141200"/>
-          </a:xfrm>
-          <a:prstGeom prst="rect">
-            <a:avLst/>
-          </a:prstGeom>
-        </p:spPr>
-        <p:txBody>
-          <a:bodyPr tIns="91440" bIns="91440" anchor="b"/>
+            <a:ext cx="8686080" cy="1140840"/>
+          </a:xfrm>
+          <a:prstGeom prst="rect">
+            <a:avLst/>
+          </a:prstGeom>
+          <a:noFill/>
+          <a:ln>
+            <a:noFill/>
+          </a:ln>
+        </p:spPr>
+        <p:txBody>
+          <a:bodyPr lIns="90000" rIns="90000" tIns="91440" bIns="91440" anchor="b"/>
           <a:p>
             <a:pPr>
               <a:lnSpc>
@@ -13097,21 +13520,25 @@
       </p:sp>
       <p:sp>
         <p:nvSpPr>
-          <p:cNvPr id="189" name="TextShape 2"/>
-          <p:cNvSpPr txBox="1"/>
+          <p:cNvPr id="190" name="CustomShape 2"/>
+          <p:cNvSpPr/>
           <p:nvPr/>
         </p:nvSpPr>
         <p:spPr>
           <a:xfrm>
             <a:off x="457200" y="1536840"/>
-            <a:ext cx="8229240" cy="3146040"/>
-          </a:xfrm>
-          <a:prstGeom prst="rect">
-            <a:avLst/>
-          </a:prstGeom>
-        </p:spPr>
-        <p:txBody>
-          <a:bodyPr tIns="91440" bIns="91440"/>
+            <a:ext cx="8228880" cy="3145680"/>
+          </a:xfrm>
+          <a:prstGeom prst="rect">
+            <a:avLst/>
+          </a:prstGeom>
+          <a:noFill/>
+          <a:ln>
+            <a:noFill/>
+          </a:ln>
+        </p:spPr>
+        <p:txBody>
+          <a:bodyPr lIns="90000" rIns="90000" tIns="91440" bIns="91440"/>
           <a:p>
             <a:pPr>
               <a:lnSpc>
@@ -13263,21 +13690,25 @@
       </p:grpSpPr>
       <p:sp>
         <p:nvSpPr>
-          <p:cNvPr id="190" name="TextShape 1"/>
-          <p:cNvSpPr txBox="1"/>
+          <p:cNvPr id="191" name="CustomShape 1"/>
+          <p:cNvSpPr/>
           <p:nvPr/>
         </p:nvSpPr>
         <p:spPr>
           <a:xfrm>
             <a:off x="457200" y="434520"/>
-            <a:ext cx="8686440" cy="1141200"/>
-          </a:xfrm>
-          <a:prstGeom prst="rect">
-            <a:avLst/>
-          </a:prstGeom>
-        </p:spPr>
-        <p:txBody>
-          <a:bodyPr tIns="91440" bIns="91440" anchor="b"/>
+            <a:ext cx="8686080" cy="1140840"/>
+          </a:xfrm>
+          <a:prstGeom prst="rect">
+            <a:avLst/>
+          </a:prstGeom>
+          <a:noFill/>
+          <a:ln>
+            <a:noFill/>
+          </a:ln>
+        </p:spPr>
+        <p:txBody>
+          <a:bodyPr lIns="90000" rIns="90000" tIns="91440" bIns="91440" anchor="b"/>
           <a:p>
             <a:pPr>
               <a:lnSpc>
@@ -13300,21 +13731,25 @@
       </p:sp>
       <p:sp>
         <p:nvSpPr>
-          <p:cNvPr id="191" name="TextShape 2"/>
-          <p:cNvSpPr txBox="1"/>
+          <p:cNvPr id="192" name="CustomShape 2"/>
+          <p:cNvSpPr/>
           <p:nvPr/>
         </p:nvSpPr>
         <p:spPr>
           <a:xfrm>
             <a:off x="457200" y="1536840"/>
-            <a:ext cx="8229240" cy="3146040"/>
-          </a:xfrm>
-          <a:prstGeom prst="rect">
-            <a:avLst/>
-          </a:prstGeom>
-        </p:spPr>
-        <p:txBody>
-          <a:bodyPr tIns="91440" bIns="91440"/>
+            <a:ext cx="8228880" cy="3145680"/>
+          </a:xfrm>
+          <a:prstGeom prst="rect">
+            <a:avLst/>
+          </a:prstGeom>
+          <a:noFill/>
+          <a:ln>
+            <a:noFill/>
+          </a:ln>
+        </p:spPr>
+        <p:txBody>
+          <a:bodyPr lIns="90000" rIns="90000" tIns="91440" bIns="91440"/>
           <a:p>
             <a:pPr>
               <a:lnSpc>
@@ -13416,21 +13851,25 @@
       </p:grpSpPr>
       <p:sp>
         <p:nvSpPr>
-          <p:cNvPr id="192" name="TextShape 1"/>
-          <p:cNvSpPr txBox="1"/>
+          <p:cNvPr id="193" name="CustomShape 1"/>
+          <p:cNvSpPr/>
           <p:nvPr/>
         </p:nvSpPr>
         <p:spPr>
           <a:xfrm>
             <a:off x="457200" y="434520"/>
-            <a:ext cx="8686440" cy="1141200"/>
-          </a:xfrm>
-          <a:prstGeom prst="rect">
-            <a:avLst/>
-          </a:prstGeom>
-        </p:spPr>
-        <p:txBody>
-          <a:bodyPr tIns="91440" bIns="91440" anchor="b"/>
+            <a:ext cx="8686080" cy="1140840"/>
+          </a:xfrm>
+          <a:prstGeom prst="rect">
+            <a:avLst/>
+          </a:prstGeom>
+          <a:noFill/>
+          <a:ln>
+            <a:noFill/>
+          </a:ln>
+        </p:spPr>
+        <p:txBody>
+          <a:bodyPr lIns="90000" rIns="90000" tIns="91440" bIns="91440" anchor="b"/>
           <a:p>
             <a:pPr>
               <a:lnSpc>
@@ -13453,21 +13892,25 @@
       </p:sp>
       <p:sp>
         <p:nvSpPr>
-          <p:cNvPr id="193" name="TextShape 2"/>
-          <p:cNvSpPr txBox="1"/>
+          <p:cNvPr id="194" name="CustomShape 2"/>
+          <p:cNvSpPr/>
           <p:nvPr/>
         </p:nvSpPr>
         <p:spPr>
           <a:xfrm>
             <a:off x="457200" y="1536840"/>
-            <a:ext cx="8229240" cy="3146040"/>
-          </a:xfrm>
-          <a:prstGeom prst="rect">
-            <a:avLst/>
-          </a:prstGeom>
-        </p:spPr>
-        <p:txBody>
-          <a:bodyPr tIns="91440" bIns="91440"/>
+            <a:ext cx="8228880" cy="3145680"/>
+          </a:xfrm>
+          <a:prstGeom prst="rect">
+            <a:avLst/>
+          </a:prstGeom>
+          <a:noFill/>
+          <a:ln>
+            <a:noFill/>
+          </a:ln>
+        </p:spPr>
+        <p:txBody>
+          <a:bodyPr lIns="90000" rIns="90000" tIns="91440" bIns="91440"/>
           <a:p>
             <a:pPr>
               <a:lnSpc>
@@ -13548,7 +13991,7 @@
       </p:sp>
       <p:pic>
         <p:nvPicPr>
-          <p:cNvPr id="194" name="Picture 3" descr=""/>
+          <p:cNvPr id="195" name="Picture 3" descr=""/>
           <p:cNvPicPr/>
           <p:nvPr/>
         </p:nvPicPr>
@@ -13561,7 +14004,7 @@
         <p:spPr>
           <a:xfrm>
             <a:off x="4737600" y="2269440"/>
-            <a:ext cx="3948840" cy="2764800"/>
+            <a:ext cx="3948480" cy="2764440"/>
           </a:xfrm>
           <a:prstGeom prst="rect">
             <a:avLst/>
@@ -13622,21 +14065,25 @@
       </p:grpSpPr>
       <p:sp>
         <p:nvSpPr>
-          <p:cNvPr id="195" name="TextShape 1"/>
-          <p:cNvSpPr txBox="1"/>
+          <p:cNvPr id="196" name="CustomShape 1"/>
+          <p:cNvSpPr/>
           <p:nvPr/>
         </p:nvSpPr>
         <p:spPr>
           <a:xfrm>
             <a:off x="457200" y="434520"/>
-            <a:ext cx="8686440" cy="1141200"/>
-          </a:xfrm>
-          <a:prstGeom prst="rect">
-            <a:avLst/>
-          </a:prstGeom>
-        </p:spPr>
-        <p:txBody>
-          <a:bodyPr tIns="91440" bIns="91440" anchor="b"/>
+            <a:ext cx="8686080" cy="1140840"/>
+          </a:xfrm>
+          <a:prstGeom prst="rect">
+            <a:avLst/>
+          </a:prstGeom>
+          <a:noFill/>
+          <a:ln>
+            <a:noFill/>
+          </a:ln>
+        </p:spPr>
+        <p:txBody>
+          <a:bodyPr lIns="90000" rIns="90000" tIns="91440" bIns="91440" anchor="b"/>
           <a:p>
             <a:pPr>
               <a:lnSpc>
@@ -13659,21 +14106,25 @@
       </p:sp>
       <p:sp>
         <p:nvSpPr>
-          <p:cNvPr id="196" name="TextShape 2"/>
-          <p:cNvSpPr txBox="1"/>
+          <p:cNvPr id="197" name="CustomShape 2"/>
+          <p:cNvSpPr/>
           <p:nvPr/>
         </p:nvSpPr>
         <p:spPr>
           <a:xfrm>
             <a:off x="457200" y="1536840"/>
-            <a:ext cx="8229240" cy="3146040"/>
-          </a:xfrm>
-          <a:prstGeom prst="rect">
-            <a:avLst/>
-          </a:prstGeom>
-        </p:spPr>
-        <p:txBody>
-          <a:bodyPr tIns="91440" bIns="91440"/>
+            <a:ext cx="8228880" cy="3145680"/>
+          </a:xfrm>
+          <a:prstGeom prst="rect">
+            <a:avLst/>
+          </a:prstGeom>
+          <a:noFill/>
+          <a:ln>
+            <a:noFill/>
+          </a:ln>
+        </p:spPr>
+        <p:txBody>
+          <a:bodyPr lIns="90000" rIns="90000" tIns="91440" bIns="91440"/>
           <a:p>
             <a:pPr>
               <a:lnSpc>
@@ -13718,7 +14169,7 @@
       </p:sp>
       <p:pic>
         <p:nvPicPr>
-          <p:cNvPr id="197" name="Picture 3" descr=""/>
+          <p:cNvPr id="198" name="Picture 3" descr=""/>
           <p:cNvPicPr/>
           <p:nvPr/>
         </p:nvPicPr>
@@ -13731,7 +14182,7 @@
         <p:spPr>
           <a:xfrm>
             <a:off x="4404600" y="1728000"/>
-            <a:ext cx="4071240" cy="3069720"/>
+            <a:ext cx="4070880" cy="3069360"/>
           </a:xfrm>
           <a:prstGeom prst="rect">
             <a:avLst/>
@@ -13792,7 +14243,7 @@
       </p:grpSpPr>
       <p:pic>
         <p:nvPicPr>
-          <p:cNvPr id="198" name="Picture 1" descr=""/>
+          <p:cNvPr id="199" name="Picture 1" descr=""/>
           <p:cNvPicPr/>
           <p:nvPr/>
         </p:nvPicPr>
@@ -13805,7 +14256,7 @@
         <p:spPr>
           <a:xfrm>
             <a:off x="1677600" y="213480"/>
-            <a:ext cx="5897880" cy="4660200"/>
+            <a:ext cx="5897520" cy="4659840"/>
           </a:xfrm>
           <a:prstGeom prst="rect">
             <a:avLst/>
@@ -13866,21 +14317,25 @@
       </p:grpSpPr>
       <p:sp>
         <p:nvSpPr>
-          <p:cNvPr id="199" name="TextShape 1"/>
-          <p:cNvSpPr txBox="1"/>
+          <p:cNvPr id="200" name="CustomShape 1"/>
+          <p:cNvSpPr/>
           <p:nvPr/>
         </p:nvSpPr>
         <p:spPr>
           <a:xfrm>
             <a:off x="457200" y="434520"/>
-            <a:ext cx="8686440" cy="1141200"/>
-          </a:xfrm>
-          <a:prstGeom prst="rect">
-            <a:avLst/>
-          </a:prstGeom>
-        </p:spPr>
-        <p:txBody>
-          <a:bodyPr tIns="91440" bIns="91440" anchor="b"/>
+            <a:ext cx="8686080" cy="1140840"/>
+          </a:xfrm>
+          <a:prstGeom prst="rect">
+            <a:avLst/>
+          </a:prstGeom>
+          <a:noFill/>
+          <a:ln>
+            <a:noFill/>
+          </a:ln>
+        </p:spPr>
+        <p:txBody>
+          <a:bodyPr lIns="90000" rIns="90000" tIns="91440" bIns="91440" anchor="b"/>
           <a:p>
             <a:pPr>
               <a:lnSpc>
@@ -13903,21 +14358,25 @@
       </p:sp>
       <p:sp>
         <p:nvSpPr>
-          <p:cNvPr id="200" name="TextShape 2"/>
-          <p:cNvSpPr txBox="1"/>
+          <p:cNvPr id="201" name="CustomShape 2"/>
+          <p:cNvSpPr/>
           <p:nvPr/>
         </p:nvSpPr>
         <p:spPr>
           <a:xfrm>
             <a:off x="457200" y="1536840"/>
-            <a:ext cx="8229240" cy="3146040"/>
-          </a:xfrm>
-          <a:prstGeom prst="rect">
-            <a:avLst/>
-          </a:prstGeom>
-        </p:spPr>
-        <p:txBody>
-          <a:bodyPr tIns="91440" bIns="91440"/>
+            <a:ext cx="8228880" cy="3145680"/>
+          </a:xfrm>
+          <a:prstGeom prst="rect">
+            <a:avLst/>
+          </a:prstGeom>
+          <a:noFill/>
+          <a:ln>
+            <a:noFill/>
+          </a:ln>
+        </p:spPr>
+        <p:txBody>
+          <a:bodyPr lIns="90000" rIns="90000" tIns="91440" bIns="91440"/>
           <a:p>
             <a:pPr>
               <a:lnSpc>
@@ -14019,7 +14478,7 @@
       </p:grpSpPr>
       <p:pic>
         <p:nvPicPr>
-          <p:cNvPr id="201" name="Picture 1" descr=""/>
+          <p:cNvPr id="202" name="Picture 1" descr=""/>
           <p:cNvPicPr/>
           <p:nvPr/>
         </p:nvPicPr>
@@ -14032,7 +14491,7 @@
         <p:spPr>
           <a:xfrm>
             <a:off x="1129320" y="1128960"/>
-            <a:ext cx="6885360" cy="2885400"/>
+            <a:ext cx="6885000" cy="2885040"/>
           </a:xfrm>
           <a:prstGeom prst="rect">
             <a:avLst/>
@@ -14093,21 +14552,25 @@
       </p:grpSpPr>
       <p:sp>
         <p:nvSpPr>
-          <p:cNvPr id="202" name="TextShape 1"/>
-          <p:cNvSpPr txBox="1"/>
+          <p:cNvPr id="203" name="CustomShape 1"/>
+          <p:cNvSpPr/>
           <p:nvPr/>
         </p:nvSpPr>
         <p:spPr>
           <a:xfrm>
             <a:off x="457200" y="434520"/>
-            <a:ext cx="8686440" cy="1141200"/>
-          </a:xfrm>
-          <a:prstGeom prst="rect">
-            <a:avLst/>
-          </a:prstGeom>
-        </p:spPr>
-        <p:txBody>
-          <a:bodyPr tIns="91440" bIns="91440" anchor="b"/>
+            <a:ext cx="8686080" cy="1140840"/>
+          </a:xfrm>
+          <a:prstGeom prst="rect">
+            <a:avLst/>
+          </a:prstGeom>
+          <a:noFill/>
+          <a:ln>
+            <a:noFill/>
+          </a:ln>
+        </p:spPr>
+        <p:txBody>
+          <a:bodyPr lIns="90000" rIns="90000" tIns="91440" bIns="91440" anchor="b"/>
           <a:p>
             <a:pPr>
               <a:lnSpc>
@@ -14130,7 +14593,7 @@
       </p:sp>
       <p:pic>
         <p:nvPicPr>
-          <p:cNvPr id="203" name="Picture 3" descr=""/>
+          <p:cNvPr id="204" name="Picture 3" descr=""/>
           <p:cNvPicPr/>
           <p:nvPr/>
         </p:nvPicPr>
@@ -14143,7 +14606,7 @@
         <p:spPr>
           <a:xfrm>
             <a:off x="2306520" y="1739160"/>
-            <a:ext cx="4257720" cy="3061080"/>
+            <a:ext cx="4257360" cy="3060720"/>
           </a:xfrm>
           <a:prstGeom prst="rect">
             <a:avLst/>
@@ -14211,21 +14674,25 @@
       </p:grpSpPr>
       <p:sp>
         <p:nvSpPr>
-          <p:cNvPr id="124" name="TextShape 1"/>
-          <p:cNvSpPr txBox="1"/>
+          <p:cNvPr id="125" name="CustomShape 1"/>
+          <p:cNvSpPr/>
           <p:nvPr/>
         </p:nvSpPr>
         <p:spPr>
           <a:xfrm>
             <a:off x="457200" y="434520"/>
-            <a:ext cx="8686440" cy="1141200"/>
-          </a:xfrm>
-          <a:prstGeom prst="rect">
-            <a:avLst/>
-          </a:prstGeom>
-        </p:spPr>
-        <p:txBody>
-          <a:bodyPr tIns="91440" bIns="91440" anchor="b"/>
+            <a:ext cx="8686080" cy="1140840"/>
+          </a:xfrm>
+          <a:prstGeom prst="rect">
+            <a:avLst/>
+          </a:prstGeom>
+          <a:noFill/>
+          <a:ln>
+            <a:noFill/>
+          </a:ln>
+        </p:spPr>
+        <p:txBody>
+          <a:bodyPr lIns="90000" rIns="90000" tIns="91440" bIns="91440" anchor="b"/>
           <a:p>
             <a:pPr>
               <a:lnSpc>
@@ -14248,21 +14715,25 @@
       </p:sp>
       <p:sp>
         <p:nvSpPr>
-          <p:cNvPr id="125" name="TextShape 2"/>
-          <p:cNvSpPr txBox="1"/>
+          <p:cNvPr id="126" name="CustomShape 2"/>
+          <p:cNvSpPr/>
           <p:nvPr/>
         </p:nvSpPr>
         <p:spPr>
           <a:xfrm>
             <a:off x="457200" y="1536840"/>
-            <a:ext cx="8229240" cy="3146040"/>
-          </a:xfrm>
-          <a:prstGeom prst="rect">
-            <a:avLst/>
-          </a:prstGeom>
-        </p:spPr>
-        <p:txBody>
-          <a:bodyPr tIns="91440" bIns="91440"/>
+            <a:ext cx="8228880" cy="3145680"/>
+          </a:xfrm>
+          <a:prstGeom prst="rect">
+            <a:avLst/>
+          </a:prstGeom>
+          <a:noFill/>
+          <a:ln>
+            <a:noFill/>
+          </a:ln>
+        </p:spPr>
+        <p:txBody>
+          <a:bodyPr lIns="90000" rIns="90000" tIns="91440" bIns="91440"/>
           <a:p>
             <a:pPr>
               <a:lnSpc>
@@ -14372,6 +14843,11 @@
             <a:endParaRPr/>
           </a:p>
           <a:p>
+            <a:pPr>
+              <a:lnSpc>
+                <a:spcPct val="100000"/>
+              </a:lnSpc>
+            </a:pPr>
             <a:endParaRPr/>
           </a:p>
           <a:p>
@@ -14435,21 +14911,25 @@
       </p:grpSpPr>
       <p:sp>
         <p:nvSpPr>
-          <p:cNvPr id="204" name="TextShape 1"/>
-          <p:cNvSpPr txBox="1"/>
+          <p:cNvPr id="205" name="CustomShape 1"/>
+          <p:cNvSpPr/>
           <p:nvPr/>
         </p:nvSpPr>
         <p:spPr>
           <a:xfrm>
             <a:off x="457200" y="434520"/>
-            <a:ext cx="8686440" cy="1141200"/>
-          </a:xfrm>
-          <a:prstGeom prst="rect">
-            <a:avLst/>
-          </a:prstGeom>
-        </p:spPr>
-        <p:txBody>
-          <a:bodyPr tIns="91440" bIns="91440" anchor="b"/>
+            <a:ext cx="8686080" cy="1140840"/>
+          </a:xfrm>
+          <a:prstGeom prst="rect">
+            <a:avLst/>
+          </a:prstGeom>
+          <a:noFill/>
+          <a:ln>
+            <a:noFill/>
+          </a:ln>
+        </p:spPr>
+        <p:txBody>
+          <a:bodyPr lIns="90000" rIns="90000" tIns="91440" bIns="91440" anchor="b"/>
           <a:p>
             <a:pPr>
               <a:lnSpc>
@@ -14472,21 +14952,25 @@
       </p:sp>
       <p:sp>
         <p:nvSpPr>
-          <p:cNvPr id="205" name="TextShape 2"/>
-          <p:cNvSpPr txBox="1"/>
+          <p:cNvPr id="206" name="CustomShape 2"/>
+          <p:cNvSpPr/>
           <p:nvPr/>
         </p:nvSpPr>
         <p:spPr>
           <a:xfrm>
             <a:off x="457200" y="1536840"/>
-            <a:ext cx="8229240" cy="3146040"/>
-          </a:xfrm>
-          <a:prstGeom prst="rect">
-            <a:avLst/>
-          </a:prstGeom>
-        </p:spPr>
-        <p:txBody>
-          <a:bodyPr tIns="91440" bIns="91440"/>
+            <a:ext cx="8228880" cy="3145680"/>
+          </a:xfrm>
+          <a:prstGeom prst="rect">
+            <a:avLst/>
+          </a:prstGeom>
+          <a:noFill/>
+          <a:ln>
+            <a:noFill/>
+          </a:ln>
+        </p:spPr>
+        <p:txBody>
+          <a:bodyPr lIns="90000" rIns="90000" tIns="91440" bIns="91440"/>
           <a:p>
             <a:pPr>
               <a:lnSpc>
@@ -14560,21 +15044,25 @@
       </p:grpSpPr>
       <p:sp>
         <p:nvSpPr>
-          <p:cNvPr id="206" name="TextShape 1"/>
-          <p:cNvSpPr txBox="1"/>
+          <p:cNvPr id="207" name="CustomShape 1"/>
+          <p:cNvSpPr/>
           <p:nvPr/>
         </p:nvSpPr>
         <p:spPr>
           <a:xfrm>
             <a:off x="457200" y="434520"/>
-            <a:ext cx="8686440" cy="1141200"/>
-          </a:xfrm>
-          <a:prstGeom prst="rect">
-            <a:avLst/>
-          </a:prstGeom>
-        </p:spPr>
-        <p:txBody>
-          <a:bodyPr tIns="91440" bIns="91440" anchor="b"/>
+            <a:ext cx="8686080" cy="1140840"/>
+          </a:xfrm>
+          <a:prstGeom prst="rect">
+            <a:avLst/>
+          </a:prstGeom>
+          <a:noFill/>
+          <a:ln>
+            <a:noFill/>
+          </a:ln>
+        </p:spPr>
+        <p:txBody>
+          <a:bodyPr lIns="90000" rIns="90000" tIns="91440" bIns="91440" anchor="b"/>
           <a:p>
             <a:pPr>
               <a:lnSpc>
@@ -14597,21 +15085,25 @@
       </p:sp>
       <p:sp>
         <p:nvSpPr>
-          <p:cNvPr id="207" name="TextShape 2"/>
-          <p:cNvSpPr txBox="1"/>
+          <p:cNvPr id="208" name="CustomShape 2"/>
+          <p:cNvSpPr/>
           <p:nvPr/>
         </p:nvSpPr>
         <p:spPr>
           <a:xfrm>
             <a:off x="457200" y="1536840"/>
-            <a:ext cx="8229240" cy="3146040"/>
-          </a:xfrm>
-          <a:prstGeom prst="rect">
-            <a:avLst/>
-          </a:prstGeom>
-        </p:spPr>
-        <p:txBody>
-          <a:bodyPr tIns="91440" bIns="91440"/>
+            <a:ext cx="8228880" cy="3145680"/>
+          </a:xfrm>
+          <a:prstGeom prst="rect">
+            <a:avLst/>
+          </a:prstGeom>
+          <a:noFill/>
+          <a:ln>
+            <a:noFill/>
+          </a:ln>
+        </p:spPr>
+        <p:txBody>
+          <a:bodyPr lIns="90000" rIns="90000" tIns="91440" bIns="91440"/>
           <a:p>
             <a:pPr>
               <a:lnSpc>
@@ -14811,21 +15303,25 @@
       </p:grpSpPr>
       <p:sp>
         <p:nvSpPr>
-          <p:cNvPr id="208" name="TextShape 1"/>
-          <p:cNvSpPr txBox="1"/>
+          <p:cNvPr id="209" name="CustomShape 1"/>
+          <p:cNvSpPr/>
           <p:nvPr/>
         </p:nvSpPr>
         <p:spPr>
           <a:xfrm>
             <a:off x="457200" y="434520"/>
-            <a:ext cx="8686440" cy="1141200"/>
-          </a:xfrm>
-          <a:prstGeom prst="rect">
-            <a:avLst/>
-          </a:prstGeom>
-        </p:spPr>
-        <p:txBody>
-          <a:bodyPr tIns="91440" bIns="91440" anchor="b"/>
+            <a:ext cx="8686080" cy="1140840"/>
+          </a:xfrm>
+          <a:prstGeom prst="rect">
+            <a:avLst/>
+          </a:prstGeom>
+          <a:noFill/>
+          <a:ln>
+            <a:noFill/>
+          </a:ln>
+        </p:spPr>
+        <p:txBody>
+          <a:bodyPr lIns="90000" rIns="90000" tIns="91440" bIns="91440" anchor="b"/>
           <a:p>
             <a:pPr>
               <a:lnSpc>
@@ -14848,21 +15344,25 @@
       </p:sp>
       <p:sp>
         <p:nvSpPr>
-          <p:cNvPr id="209" name="TextShape 2"/>
-          <p:cNvSpPr txBox="1"/>
+          <p:cNvPr id="210" name="CustomShape 2"/>
+          <p:cNvSpPr/>
           <p:nvPr/>
         </p:nvSpPr>
         <p:spPr>
           <a:xfrm>
             <a:off x="457200" y="1536840"/>
-            <a:ext cx="8229240" cy="3146040"/>
-          </a:xfrm>
-          <a:prstGeom prst="rect">
-            <a:avLst/>
-          </a:prstGeom>
-        </p:spPr>
-        <p:txBody>
-          <a:bodyPr tIns="91440" bIns="91440"/>
+            <a:ext cx="8228880" cy="3145680"/>
+          </a:xfrm>
+          <a:prstGeom prst="rect">
+            <a:avLst/>
+          </a:prstGeom>
+          <a:noFill/>
+          <a:ln>
+            <a:noFill/>
+          </a:ln>
+        </p:spPr>
+        <p:txBody>
+          <a:bodyPr lIns="90000" rIns="90000" tIns="91440" bIns="91440"/>
           <a:p>
             <a:pPr>
               <a:lnSpc>
@@ -14964,21 +15464,25 @@
       </p:grpSpPr>
       <p:sp>
         <p:nvSpPr>
-          <p:cNvPr id="210" name="TextShape 1"/>
-          <p:cNvSpPr txBox="1"/>
+          <p:cNvPr id="211" name="CustomShape 1"/>
+          <p:cNvSpPr/>
           <p:nvPr/>
         </p:nvSpPr>
         <p:spPr>
           <a:xfrm>
             <a:off x="457200" y="434520"/>
-            <a:ext cx="8686440" cy="1141200"/>
-          </a:xfrm>
-          <a:prstGeom prst="rect">
-            <a:avLst/>
-          </a:prstGeom>
-        </p:spPr>
-        <p:txBody>
-          <a:bodyPr tIns="91440" bIns="91440" anchor="b"/>
+            <a:ext cx="8686080" cy="1140840"/>
+          </a:xfrm>
+          <a:prstGeom prst="rect">
+            <a:avLst/>
+          </a:prstGeom>
+          <a:noFill/>
+          <a:ln>
+            <a:noFill/>
+          </a:ln>
+        </p:spPr>
+        <p:txBody>
+          <a:bodyPr lIns="90000" rIns="90000" tIns="91440" bIns="91440" anchor="b"/>
           <a:p>
             <a:pPr>
               <a:lnSpc>
@@ -15001,21 +15505,25 @@
       </p:sp>
       <p:sp>
         <p:nvSpPr>
-          <p:cNvPr id="211" name="TextShape 2"/>
-          <p:cNvSpPr txBox="1"/>
+          <p:cNvPr id="212" name="CustomShape 2"/>
+          <p:cNvSpPr/>
           <p:nvPr/>
         </p:nvSpPr>
         <p:spPr>
           <a:xfrm>
             <a:off x="457200" y="1536840"/>
-            <a:ext cx="8229240" cy="3146040"/>
-          </a:xfrm>
-          <a:prstGeom prst="rect">
-            <a:avLst/>
-          </a:prstGeom>
-        </p:spPr>
-        <p:txBody>
-          <a:bodyPr tIns="91440" bIns="91440"/>
+            <a:ext cx="8228880" cy="3145680"/>
+          </a:xfrm>
+          <a:prstGeom prst="rect">
+            <a:avLst/>
+          </a:prstGeom>
+          <a:noFill/>
+          <a:ln>
+            <a:noFill/>
+          </a:ln>
+        </p:spPr>
+        <p:txBody>
+          <a:bodyPr lIns="90000" rIns="90000" tIns="91440" bIns="91440"/>
           <a:p>
             <a:pPr>
               <a:lnSpc>
@@ -15117,21 +15625,25 @@
       </p:grpSpPr>
       <p:sp>
         <p:nvSpPr>
-          <p:cNvPr id="212" name="TextShape 1"/>
-          <p:cNvSpPr txBox="1"/>
+          <p:cNvPr id="213" name="CustomShape 1"/>
+          <p:cNvSpPr/>
           <p:nvPr/>
         </p:nvSpPr>
         <p:spPr>
           <a:xfrm>
             <a:off x="457200" y="434520"/>
-            <a:ext cx="8686440" cy="1141200"/>
-          </a:xfrm>
-          <a:prstGeom prst="rect">
-            <a:avLst/>
-          </a:prstGeom>
-        </p:spPr>
-        <p:txBody>
-          <a:bodyPr tIns="91440" bIns="91440" anchor="b"/>
+            <a:ext cx="8686080" cy="1140840"/>
+          </a:xfrm>
+          <a:prstGeom prst="rect">
+            <a:avLst/>
+          </a:prstGeom>
+          <a:noFill/>
+          <a:ln>
+            <a:noFill/>
+          </a:ln>
+        </p:spPr>
+        <p:txBody>
+          <a:bodyPr lIns="90000" rIns="90000" tIns="91440" bIns="91440" anchor="b"/>
           <a:p>
             <a:pPr>
               <a:lnSpc>
@@ -15154,21 +15666,25 @@
       </p:sp>
       <p:sp>
         <p:nvSpPr>
-          <p:cNvPr id="213" name="TextShape 2"/>
-          <p:cNvSpPr txBox="1"/>
+          <p:cNvPr id="214" name="CustomShape 2"/>
+          <p:cNvSpPr/>
           <p:nvPr/>
         </p:nvSpPr>
         <p:spPr>
           <a:xfrm>
             <a:off x="457200" y="1536840"/>
-            <a:ext cx="8229240" cy="3146040"/>
-          </a:xfrm>
-          <a:prstGeom prst="rect">
-            <a:avLst/>
-          </a:prstGeom>
-        </p:spPr>
-        <p:txBody>
-          <a:bodyPr tIns="91440" bIns="91440"/>
+            <a:ext cx="8228880" cy="3145680"/>
+          </a:xfrm>
+          <a:prstGeom prst="rect">
+            <a:avLst/>
+          </a:prstGeom>
+          <a:noFill/>
+          <a:ln>
+            <a:noFill/>
+          </a:ln>
+        </p:spPr>
+        <p:txBody>
+          <a:bodyPr lIns="90000" rIns="90000" tIns="91440" bIns="91440"/>
           <a:p>
             <a:pPr>
               <a:lnSpc>
@@ -15326,21 +15842,25 @@
       </p:grpSpPr>
       <p:sp>
         <p:nvSpPr>
-          <p:cNvPr id="214" name="TextShape 1"/>
-          <p:cNvSpPr txBox="1"/>
+          <p:cNvPr id="215" name="CustomShape 1"/>
+          <p:cNvSpPr/>
           <p:nvPr/>
         </p:nvSpPr>
         <p:spPr>
           <a:xfrm>
             <a:off x="457200" y="434520"/>
-            <a:ext cx="8686440" cy="1141200"/>
-          </a:xfrm>
-          <a:prstGeom prst="rect">
-            <a:avLst/>
-          </a:prstGeom>
-        </p:spPr>
-        <p:txBody>
-          <a:bodyPr tIns="91440" bIns="91440" anchor="b"/>
+            <a:ext cx="8686080" cy="1140840"/>
+          </a:xfrm>
+          <a:prstGeom prst="rect">
+            <a:avLst/>
+          </a:prstGeom>
+          <a:noFill/>
+          <a:ln>
+            <a:noFill/>
+          </a:ln>
+        </p:spPr>
+        <p:txBody>
+          <a:bodyPr lIns="90000" rIns="90000" tIns="91440" bIns="91440" anchor="b"/>
           <a:p>
             <a:pPr>
               <a:lnSpc>
@@ -15363,21 +15883,25 @@
       </p:sp>
       <p:sp>
         <p:nvSpPr>
-          <p:cNvPr id="215" name="TextShape 2"/>
-          <p:cNvSpPr txBox="1"/>
+          <p:cNvPr id="216" name="CustomShape 2"/>
+          <p:cNvSpPr/>
           <p:nvPr/>
         </p:nvSpPr>
         <p:spPr>
           <a:xfrm>
             <a:off x="457200" y="1536840"/>
-            <a:ext cx="8229240" cy="3146040"/>
-          </a:xfrm>
-          <a:prstGeom prst="rect">
-            <a:avLst/>
-          </a:prstGeom>
-        </p:spPr>
-        <p:txBody>
-          <a:bodyPr tIns="91440" bIns="91440"/>
+            <a:ext cx="8228880" cy="3145680"/>
+          </a:xfrm>
+          <a:prstGeom prst="rect">
+            <a:avLst/>
+          </a:prstGeom>
+          <a:noFill/>
+          <a:ln>
+            <a:noFill/>
+          </a:ln>
+        </p:spPr>
+        <p:txBody>
+          <a:bodyPr lIns="90000" rIns="90000" tIns="91440" bIns="91440"/>
           <a:p>
             <a:pPr>
               <a:lnSpc>
@@ -15519,21 +16043,25 @@
       </p:grpSpPr>
       <p:sp>
         <p:nvSpPr>
-          <p:cNvPr id="216" name="TextShape 1"/>
-          <p:cNvSpPr txBox="1"/>
+          <p:cNvPr id="217" name="CustomShape 1"/>
+          <p:cNvSpPr/>
           <p:nvPr/>
         </p:nvSpPr>
         <p:spPr>
           <a:xfrm>
             <a:off x="457200" y="434520"/>
-            <a:ext cx="8686440" cy="1141200"/>
-          </a:xfrm>
-          <a:prstGeom prst="rect">
-            <a:avLst/>
-          </a:prstGeom>
-        </p:spPr>
-        <p:txBody>
-          <a:bodyPr tIns="91440" bIns="91440" anchor="b"/>
+            <a:ext cx="8686080" cy="1140840"/>
+          </a:xfrm>
+          <a:prstGeom prst="rect">
+            <a:avLst/>
+          </a:prstGeom>
+          <a:noFill/>
+          <a:ln>
+            <a:noFill/>
+          </a:ln>
+        </p:spPr>
+        <p:txBody>
+          <a:bodyPr lIns="90000" rIns="90000" tIns="91440" bIns="91440" anchor="b"/>
           <a:p>
             <a:pPr>
               <a:lnSpc>
@@ -15556,21 +16084,25 @@
       </p:sp>
       <p:sp>
         <p:nvSpPr>
-          <p:cNvPr id="217" name="TextShape 2"/>
-          <p:cNvSpPr txBox="1"/>
+          <p:cNvPr id="218" name="CustomShape 2"/>
+          <p:cNvSpPr/>
           <p:nvPr/>
         </p:nvSpPr>
         <p:spPr>
           <a:xfrm>
             <a:off x="457200" y="1536840"/>
-            <a:ext cx="8229240" cy="3146040"/>
-          </a:xfrm>
-          <a:prstGeom prst="rect">
-            <a:avLst/>
-          </a:prstGeom>
-        </p:spPr>
-        <p:txBody>
-          <a:bodyPr tIns="91440" bIns="91440"/>
+            <a:ext cx="8228880" cy="3145680"/>
+          </a:xfrm>
+          <a:prstGeom prst="rect">
+            <a:avLst/>
+          </a:prstGeom>
+          <a:noFill/>
+          <a:ln>
+            <a:noFill/>
+          </a:ln>
+        </p:spPr>
+        <p:txBody>
+          <a:bodyPr lIns="90000" rIns="90000" tIns="91440" bIns="91440"/>
           <a:p>
             <a:pPr>
               <a:lnSpc>
@@ -15732,21 +16264,25 @@
       </p:grpSpPr>
       <p:sp>
         <p:nvSpPr>
-          <p:cNvPr id="218" name="TextShape 1"/>
-          <p:cNvSpPr txBox="1"/>
+          <p:cNvPr id="219" name="CustomShape 1"/>
+          <p:cNvSpPr/>
           <p:nvPr/>
         </p:nvSpPr>
         <p:spPr>
           <a:xfrm>
             <a:off x="457200" y="434520"/>
-            <a:ext cx="8686440" cy="1141200"/>
-          </a:xfrm>
-          <a:prstGeom prst="rect">
-            <a:avLst/>
-          </a:prstGeom>
-        </p:spPr>
-        <p:txBody>
-          <a:bodyPr tIns="91440" bIns="91440" anchor="b"/>
+            <a:ext cx="8686080" cy="1140840"/>
+          </a:xfrm>
+          <a:prstGeom prst="rect">
+            <a:avLst/>
+          </a:prstGeom>
+          <a:noFill/>
+          <a:ln>
+            <a:noFill/>
+          </a:ln>
+        </p:spPr>
+        <p:txBody>
+          <a:bodyPr lIns="90000" rIns="90000" tIns="91440" bIns="91440" anchor="b"/>
           <a:p>
             <a:pPr>
               <a:lnSpc>
@@ -15769,21 +16305,25 @@
       </p:sp>
       <p:sp>
         <p:nvSpPr>
-          <p:cNvPr id="219" name="TextShape 2"/>
-          <p:cNvSpPr txBox="1"/>
+          <p:cNvPr id="220" name="CustomShape 2"/>
+          <p:cNvSpPr/>
           <p:nvPr/>
         </p:nvSpPr>
         <p:spPr>
           <a:xfrm>
             <a:off x="457200" y="1536840"/>
-            <a:ext cx="8229240" cy="3146040"/>
-          </a:xfrm>
-          <a:prstGeom prst="rect">
-            <a:avLst/>
-          </a:prstGeom>
-        </p:spPr>
-        <p:txBody>
-          <a:bodyPr tIns="91440" bIns="91440"/>
+            <a:ext cx="8228880" cy="3145680"/>
+          </a:xfrm>
+          <a:prstGeom prst="rect">
+            <a:avLst/>
+          </a:prstGeom>
+          <a:noFill/>
+          <a:ln>
+            <a:noFill/>
+          </a:ln>
+        </p:spPr>
+        <p:txBody>
+          <a:bodyPr lIns="90000" rIns="90000" tIns="91440" bIns="91440"/>
           <a:p>
             <a:pPr>
               <a:lnSpc>
@@ -15885,21 +16425,25 @@
       </p:grpSpPr>
       <p:sp>
         <p:nvSpPr>
-          <p:cNvPr id="220" name="TextShape 1"/>
-          <p:cNvSpPr txBox="1"/>
+          <p:cNvPr id="221" name="CustomShape 1"/>
+          <p:cNvSpPr/>
           <p:nvPr/>
         </p:nvSpPr>
         <p:spPr>
           <a:xfrm>
             <a:off x="457200" y="434520"/>
-            <a:ext cx="8686440" cy="1141200"/>
-          </a:xfrm>
-          <a:prstGeom prst="rect">
-            <a:avLst/>
-          </a:prstGeom>
-        </p:spPr>
-        <p:txBody>
-          <a:bodyPr tIns="91440" bIns="91440" anchor="b"/>
+            <a:ext cx="8686080" cy="1140840"/>
+          </a:xfrm>
+          <a:prstGeom prst="rect">
+            <a:avLst/>
+          </a:prstGeom>
+          <a:noFill/>
+          <a:ln>
+            <a:noFill/>
+          </a:ln>
+        </p:spPr>
+        <p:txBody>
+          <a:bodyPr lIns="90000" rIns="90000" tIns="91440" bIns="91440" anchor="b"/>
           <a:p>
             <a:pPr>
               <a:lnSpc>
@@ -15922,21 +16466,25 @@
       </p:sp>
       <p:sp>
         <p:nvSpPr>
-          <p:cNvPr id="221" name="TextShape 2"/>
-          <p:cNvSpPr txBox="1"/>
+          <p:cNvPr id="222" name="CustomShape 2"/>
+          <p:cNvSpPr/>
           <p:nvPr/>
         </p:nvSpPr>
         <p:spPr>
           <a:xfrm>
             <a:off x="457200" y="1536840"/>
-            <a:ext cx="8229240" cy="3146040"/>
-          </a:xfrm>
-          <a:prstGeom prst="rect">
-            <a:avLst/>
-          </a:prstGeom>
-        </p:spPr>
-        <p:txBody>
-          <a:bodyPr tIns="91440" bIns="91440"/>
+            <a:ext cx="8228880" cy="3145680"/>
+          </a:xfrm>
+          <a:prstGeom prst="rect">
+            <a:avLst/>
+          </a:prstGeom>
+          <a:noFill/>
+          <a:ln>
+            <a:noFill/>
+          </a:ln>
+        </p:spPr>
+        <p:txBody>
+          <a:bodyPr lIns="90000" rIns="90000" tIns="91440" bIns="91440"/>
           <a:p>
             <a:pPr>
               <a:lnSpc>
@@ -16010,21 +16558,25 @@
       </p:grpSpPr>
       <p:sp>
         <p:nvSpPr>
-          <p:cNvPr id="222" name="TextShape 1"/>
-          <p:cNvSpPr txBox="1"/>
+          <p:cNvPr id="223" name="CustomShape 1"/>
+          <p:cNvSpPr/>
           <p:nvPr/>
         </p:nvSpPr>
         <p:spPr>
           <a:xfrm>
             <a:off x="457200" y="434520"/>
-            <a:ext cx="8686440" cy="1141200"/>
-          </a:xfrm>
-          <a:prstGeom prst="rect">
-            <a:avLst/>
-          </a:prstGeom>
-        </p:spPr>
-        <p:txBody>
-          <a:bodyPr tIns="91440" bIns="91440" anchor="b"/>
+            <a:ext cx="8686080" cy="1140840"/>
+          </a:xfrm>
+          <a:prstGeom prst="rect">
+            <a:avLst/>
+          </a:prstGeom>
+          <a:noFill/>
+          <a:ln>
+            <a:noFill/>
+          </a:ln>
+        </p:spPr>
+        <p:txBody>
+          <a:bodyPr lIns="90000" rIns="90000" tIns="91440" bIns="91440" anchor="b"/>
           <a:p>
             <a:pPr>
               <a:lnSpc>
@@ -16047,21 +16599,25 @@
       </p:sp>
       <p:sp>
         <p:nvSpPr>
-          <p:cNvPr id="223" name="TextShape 2"/>
-          <p:cNvSpPr txBox="1"/>
+          <p:cNvPr id="224" name="CustomShape 2"/>
+          <p:cNvSpPr/>
           <p:nvPr/>
         </p:nvSpPr>
         <p:spPr>
           <a:xfrm>
             <a:off x="457200" y="1536840"/>
-            <a:ext cx="8229240" cy="3146040"/>
-          </a:xfrm>
-          <a:prstGeom prst="rect">
-            <a:avLst/>
-          </a:prstGeom>
-        </p:spPr>
-        <p:txBody>
-          <a:bodyPr tIns="91440" bIns="91440"/>
+            <a:ext cx="8228880" cy="3145680"/>
+          </a:xfrm>
+          <a:prstGeom prst="rect">
+            <a:avLst/>
+          </a:prstGeom>
+          <a:noFill/>
+          <a:ln>
+            <a:noFill/>
+          </a:ln>
+        </p:spPr>
+        <p:txBody>
+          <a:bodyPr lIns="90000" rIns="90000" tIns="91440" bIns="91440"/>
           <a:p>
             <a:pPr>
               <a:lnSpc>
@@ -16163,7 +16719,7 @@
       </p:grpSpPr>
       <p:pic>
         <p:nvPicPr>
-          <p:cNvPr id="126" name="Picture 1" descr=""/>
+          <p:cNvPr id="127" name="Picture 1" descr=""/>
           <p:cNvPicPr/>
           <p:nvPr/>
         </p:nvPicPr>
@@ -16176,7 +16732,7 @@
         <p:spPr>
           <a:xfrm>
             <a:off x="360720" y="819000"/>
-            <a:ext cx="8438400" cy="3482280"/>
+            <a:ext cx="8438040" cy="3481920"/>
           </a:xfrm>
           <a:prstGeom prst="rect">
             <a:avLst/>
@@ -16188,14 +16744,14 @@
       </p:pic>
       <p:sp>
         <p:nvSpPr>
-          <p:cNvPr id="127" name="CustomShape 1"/>
+          <p:cNvPr id="128" name="CustomShape 1"/>
           <p:cNvSpPr/>
           <p:nvPr/>
         </p:nvSpPr>
         <p:spPr>
           <a:xfrm>
             <a:off x="2097360" y="1837080"/>
-            <a:ext cx="1820160" cy="1610280"/>
+            <a:ext cx="1819800" cy="1609920"/>
           </a:xfrm>
           <a:prstGeom prst="rect">
             <a:avLst/>
@@ -16260,21 +16816,25 @@
       </p:grpSpPr>
       <p:sp>
         <p:nvSpPr>
-          <p:cNvPr id="224" name="TextShape 1"/>
-          <p:cNvSpPr txBox="1"/>
+          <p:cNvPr id="225" name="CustomShape 1"/>
+          <p:cNvSpPr/>
           <p:nvPr/>
         </p:nvSpPr>
         <p:spPr>
           <a:xfrm>
             <a:off x="457200" y="434520"/>
-            <a:ext cx="8686440" cy="1141200"/>
-          </a:xfrm>
-          <a:prstGeom prst="rect">
-            <a:avLst/>
-          </a:prstGeom>
-        </p:spPr>
-        <p:txBody>
-          <a:bodyPr tIns="91440" bIns="91440" anchor="b"/>
+            <a:ext cx="8686080" cy="1140840"/>
+          </a:xfrm>
+          <a:prstGeom prst="rect">
+            <a:avLst/>
+          </a:prstGeom>
+          <a:noFill/>
+          <a:ln>
+            <a:noFill/>
+          </a:ln>
+        </p:spPr>
+        <p:txBody>
+          <a:bodyPr lIns="90000" rIns="90000" tIns="91440" bIns="91440" anchor="b"/>
           <a:p>
             <a:pPr>
               <a:lnSpc>
@@ -16297,21 +16857,25 @@
       </p:sp>
       <p:sp>
         <p:nvSpPr>
-          <p:cNvPr id="225" name="TextShape 2"/>
-          <p:cNvSpPr txBox="1"/>
+          <p:cNvPr id="226" name="CustomShape 2"/>
+          <p:cNvSpPr/>
           <p:nvPr/>
         </p:nvSpPr>
         <p:spPr>
           <a:xfrm>
             <a:off x="457200" y="1536840"/>
-            <a:ext cx="8229240" cy="3146040"/>
-          </a:xfrm>
-          <a:prstGeom prst="rect">
-            <a:avLst/>
-          </a:prstGeom>
-        </p:spPr>
-        <p:txBody>
-          <a:bodyPr tIns="91440" bIns="91440"/>
+            <a:ext cx="8228880" cy="3145680"/>
+          </a:xfrm>
+          <a:prstGeom prst="rect">
+            <a:avLst/>
+          </a:prstGeom>
+          <a:noFill/>
+          <a:ln>
+            <a:noFill/>
+          </a:ln>
+        </p:spPr>
+        <p:txBody>
+          <a:bodyPr lIns="90000" rIns="90000" tIns="91440" bIns="91440"/>
           <a:p>
             <a:pPr>
               <a:lnSpc>
@@ -16509,21 +17073,25 @@
       </p:grpSpPr>
       <p:sp>
         <p:nvSpPr>
-          <p:cNvPr id="226" name="TextShape 1"/>
-          <p:cNvSpPr txBox="1"/>
+          <p:cNvPr id="227" name="CustomShape 1"/>
+          <p:cNvSpPr/>
           <p:nvPr/>
         </p:nvSpPr>
         <p:spPr>
           <a:xfrm>
             <a:off x="457200" y="434520"/>
-            <a:ext cx="8686440" cy="1141200"/>
-          </a:xfrm>
-          <a:prstGeom prst="rect">
-            <a:avLst/>
-          </a:prstGeom>
-        </p:spPr>
-        <p:txBody>
-          <a:bodyPr tIns="91440" bIns="91440" anchor="b"/>
+            <a:ext cx="8686080" cy="1140840"/>
+          </a:xfrm>
+          <a:prstGeom prst="rect">
+            <a:avLst/>
+          </a:prstGeom>
+          <a:noFill/>
+          <a:ln>
+            <a:noFill/>
+          </a:ln>
+        </p:spPr>
+        <p:txBody>
+          <a:bodyPr lIns="90000" rIns="90000" tIns="91440" bIns="91440" anchor="b"/>
           <a:p>
             <a:pPr>
               <a:lnSpc>
@@ -16546,21 +17114,25 @@
       </p:sp>
       <p:sp>
         <p:nvSpPr>
-          <p:cNvPr id="227" name="TextShape 2"/>
-          <p:cNvSpPr txBox="1"/>
+          <p:cNvPr id="228" name="CustomShape 2"/>
+          <p:cNvSpPr/>
           <p:nvPr/>
         </p:nvSpPr>
         <p:spPr>
           <a:xfrm>
             <a:off x="457200" y="1536840"/>
-            <a:ext cx="8229240" cy="3146040"/>
-          </a:xfrm>
-          <a:prstGeom prst="rect">
-            <a:avLst/>
-          </a:prstGeom>
-        </p:spPr>
-        <p:txBody>
-          <a:bodyPr tIns="91440" bIns="91440"/>
+            <a:ext cx="8228880" cy="3145680"/>
+          </a:xfrm>
+          <a:prstGeom prst="rect">
+            <a:avLst/>
+          </a:prstGeom>
+          <a:noFill/>
+          <a:ln>
+            <a:noFill/>
+          </a:ln>
+        </p:spPr>
+        <p:txBody>
+          <a:bodyPr lIns="90000" rIns="90000" tIns="91440" bIns="91440"/>
           <a:p>
             <a:pPr>
               <a:lnSpc>
@@ -16794,21 +17366,25 @@
       </p:grpSpPr>
       <p:sp>
         <p:nvSpPr>
-          <p:cNvPr id="228" name="TextShape 1"/>
-          <p:cNvSpPr txBox="1"/>
+          <p:cNvPr id="229" name="CustomShape 1"/>
+          <p:cNvSpPr/>
           <p:nvPr/>
         </p:nvSpPr>
         <p:spPr>
           <a:xfrm>
             <a:off x="457200" y="434520"/>
-            <a:ext cx="8686440" cy="1141200"/>
-          </a:xfrm>
-          <a:prstGeom prst="rect">
-            <a:avLst/>
-          </a:prstGeom>
-        </p:spPr>
-        <p:txBody>
-          <a:bodyPr tIns="91440" bIns="91440" anchor="b"/>
+            <a:ext cx="8686080" cy="1140840"/>
+          </a:xfrm>
+          <a:prstGeom prst="rect">
+            <a:avLst/>
+          </a:prstGeom>
+          <a:noFill/>
+          <a:ln>
+            <a:noFill/>
+          </a:ln>
+        </p:spPr>
+        <p:txBody>
+          <a:bodyPr lIns="90000" rIns="90000" tIns="91440" bIns="91440" anchor="b"/>
           <a:p>
             <a:pPr>
               <a:lnSpc>
@@ -16831,21 +17407,25 @@
       </p:sp>
       <p:sp>
         <p:nvSpPr>
-          <p:cNvPr id="229" name="TextShape 2"/>
-          <p:cNvSpPr txBox="1"/>
+          <p:cNvPr id="230" name="CustomShape 2"/>
+          <p:cNvSpPr/>
           <p:nvPr/>
         </p:nvSpPr>
         <p:spPr>
           <a:xfrm>
             <a:off x="457200" y="1536840"/>
-            <a:ext cx="8229240" cy="3146040"/>
-          </a:xfrm>
-          <a:prstGeom prst="rect">
-            <a:avLst/>
-          </a:prstGeom>
-        </p:spPr>
-        <p:txBody>
-          <a:bodyPr tIns="91440" bIns="91440"/>
+            <a:ext cx="8228880" cy="3145680"/>
+          </a:xfrm>
+          <a:prstGeom prst="rect">
+            <a:avLst/>
+          </a:prstGeom>
+          <a:noFill/>
+          <a:ln>
+            <a:noFill/>
+          </a:ln>
+        </p:spPr>
+        <p:txBody>
+          <a:bodyPr lIns="90000" rIns="90000" tIns="91440" bIns="91440"/>
           <a:p>
             <a:pPr>
               <a:lnSpc>
@@ -17065,7 +17645,7 @@
       </p:grpSpPr>
       <p:pic>
         <p:nvPicPr>
-          <p:cNvPr id="230" name="Picture 1" descr=""/>
+          <p:cNvPr id="231" name="Picture 1" descr=""/>
           <p:cNvPicPr/>
           <p:nvPr/>
         </p:nvPicPr>
@@ -17078,7 +17658,7 @@
         <p:spPr>
           <a:xfrm>
             <a:off x="1048320" y="1151280"/>
-            <a:ext cx="7233120" cy="2806560"/>
+            <a:ext cx="7232760" cy="2806200"/>
           </a:xfrm>
           <a:prstGeom prst="rect">
             <a:avLst/>
@@ -17139,21 +17719,25 @@
       </p:grpSpPr>
       <p:sp>
         <p:nvSpPr>
-          <p:cNvPr id="231" name="TextShape 1"/>
-          <p:cNvSpPr txBox="1"/>
+          <p:cNvPr id="232" name="CustomShape 1"/>
+          <p:cNvSpPr/>
           <p:nvPr/>
         </p:nvSpPr>
         <p:spPr>
           <a:xfrm>
             <a:off x="457200" y="434520"/>
-            <a:ext cx="8686440" cy="1141200"/>
-          </a:xfrm>
-          <a:prstGeom prst="rect">
-            <a:avLst/>
-          </a:prstGeom>
-        </p:spPr>
-        <p:txBody>
-          <a:bodyPr tIns="91440" bIns="91440" anchor="b"/>
+            <a:ext cx="8686080" cy="1140840"/>
+          </a:xfrm>
+          <a:prstGeom prst="rect">
+            <a:avLst/>
+          </a:prstGeom>
+          <a:noFill/>
+          <a:ln>
+            <a:noFill/>
+          </a:ln>
+        </p:spPr>
+        <p:txBody>
+          <a:bodyPr lIns="90000" rIns="90000" tIns="91440" bIns="91440" anchor="b"/>
           <a:p>
             <a:pPr>
               <a:lnSpc>
@@ -17176,21 +17760,25 @@
       </p:sp>
       <p:sp>
         <p:nvSpPr>
-          <p:cNvPr id="232" name="TextShape 2"/>
-          <p:cNvSpPr txBox="1"/>
+          <p:cNvPr id="233" name="CustomShape 2"/>
+          <p:cNvSpPr/>
           <p:nvPr/>
         </p:nvSpPr>
         <p:spPr>
           <a:xfrm>
             <a:off x="457200" y="1536840"/>
-            <a:ext cx="8229240" cy="3146040"/>
-          </a:xfrm>
-          <a:prstGeom prst="rect">
-            <a:avLst/>
-          </a:prstGeom>
-        </p:spPr>
-        <p:txBody>
-          <a:bodyPr tIns="91440" bIns="91440"/>
+            <a:ext cx="8228880" cy="3145680"/>
+          </a:xfrm>
+          <a:prstGeom prst="rect">
+            <a:avLst/>
+          </a:prstGeom>
+          <a:noFill/>
+          <a:ln>
+            <a:noFill/>
+          </a:ln>
+        </p:spPr>
+        <p:txBody>
+          <a:bodyPr lIns="90000" rIns="90000" tIns="91440" bIns="91440"/>
           <a:p>
             <a:pPr>
               <a:lnSpc>
@@ -17223,7 +17811,7 @@
       </p:sp>
       <p:pic>
         <p:nvPicPr>
-          <p:cNvPr id="233" name="Picture 3" descr=""/>
+          <p:cNvPr id="234" name="Picture 3" descr=""/>
           <p:cNvPicPr/>
           <p:nvPr/>
         </p:nvPicPr>
@@ -17236,7 +17824,7 @@
         <p:spPr>
           <a:xfrm>
             <a:off x="3338280" y="2408760"/>
-            <a:ext cx="4771800" cy="1851480"/>
+            <a:ext cx="4771440" cy="1851120"/>
           </a:xfrm>
           <a:prstGeom prst="rect">
             <a:avLst/>
@@ -17297,21 +17885,25 @@
       </p:grpSpPr>
       <p:sp>
         <p:nvSpPr>
-          <p:cNvPr id="234" name="TextShape 1"/>
-          <p:cNvSpPr txBox="1"/>
+          <p:cNvPr id="235" name="CustomShape 1"/>
+          <p:cNvSpPr/>
           <p:nvPr/>
         </p:nvSpPr>
         <p:spPr>
           <a:xfrm>
             <a:off x="457200" y="434520"/>
-            <a:ext cx="8686440" cy="1141200"/>
-          </a:xfrm>
-          <a:prstGeom prst="rect">
-            <a:avLst/>
-          </a:prstGeom>
-        </p:spPr>
-        <p:txBody>
-          <a:bodyPr tIns="91440" bIns="91440" anchor="b"/>
+            <a:ext cx="8686080" cy="1140840"/>
+          </a:xfrm>
+          <a:prstGeom prst="rect">
+            <a:avLst/>
+          </a:prstGeom>
+          <a:noFill/>
+          <a:ln>
+            <a:noFill/>
+          </a:ln>
+        </p:spPr>
+        <p:txBody>
+          <a:bodyPr lIns="90000" rIns="90000" tIns="91440" bIns="91440" anchor="b"/>
           <a:p>
             <a:pPr>
               <a:lnSpc>
@@ -17334,21 +17926,25 @@
       </p:sp>
       <p:sp>
         <p:nvSpPr>
-          <p:cNvPr id="235" name="TextShape 2"/>
-          <p:cNvSpPr txBox="1"/>
+          <p:cNvPr id="236" name="CustomShape 2"/>
+          <p:cNvSpPr/>
           <p:nvPr/>
         </p:nvSpPr>
         <p:spPr>
           <a:xfrm>
             <a:off x="457200" y="1536840"/>
-            <a:ext cx="8229240" cy="3146040"/>
-          </a:xfrm>
-          <a:prstGeom prst="rect">
-            <a:avLst/>
-          </a:prstGeom>
-        </p:spPr>
-        <p:txBody>
-          <a:bodyPr tIns="91440" bIns="91440"/>
+            <a:ext cx="8228880" cy="3145680"/>
+          </a:xfrm>
+          <a:prstGeom prst="rect">
+            <a:avLst/>
+          </a:prstGeom>
+          <a:noFill/>
+          <a:ln>
+            <a:noFill/>
+          </a:ln>
+        </p:spPr>
+        <p:txBody>
+          <a:bodyPr lIns="90000" rIns="90000" tIns="91440" bIns="91440"/>
           <a:p>
             <a:pPr>
               <a:lnSpc>
@@ -17450,21 +18046,25 @@
       </p:grpSpPr>
       <p:sp>
         <p:nvSpPr>
-          <p:cNvPr id="236" name="TextShape 1"/>
-          <p:cNvSpPr txBox="1"/>
+          <p:cNvPr id="237" name="CustomShape 1"/>
+          <p:cNvSpPr/>
           <p:nvPr/>
         </p:nvSpPr>
         <p:spPr>
           <a:xfrm>
             <a:off x="457200" y="434520"/>
-            <a:ext cx="8686440" cy="1141200"/>
-          </a:xfrm>
-          <a:prstGeom prst="rect">
-            <a:avLst/>
-          </a:prstGeom>
-        </p:spPr>
-        <p:txBody>
-          <a:bodyPr tIns="91440" bIns="91440" anchor="b"/>
+            <a:ext cx="8686080" cy="1140840"/>
+          </a:xfrm>
+          <a:prstGeom prst="rect">
+            <a:avLst/>
+          </a:prstGeom>
+          <a:noFill/>
+          <a:ln>
+            <a:noFill/>
+          </a:ln>
+        </p:spPr>
+        <p:txBody>
+          <a:bodyPr lIns="90000" rIns="90000" tIns="91440" bIns="91440" anchor="b"/>
           <a:p>
             <a:pPr>
               <a:lnSpc>
@@ -17487,21 +18087,25 @@
       </p:sp>
       <p:sp>
         <p:nvSpPr>
-          <p:cNvPr id="237" name="TextShape 2"/>
-          <p:cNvSpPr txBox="1"/>
+          <p:cNvPr id="238" name="CustomShape 2"/>
+          <p:cNvSpPr/>
           <p:nvPr/>
         </p:nvSpPr>
         <p:spPr>
           <a:xfrm>
             <a:off x="457200" y="1536840"/>
-            <a:ext cx="8229240" cy="3146040"/>
-          </a:xfrm>
-          <a:prstGeom prst="rect">
-            <a:avLst/>
-          </a:prstGeom>
-        </p:spPr>
-        <p:txBody>
-          <a:bodyPr tIns="91440" bIns="91440"/>
+            <a:ext cx="8228880" cy="3145680"/>
+          </a:xfrm>
+          <a:prstGeom prst="rect">
+            <a:avLst/>
+          </a:prstGeom>
+          <a:noFill/>
+          <a:ln>
+            <a:noFill/>
+          </a:ln>
+        </p:spPr>
+        <p:txBody>
+          <a:bodyPr lIns="90000" rIns="90000" tIns="91440" bIns="91440"/>
           <a:p>
             <a:pPr>
               <a:lnSpc>
@@ -17615,51 +18219,14 @@
       </p:grpSpPr>
       <p:sp>
         <p:nvSpPr>
-          <p:cNvPr id="238" name="TextShape 1"/>
-          <p:cNvSpPr txBox="1"/>
-          <p:nvPr/>
-        </p:nvSpPr>
-        <p:spPr>
-          <a:xfrm>
-            <a:off x="0" y="1355040"/>
-            <a:ext cx="9143640" cy="1357200"/>
-          </a:xfrm>
-          <a:prstGeom prst="rect">
-            <a:avLst/>
-          </a:prstGeom>
-        </p:spPr>
-        <p:txBody>
-          <a:bodyPr tIns="91440" bIns="91440" anchor="ctr"/>
-          <a:p>
-            <a:pPr>
-              <a:lnSpc>
-                <a:spcPct val="100000"/>
-              </a:lnSpc>
-            </a:pPr>
-            <a:r>
-              <a:rPr b="1" lang="en-CA" sz="5000">
-                <a:solidFill>
-                  <a:srgbClr val="ffffff"/>
-                </a:solidFill>
-                <a:latin typeface="Quicksand"/>
-                <a:ea typeface="Quicksand"/>
-              </a:rPr>
-              <a:t>Demo time!</a:t>
-            </a:r>
-            <a:endParaRPr/>
-          </a:p>
-        </p:txBody>
-      </p:sp>
-      <p:sp>
-        <p:nvSpPr>
-          <p:cNvPr id="239" name="CustomShape 2"/>
+          <p:cNvPr id="239" name="CustomShape 1"/>
           <p:cNvSpPr/>
           <p:nvPr/>
         </p:nvSpPr>
         <p:spPr>
           <a:xfrm>
-            <a:off x="581400" y="2559960"/>
-            <a:ext cx="7772040" cy="712080"/>
+            <a:off x="0" y="1355040"/>
+            <a:ext cx="9143280" cy="1356840"/>
           </a:xfrm>
           <a:prstGeom prst="rect">
             <a:avLst/>
@@ -17670,7 +18237,48 @@
           </a:ln>
         </p:spPr>
         <p:txBody>
-          <a:bodyPr tIns="91440" bIns="91440" anchor="ctr"/>
+          <a:bodyPr lIns="90000" rIns="90000" tIns="91440" bIns="91440" anchor="ctr"/>
+          <a:p>
+            <a:pPr>
+              <a:lnSpc>
+                <a:spcPct val="100000"/>
+              </a:lnSpc>
+            </a:pPr>
+            <a:r>
+              <a:rPr b="1" lang="en-CA" sz="5000">
+                <a:solidFill>
+                  <a:srgbClr val="ffffff"/>
+                </a:solidFill>
+                <a:latin typeface="Quicksand"/>
+                <a:ea typeface="Quicksand"/>
+              </a:rPr>
+              <a:t>Demo time!</a:t>
+            </a:r>
+            <a:endParaRPr/>
+          </a:p>
+        </p:txBody>
+      </p:sp>
+      <p:sp>
+        <p:nvSpPr>
+          <p:cNvPr id="240" name="CustomShape 2"/>
+          <p:cNvSpPr/>
+          <p:nvPr/>
+        </p:nvSpPr>
+        <p:spPr>
+          <a:xfrm>
+            <a:off x="581400" y="2559960"/>
+            <a:ext cx="7771680" cy="711720"/>
+          </a:xfrm>
+          <a:prstGeom prst="rect">
+            <a:avLst/>
+          </a:prstGeom>
+          <a:noFill/>
+          <a:ln>
+            <a:noFill/>
+          </a:ln>
+        </p:spPr>
+        <p:txBody>
+          <a:bodyPr lIns="90000" rIns="90000" tIns="91440" bIns="91440" anchor="ctr"/>
           <a:p>
             <a:pPr>
               <a:lnSpc>
@@ -17742,21 +18350,25 @@
       </p:grpSpPr>
       <p:sp>
         <p:nvSpPr>
-          <p:cNvPr id="240" name="TextShape 1"/>
-          <p:cNvSpPr txBox="1"/>
+          <p:cNvPr id="241" name="CustomShape 1"/>
+          <p:cNvSpPr/>
           <p:nvPr/>
         </p:nvSpPr>
         <p:spPr>
           <a:xfrm>
             <a:off x="0" y="1915200"/>
-            <a:ext cx="9143640" cy="1357200"/>
-          </a:xfrm>
-          <a:prstGeom prst="rect">
-            <a:avLst/>
-          </a:prstGeom>
-        </p:spPr>
-        <p:txBody>
-          <a:bodyPr tIns="91440" bIns="91440" anchor="ctr"/>
+            <a:ext cx="9143280" cy="1356840"/>
+          </a:xfrm>
+          <a:prstGeom prst="rect">
+            <a:avLst/>
+          </a:prstGeom>
+          <a:noFill/>
+          <a:ln>
+            <a:noFill/>
+          </a:ln>
+        </p:spPr>
+        <p:txBody>
+          <a:bodyPr lIns="90000" rIns="90000" tIns="91440" bIns="91440" anchor="ctr"/>
           <a:p>
             <a:pPr algn="ctr">
               <a:lnSpc>
@@ -17828,21 +18440,25 @@
       </p:grpSpPr>
       <p:sp>
         <p:nvSpPr>
-          <p:cNvPr id="241" name="TextShape 1"/>
-          <p:cNvSpPr txBox="1"/>
+          <p:cNvPr id="242" name="CustomShape 1"/>
+          <p:cNvSpPr/>
           <p:nvPr/>
         </p:nvSpPr>
         <p:spPr>
           <a:xfrm>
             <a:off x="0" y="1915200"/>
-            <a:ext cx="9143640" cy="1357200"/>
-          </a:xfrm>
-          <a:prstGeom prst="rect">
-            <a:avLst/>
-          </a:prstGeom>
-        </p:spPr>
-        <p:txBody>
-          <a:bodyPr tIns="91440" bIns="91440" anchor="ctr"/>
+            <a:ext cx="9143280" cy="1356840"/>
+          </a:xfrm>
+          <a:prstGeom prst="rect">
+            <a:avLst/>
+          </a:prstGeom>
+          <a:noFill/>
+          <a:ln>
+            <a:noFill/>
+          </a:ln>
+        </p:spPr>
+        <p:txBody>
+          <a:bodyPr lIns="90000" rIns="90000" tIns="91440" bIns="91440" anchor="ctr"/>
           <a:p>
             <a:pPr algn="ctr">
               <a:lnSpc>
@@ -17914,7 +18530,7 @@
       </p:grpSpPr>
       <p:pic>
         <p:nvPicPr>
-          <p:cNvPr id="128" name="Picture 1" descr=""/>
+          <p:cNvPr id="129" name="Picture 1" descr=""/>
           <p:cNvPicPr/>
           <p:nvPr/>
         </p:nvPicPr>
@@ -17927,7 +18543,7 @@
         <p:spPr>
           <a:xfrm>
             <a:off x="2381400" y="289080"/>
-            <a:ext cx="4262760" cy="4716360"/>
+            <a:ext cx="4262400" cy="4716000"/>
           </a:xfrm>
           <a:prstGeom prst="rect">
             <a:avLst/>
@@ -17939,14 +18555,14 @@
       </p:pic>
       <p:sp>
         <p:nvSpPr>
-          <p:cNvPr id="129" name="CustomShape 1"/>
+          <p:cNvPr id="130" name="CustomShape 1"/>
           <p:cNvSpPr/>
           <p:nvPr/>
         </p:nvSpPr>
         <p:spPr>
           <a:xfrm>
             <a:off x="3592440" y="906120"/>
-            <a:ext cx="2840760" cy="522000"/>
+            <a:ext cx="2840400" cy="521640"/>
           </a:xfrm>
           <a:prstGeom prst="rect">
             <a:avLst/>
@@ -17962,14 +18578,14 @@
       </p:sp>
       <p:sp>
         <p:nvSpPr>
-          <p:cNvPr id="130" name="CustomShape 2"/>
+          <p:cNvPr id="131" name="CustomShape 2"/>
           <p:cNvSpPr/>
           <p:nvPr/>
         </p:nvSpPr>
         <p:spPr>
           <a:xfrm>
             <a:off x="6433560" y="930600"/>
-            <a:ext cx="1869120" cy="497520"/>
+            <a:ext cx="1868760" cy="497160"/>
           </a:xfrm>
           <a:prstGeom prst="rect">
             <a:avLst/>
@@ -17980,7 +18596,7 @@
           </a:ln>
         </p:spPr>
         <p:txBody>
-          <a:bodyPr tIns="91440" bIns="91440"/>
+          <a:bodyPr lIns="90000" rIns="90000" tIns="91440" bIns="91440"/>
           <a:p>
             <a:pPr>
               <a:lnSpc>
@@ -18054,21 +18670,25 @@
       </p:grpSpPr>
       <p:sp>
         <p:nvSpPr>
-          <p:cNvPr id="242" name="TextShape 1"/>
-          <p:cNvSpPr txBox="1"/>
+          <p:cNvPr id="243" name="CustomShape 1"/>
+          <p:cNvSpPr/>
           <p:nvPr/>
         </p:nvSpPr>
         <p:spPr>
           <a:xfrm>
             <a:off x="0" y="1915200"/>
-            <a:ext cx="9143640" cy="1357200"/>
-          </a:xfrm>
-          <a:prstGeom prst="rect">
-            <a:avLst/>
-          </a:prstGeom>
-        </p:spPr>
-        <p:txBody>
-          <a:bodyPr tIns="91440" bIns="91440" anchor="ctr"/>
+            <a:ext cx="9143280" cy="1356840"/>
+          </a:xfrm>
+          <a:prstGeom prst="rect">
+            <a:avLst/>
+          </a:prstGeom>
+          <a:noFill/>
+          <a:ln>
+            <a:noFill/>
+          </a:ln>
+        </p:spPr>
+        <p:txBody>
+          <a:bodyPr lIns="90000" rIns="90000" tIns="91440" bIns="91440" anchor="ctr"/>
           <a:p>
             <a:pPr algn="ctr">
               <a:lnSpc>
@@ -18140,21 +18760,25 @@
       </p:grpSpPr>
       <p:sp>
         <p:nvSpPr>
-          <p:cNvPr id="243" name="TextShape 1"/>
-          <p:cNvSpPr txBox="1"/>
+          <p:cNvPr id="244" name="CustomShape 1"/>
+          <p:cNvSpPr/>
           <p:nvPr/>
         </p:nvSpPr>
         <p:spPr>
           <a:xfrm>
             <a:off x="0" y="1915200"/>
-            <a:ext cx="9143640" cy="1357200"/>
-          </a:xfrm>
-          <a:prstGeom prst="rect">
-            <a:avLst/>
-          </a:prstGeom>
-        </p:spPr>
-        <p:txBody>
-          <a:bodyPr tIns="91440" bIns="91440" anchor="ctr"/>
+            <a:ext cx="9143280" cy="1356840"/>
+          </a:xfrm>
+          <a:prstGeom prst="rect">
+            <a:avLst/>
+          </a:prstGeom>
+          <a:noFill/>
+          <a:ln>
+            <a:noFill/>
+          </a:ln>
+        </p:spPr>
+        <p:txBody>
+          <a:bodyPr lIns="90000" rIns="90000" tIns="91440" bIns="91440" anchor="ctr"/>
           <a:p>
             <a:pPr algn="ctr">
               <a:lnSpc>
@@ -18226,21 +18850,25 @@
       </p:grpSpPr>
       <p:sp>
         <p:nvSpPr>
-          <p:cNvPr id="244" name="TextShape 1"/>
-          <p:cNvSpPr txBox="1"/>
+          <p:cNvPr id="245" name="CustomShape 1"/>
+          <p:cNvSpPr/>
           <p:nvPr/>
         </p:nvSpPr>
         <p:spPr>
           <a:xfrm>
             <a:off x="0" y="1915200"/>
-            <a:ext cx="9143640" cy="1357200"/>
-          </a:xfrm>
-          <a:prstGeom prst="rect">
-            <a:avLst/>
-          </a:prstGeom>
-        </p:spPr>
-        <p:txBody>
-          <a:bodyPr tIns="91440" bIns="91440" anchor="ctr"/>
+            <a:ext cx="9143280" cy="1356840"/>
+          </a:xfrm>
+          <a:prstGeom prst="rect">
+            <a:avLst/>
+          </a:prstGeom>
+          <a:noFill/>
+          <a:ln>
+            <a:noFill/>
+          </a:ln>
+        </p:spPr>
+        <p:txBody>
+          <a:bodyPr lIns="90000" rIns="90000" tIns="91440" bIns="91440" anchor="ctr"/>
           <a:p>
             <a:pPr algn="ctr">
               <a:lnSpc>
@@ -18312,14 +18940,14 @@
       </p:grpSpPr>
       <p:sp>
         <p:nvSpPr>
-          <p:cNvPr id="245" name="CustomShape 1"/>
+          <p:cNvPr id="246" name="CustomShape 1"/>
           <p:cNvSpPr/>
           <p:nvPr/>
         </p:nvSpPr>
         <p:spPr>
           <a:xfrm>
             <a:off x="1023840" y="2219400"/>
-            <a:ext cx="8338680" cy="516960"/>
+            <a:ext cx="8338320" cy="516600"/>
           </a:xfrm>
           <a:prstGeom prst="rect">
             <a:avLst/>
@@ -18402,21 +19030,25 @@
       </p:grpSpPr>
       <p:sp>
         <p:nvSpPr>
-          <p:cNvPr id="246" name="TextShape 1"/>
-          <p:cNvSpPr txBox="1"/>
+          <p:cNvPr id="247" name="CustomShape 1"/>
+          <p:cNvSpPr/>
           <p:nvPr/>
         </p:nvSpPr>
         <p:spPr>
           <a:xfrm>
             <a:off x="0" y="1915200"/>
-            <a:ext cx="9143640" cy="1357200"/>
-          </a:xfrm>
-          <a:prstGeom prst="rect">
-            <a:avLst/>
-          </a:prstGeom>
-        </p:spPr>
-        <p:txBody>
-          <a:bodyPr tIns="91440" bIns="91440" anchor="ctr"/>
+            <a:ext cx="9143280" cy="1356840"/>
+          </a:xfrm>
+          <a:prstGeom prst="rect">
+            <a:avLst/>
+          </a:prstGeom>
+          <a:noFill/>
+          <a:ln>
+            <a:noFill/>
+          </a:ln>
+        </p:spPr>
+        <p:txBody>
+          <a:bodyPr lIns="90000" rIns="90000" tIns="91440" bIns="91440" anchor="ctr"/>
           <a:p>
             <a:pPr algn="ctr">
               <a:lnSpc>
@@ -18488,14 +19120,14 @@
       </p:grpSpPr>
       <p:sp>
         <p:nvSpPr>
-          <p:cNvPr id="247" name="CustomShape 1"/>
+          <p:cNvPr id="248" name="CustomShape 1"/>
           <p:cNvSpPr/>
           <p:nvPr/>
         </p:nvSpPr>
         <p:spPr>
           <a:xfrm>
             <a:off x="1946160" y="2289960"/>
-            <a:ext cx="5493960" cy="516960"/>
+            <a:ext cx="5493600" cy="516600"/>
           </a:xfrm>
           <a:prstGeom prst="rect">
             <a:avLst/>
@@ -18578,21 +19210,25 @@
       </p:grpSpPr>
       <p:sp>
         <p:nvSpPr>
-          <p:cNvPr id="248" name="TextShape 1"/>
-          <p:cNvSpPr txBox="1"/>
+          <p:cNvPr id="249" name="CustomShape 1"/>
+          <p:cNvSpPr/>
           <p:nvPr/>
         </p:nvSpPr>
         <p:spPr>
           <a:xfrm>
             <a:off x="0" y="1915200"/>
-            <a:ext cx="9143640" cy="1357200"/>
-          </a:xfrm>
-          <a:prstGeom prst="rect">
-            <a:avLst/>
-          </a:prstGeom>
-        </p:spPr>
-        <p:txBody>
-          <a:bodyPr tIns="91440" bIns="91440" anchor="ctr"/>
+            <a:ext cx="9143280" cy="1356840"/>
+          </a:xfrm>
+          <a:prstGeom prst="rect">
+            <a:avLst/>
+          </a:prstGeom>
+          <a:noFill/>
+          <a:ln>
+            <a:noFill/>
+          </a:ln>
+        </p:spPr>
+        <p:txBody>
+          <a:bodyPr lIns="90000" rIns="90000" tIns="91440" bIns="91440" anchor="ctr"/>
           <a:p>
             <a:pPr algn="ctr">
               <a:lnSpc>
@@ -18664,14 +19300,14 @@
       </p:grpSpPr>
       <p:sp>
         <p:nvSpPr>
-          <p:cNvPr id="249" name="CustomShape 1"/>
+          <p:cNvPr id="250" name="CustomShape 1"/>
           <p:cNvSpPr/>
           <p:nvPr/>
         </p:nvSpPr>
         <p:spPr>
           <a:xfrm>
             <a:off x="1946160" y="2289960"/>
-            <a:ext cx="5493960" cy="516960"/>
+            <a:ext cx="5493600" cy="516600"/>
           </a:xfrm>
           <a:prstGeom prst="rect">
             <a:avLst/>
@@ -18754,21 +19390,25 @@
       </p:grpSpPr>
       <p:sp>
         <p:nvSpPr>
-          <p:cNvPr id="250" name="TextShape 1"/>
-          <p:cNvSpPr txBox="1"/>
+          <p:cNvPr id="251" name="CustomShape 1"/>
+          <p:cNvSpPr/>
           <p:nvPr/>
         </p:nvSpPr>
         <p:spPr>
           <a:xfrm>
             <a:off x="0" y="1915200"/>
-            <a:ext cx="9143640" cy="1357200"/>
-          </a:xfrm>
-          <a:prstGeom prst="rect">
-            <a:avLst/>
-          </a:prstGeom>
-        </p:spPr>
-        <p:txBody>
-          <a:bodyPr tIns="91440" bIns="91440" anchor="ctr"/>
+            <a:ext cx="9143280" cy="1356840"/>
+          </a:xfrm>
+          <a:prstGeom prst="rect">
+            <a:avLst/>
+          </a:prstGeom>
+          <a:noFill/>
+          <a:ln>
+            <a:noFill/>
+          </a:ln>
+        </p:spPr>
+        <p:txBody>
+          <a:bodyPr lIns="90000" rIns="90000" tIns="91440" bIns="91440" anchor="ctr"/>
           <a:p>
             <a:pPr algn="ctr">
               <a:lnSpc>
@@ -18840,14 +19480,14 @@
       </p:grpSpPr>
       <p:sp>
         <p:nvSpPr>
-          <p:cNvPr id="251" name="CustomShape 1"/>
+          <p:cNvPr id="252" name="CustomShape 1"/>
           <p:cNvSpPr/>
           <p:nvPr/>
         </p:nvSpPr>
         <p:spPr>
           <a:xfrm>
             <a:off x="0" y="2289960"/>
-            <a:ext cx="9143640" cy="516960"/>
+            <a:ext cx="9143280" cy="516600"/>
           </a:xfrm>
           <a:prstGeom prst="rect">
             <a:avLst/>
@@ -18940,7 +19580,7 @@
       </p:grpSpPr>
       <p:pic>
         <p:nvPicPr>
-          <p:cNvPr id="131" name="Picture 1" descr=""/>
+          <p:cNvPr id="132" name="Picture 1" descr=""/>
           <p:cNvPicPr/>
           <p:nvPr/>
         </p:nvPicPr>
@@ -18953,7 +19593,7 @@
         <p:spPr>
           <a:xfrm>
             <a:off x="211680" y="465480"/>
-            <a:ext cx="8670600" cy="4326840"/>
+            <a:ext cx="8670240" cy="4326480"/>
           </a:xfrm>
           <a:prstGeom prst="rect">
             <a:avLst/>
@@ -19014,21 +19654,25 @@
       </p:grpSpPr>
       <p:sp>
         <p:nvSpPr>
-          <p:cNvPr id="252" name="TextShape 1"/>
-          <p:cNvSpPr txBox="1"/>
+          <p:cNvPr id="253" name="CustomShape 1"/>
+          <p:cNvSpPr/>
           <p:nvPr/>
         </p:nvSpPr>
         <p:spPr>
           <a:xfrm>
             <a:off x="0" y="1915200"/>
-            <a:ext cx="9143640" cy="1357200"/>
-          </a:xfrm>
-          <a:prstGeom prst="rect">
-            <a:avLst/>
-          </a:prstGeom>
-        </p:spPr>
-        <p:txBody>
-          <a:bodyPr tIns="91440" bIns="91440" anchor="ctr"/>
+            <a:ext cx="9143280" cy="1356840"/>
+          </a:xfrm>
+          <a:prstGeom prst="rect">
+            <a:avLst/>
+          </a:prstGeom>
+          <a:noFill/>
+          <a:ln>
+            <a:noFill/>
+          </a:ln>
+        </p:spPr>
+        <p:txBody>
+          <a:bodyPr lIns="90000" rIns="90000" tIns="91440" bIns="91440" anchor="ctr"/>
           <a:p>
             <a:pPr algn="ctr">
               <a:lnSpc>
@@ -19100,14 +19744,14 @@
       </p:grpSpPr>
       <p:sp>
         <p:nvSpPr>
-          <p:cNvPr id="253" name="CustomShape 1"/>
+          <p:cNvPr id="254" name="CustomShape 1"/>
           <p:cNvSpPr/>
           <p:nvPr/>
         </p:nvSpPr>
         <p:spPr>
           <a:xfrm>
             <a:off x="0" y="2289960"/>
-            <a:ext cx="9143640" cy="516960"/>
+            <a:ext cx="9143280" cy="516600"/>
           </a:xfrm>
           <a:prstGeom prst="rect">
             <a:avLst/>
@@ -19190,21 +19834,25 @@
       </p:grpSpPr>
       <p:sp>
         <p:nvSpPr>
-          <p:cNvPr id="254" name="TextShape 1"/>
-          <p:cNvSpPr txBox="1"/>
+          <p:cNvPr id="255" name="CustomShape 1"/>
+          <p:cNvSpPr/>
           <p:nvPr/>
         </p:nvSpPr>
         <p:spPr>
           <a:xfrm>
             <a:off x="0" y="1915200"/>
-            <a:ext cx="9143640" cy="1357200"/>
-          </a:xfrm>
-          <a:prstGeom prst="rect">
-            <a:avLst/>
-          </a:prstGeom>
-        </p:spPr>
-        <p:txBody>
-          <a:bodyPr tIns="91440" bIns="91440" anchor="ctr"/>
+            <a:ext cx="9143280" cy="1356840"/>
+          </a:xfrm>
+          <a:prstGeom prst="rect">
+            <a:avLst/>
+          </a:prstGeom>
+          <a:noFill/>
+          <a:ln>
+            <a:noFill/>
+          </a:ln>
+        </p:spPr>
+        <p:txBody>
+          <a:bodyPr lIns="90000" rIns="90000" tIns="91440" bIns="91440" anchor="ctr"/>
           <a:p>
             <a:pPr algn="ctr">
               <a:lnSpc>
@@ -19276,14 +19924,14 @@
       </p:grpSpPr>
       <p:sp>
         <p:nvSpPr>
-          <p:cNvPr id="255" name="CustomShape 1"/>
+          <p:cNvPr id="256" name="CustomShape 1"/>
           <p:cNvSpPr/>
           <p:nvPr/>
         </p:nvSpPr>
         <p:spPr>
           <a:xfrm>
             <a:off x="0" y="2289960"/>
-            <a:ext cx="9143640" cy="516960"/>
+            <a:ext cx="9143280" cy="516600"/>
           </a:xfrm>
           <a:prstGeom prst="rect">
             <a:avLst/>
@@ -19376,21 +20024,25 @@
       </p:grpSpPr>
       <p:sp>
         <p:nvSpPr>
-          <p:cNvPr id="256" name="TextShape 1"/>
-          <p:cNvSpPr txBox="1"/>
+          <p:cNvPr id="257" name="CustomShape 1"/>
+          <p:cNvSpPr/>
           <p:nvPr/>
         </p:nvSpPr>
         <p:spPr>
           <a:xfrm>
             <a:off x="0" y="1483200"/>
-            <a:ext cx="9143640" cy="1357200"/>
-          </a:xfrm>
-          <a:prstGeom prst="rect">
-            <a:avLst/>
-          </a:prstGeom>
-        </p:spPr>
-        <p:txBody>
-          <a:bodyPr tIns="91440" bIns="91440" anchor="ctr"/>
+            <a:ext cx="9143280" cy="1356840"/>
+          </a:xfrm>
+          <a:prstGeom prst="rect">
+            <a:avLst/>
+          </a:prstGeom>
+          <a:noFill/>
+          <a:ln>
+            <a:noFill/>
+          </a:ln>
+        </p:spPr>
+        <p:txBody>
+          <a:bodyPr lIns="90000" rIns="90000" tIns="91440" bIns="91440" anchor="ctr"/>
           <a:p>
             <a:pPr algn="ctr">
               <a:lnSpc>
@@ -19462,14 +20114,14 @@
       </p:grpSpPr>
       <p:sp>
         <p:nvSpPr>
-          <p:cNvPr id="257" name="CustomShape 1"/>
+          <p:cNvPr id="258" name="CustomShape 1"/>
           <p:cNvSpPr/>
           <p:nvPr/>
         </p:nvSpPr>
         <p:spPr>
           <a:xfrm>
             <a:off x="0" y="2289960"/>
-            <a:ext cx="9143640" cy="516960"/>
+            <a:ext cx="9143280" cy="516600"/>
           </a:xfrm>
           <a:prstGeom prst="rect">
             <a:avLst/>
@@ -19552,21 +20204,25 @@
       </p:grpSpPr>
       <p:sp>
         <p:nvSpPr>
-          <p:cNvPr id="258" name="TextShape 1"/>
-          <p:cNvSpPr txBox="1"/>
+          <p:cNvPr id="259" name="CustomShape 1"/>
+          <p:cNvSpPr/>
           <p:nvPr/>
         </p:nvSpPr>
         <p:spPr>
           <a:xfrm>
             <a:off x="0" y="1458000"/>
-            <a:ext cx="9143640" cy="1357200"/>
-          </a:xfrm>
-          <a:prstGeom prst="rect">
-            <a:avLst/>
-          </a:prstGeom>
-        </p:spPr>
-        <p:txBody>
-          <a:bodyPr tIns="91440" bIns="91440" anchor="ctr"/>
+            <a:ext cx="9143280" cy="1356840"/>
+          </a:xfrm>
+          <a:prstGeom prst="rect">
+            <a:avLst/>
+          </a:prstGeom>
+          <a:noFill/>
+          <a:ln>
+            <a:noFill/>
+          </a:ln>
+        </p:spPr>
+        <p:txBody>
+          <a:bodyPr lIns="90000" rIns="90000" tIns="91440" bIns="91440" anchor="ctr"/>
           <a:p>
             <a:pPr algn="ctr">
               <a:lnSpc>
@@ -19638,14 +20294,14 @@
       </p:grpSpPr>
       <p:sp>
         <p:nvSpPr>
-          <p:cNvPr id="259" name="CustomShape 1"/>
+          <p:cNvPr id="260" name="CustomShape 1"/>
           <p:cNvSpPr/>
           <p:nvPr/>
         </p:nvSpPr>
         <p:spPr>
           <a:xfrm>
             <a:off x="0" y="1578600"/>
-            <a:ext cx="9143640" cy="2222640"/>
+            <a:ext cx="9143280" cy="2222280"/>
           </a:xfrm>
           <a:prstGeom prst="rect">
             <a:avLst/>
@@ -19830,21 +20486,25 @@
       </p:grpSpPr>
       <p:sp>
         <p:nvSpPr>
-          <p:cNvPr id="260" name="TextShape 1"/>
-          <p:cNvSpPr txBox="1"/>
+          <p:cNvPr id="261" name="CustomShape 1"/>
+          <p:cNvSpPr/>
           <p:nvPr/>
         </p:nvSpPr>
         <p:spPr>
           <a:xfrm>
             <a:off x="457200" y="434520"/>
-            <a:ext cx="8686440" cy="1141200"/>
-          </a:xfrm>
-          <a:prstGeom prst="rect">
-            <a:avLst/>
-          </a:prstGeom>
-        </p:spPr>
-        <p:txBody>
-          <a:bodyPr tIns="91440" bIns="91440" anchor="b"/>
+            <a:ext cx="8686080" cy="1140840"/>
+          </a:xfrm>
+          <a:prstGeom prst="rect">
+            <a:avLst/>
+          </a:prstGeom>
+          <a:noFill/>
+          <a:ln>
+            <a:noFill/>
+          </a:ln>
+        </p:spPr>
+        <p:txBody>
+          <a:bodyPr lIns="90000" rIns="90000" tIns="91440" bIns="91440" anchor="b"/>
           <a:p>
             <a:pPr>
               <a:lnSpc>
@@ -19867,21 +20527,25 @@
       </p:sp>
       <p:sp>
         <p:nvSpPr>
-          <p:cNvPr id="261" name="TextShape 2"/>
-          <p:cNvSpPr txBox="1"/>
+          <p:cNvPr id="262" name="CustomShape 2"/>
+          <p:cNvSpPr/>
           <p:nvPr/>
         </p:nvSpPr>
         <p:spPr>
           <a:xfrm>
             <a:off x="457200" y="1536840"/>
-            <a:ext cx="8229240" cy="3146040"/>
-          </a:xfrm>
-          <a:prstGeom prst="rect">
-            <a:avLst/>
-          </a:prstGeom>
-        </p:spPr>
-        <p:txBody>
-          <a:bodyPr tIns="91440" bIns="91440"/>
+            <a:ext cx="8228880" cy="3145680"/>
+          </a:xfrm>
+          <a:prstGeom prst="rect">
+            <a:avLst/>
+          </a:prstGeom>
+          <a:noFill/>
+          <a:ln>
+            <a:noFill/>
+          </a:ln>
+        </p:spPr>
+        <p:txBody>
+          <a:bodyPr lIns="90000" rIns="90000" tIns="91440" bIns="91440"/>
           <a:p>
             <a:pPr>
               <a:lnSpc>
@@ -20056,14 +20720,14 @@
       </p:sp>
       <p:sp>
         <p:nvSpPr>
-          <p:cNvPr id="262" name="CustomShape 3"/>
+          <p:cNvPr id="263" name="CustomShape 3"/>
           <p:cNvSpPr/>
           <p:nvPr/>
         </p:nvSpPr>
         <p:spPr>
           <a:xfrm>
             <a:off x="3477960" y="4588200"/>
-            <a:ext cx="5665680" cy="303480"/>
+            <a:ext cx="5665320" cy="303120"/>
           </a:xfrm>
           <a:prstGeom prst="rect">
             <a:avLst/>
@@ -20206,21 +20870,25 @@
       </p:grpSpPr>
       <p:sp>
         <p:nvSpPr>
-          <p:cNvPr id="263" name="TextShape 1"/>
-          <p:cNvSpPr txBox="1"/>
+          <p:cNvPr id="264" name="CustomShape 1"/>
+          <p:cNvSpPr/>
           <p:nvPr/>
         </p:nvSpPr>
         <p:spPr>
           <a:xfrm>
             <a:off x="457200" y="434520"/>
-            <a:ext cx="8686440" cy="1141200"/>
-          </a:xfrm>
-          <a:prstGeom prst="rect">
-            <a:avLst/>
-          </a:prstGeom>
-        </p:spPr>
-        <p:txBody>
-          <a:bodyPr tIns="91440" bIns="91440" anchor="b"/>
+            <a:ext cx="8686080" cy="1140840"/>
+          </a:xfrm>
+          <a:prstGeom prst="rect">
+            <a:avLst/>
+          </a:prstGeom>
+          <a:noFill/>
+          <a:ln>
+            <a:noFill/>
+          </a:ln>
+        </p:spPr>
+        <p:txBody>
+          <a:bodyPr lIns="90000" rIns="90000" tIns="91440" bIns="91440" anchor="b"/>
           <a:p>
             <a:pPr>
               <a:lnSpc>
@@ -20243,21 +20911,25 @@
       </p:sp>
       <p:sp>
         <p:nvSpPr>
-          <p:cNvPr id="264" name="TextShape 2"/>
-          <p:cNvSpPr txBox="1"/>
+          <p:cNvPr id="265" name="CustomShape 2"/>
+          <p:cNvSpPr/>
           <p:nvPr/>
         </p:nvSpPr>
         <p:spPr>
           <a:xfrm>
             <a:off x="457200" y="1536840"/>
-            <a:ext cx="8229240" cy="3146040"/>
-          </a:xfrm>
-          <a:prstGeom prst="rect">
-            <a:avLst/>
-          </a:prstGeom>
-        </p:spPr>
-        <p:txBody>
-          <a:bodyPr tIns="91440" bIns="91440"/>
+            <a:ext cx="8228880" cy="3145680"/>
+          </a:xfrm>
+          <a:prstGeom prst="rect">
+            <a:avLst/>
+          </a:prstGeom>
+          <a:noFill/>
+          <a:ln>
+            <a:noFill/>
+          </a:ln>
+        </p:spPr>
+        <p:txBody>
+          <a:bodyPr lIns="90000" rIns="90000" tIns="91440" bIns="91440"/>
           <a:p>
             <a:pPr>
               <a:lnSpc>
@@ -20331,7 +21003,7 @@
       </p:grpSpPr>
       <p:pic>
         <p:nvPicPr>
-          <p:cNvPr id="132" name="Picture 1" descr=""/>
+          <p:cNvPr id="133" name="Picture 1" descr=""/>
           <p:cNvPicPr/>
           <p:nvPr/>
         </p:nvPicPr>
@@ -20344,7 +21016,7 @@
         <p:spPr>
           <a:xfrm>
             <a:off x="386640" y="503280"/>
-            <a:ext cx="8427600" cy="4147200"/>
+            <a:ext cx="8427240" cy="4146840"/>
           </a:xfrm>
           <a:prstGeom prst="rect">
             <a:avLst/>
@@ -20405,21 +21077,25 @@
       </p:grpSpPr>
       <p:sp>
         <p:nvSpPr>
-          <p:cNvPr id="265" name="TextShape 1"/>
-          <p:cNvSpPr txBox="1"/>
+          <p:cNvPr id="266" name="CustomShape 1"/>
+          <p:cNvSpPr/>
           <p:nvPr/>
         </p:nvSpPr>
         <p:spPr>
           <a:xfrm>
             <a:off x="457200" y="434520"/>
-            <a:ext cx="8686440" cy="1141200"/>
-          </a:xfrm>
-          <a:prstGeom prst="rect">
-            <a:avLst/>
-          </a:prstGeom>
-        </p:spPr>
-        <p:txBody>
-          <a:bodyPr tIns="91440" bIns="91440" anchor="b"/>
+            <a:ext cx="8686080" cy="1140840"/>
+          </a:xfrm>
+          <a:prstGeom prst="rect">
+            <a:avLst/>
+          </a:prstGeom>
+          <a:noFill/>
+          <a:ln>
+            <a:noFill/>
+          </a:ln>
+        </p:spPr>
+        <p:txBody>
+          <a:bodyPr lIns="90000" rIns="90000" tIns="91440" bIns="91440" anchor="b"/>
           <a:p>
             <a:pPr>
               <a:lnSpc>
@@ -20442,21 +21118,25 @@
       </p:sp>
       <p:sp>
         <p:nvSpPr>
-          <p:cNvPr id="266" name="TextShape 2"/>
-          <p:cNvSpPr txBox="1"/>
+          <p:cNvPr id="267" name="CustomShape 2"/>
+          <p:cNvSpPr/>
           <p:nvPr/>
         </p:nvSpPr>
         <p:spPr>
           <a:xfrm>
             <a:off x="457200" y="1536840"/>
-            <a:ext cx="8229240" cy="3146040"/>
-          </a:xfrm>
-          <a:prstGeom prst="rect">
-            <a:avLst/>
-          </a:prstGeom>
-        </p:spPr>
-        <p:txBody>
-          <a:bodyPr tIns="91440" bIns="91440"/>
+            <a:ext cx="8228880" cy="3145680"/>
+          </a:xfrm>
+          <a:prstGeom prst="rect">
+            <a:avLst/>
+          </a:prstGeom>
+          <a:noFill/>
+          <a:ln>
+            <a:noFill/>
+          </a:ln>
+        </p:spPr>
+        <p:txBody>
+          <a:bodyPr lIns="90000" rIns="90000" tIns="91440" bIns="91440"/>
           <a:p>
             <a:pPr>
               <a:lnSpc>
@@ -20638,21 +21318,25 @@
       </p:grpSpPr>
       <p:sp>
         <p:nvSpPr>
-          <p:cNvPr id="267" name="TextShape 1"/>
-          <p:cNvSpPr txBox="1"/>
+          <p:cNvPr id="268" name="CustomShape 1"/>
+          <p:cNvSpPr/>
           <p:nvPr/>
         </p:nvSpPr>
         <p:spPr>
           <a:xfrm>
             <a:off x="457200" y="434520"/>
-            <a:ext cx="8686440" cy="1141200"/>
-          </a:xfrm>
-          <a:prstGeom prst="rect">
-            <a:avLst/>
-          </a:prstGeom>
-        </p:spPr>
-        <p:txBody>
-          <a:bodyPr tIns="91440" bIns="91440" anchor="b"/>
+            <a:ext cx="8686080" cy="1140840"/>
+          </a:xfrm>
+          <a:prstGeom prst="rect">
+            <a:avLst/>
+          </a:prstGeom>
+          <a:noFill/>
+          <a:ln>
+            <a:noFill/>
+          </a:ln>
+        </p:spPr>
+        <p:txBody>
+          <a:bodyPr lIns="90000" rIns="90000" tIns="91440" bIns="91440" anchor="b"/>
           <a:p>
             <a:pPr>
               <a:lnSpc>
@@ -20675,21 +21359,25 @@
       </p:sp>
       <p:sp>
         <p:nvSpPr>
-          <p:cNvPr id="268" name="TextShape 2"/>
-          <p:cNvSpPr txBox="1"/>
+          <p:cNvPr id="269" name="CustomShape 2"/>
+          <p:cNvSpPr/>
           <p:nvPr/>
         </p:nvSpPr>
         <p:spPr>
           <a:xfrm>
             <a:off x="457200" y="1536840"/>
-            <a:ext cx="8229240" cy="3146040"/>
-          </a:xfrm>
-          <a:prstGeom prst="rect">
-            <a:avLst/>
-          </a:prstGeom>
-        </p:spPr>
-        <p:txBody>
-          <a:bodyPr tIns="91440" bIns="91440"/>
+            <a:ext cx="8228880" cy="3145680"/>
+          </a:xfrm>
+          <a:prstGeom prst="rect">
+            <a:avLst/>
+          </a:prstGeom>
+          <a:noFill/>
+          <a:ln>
+            <a:noFill/>
+          </a:ln>
+        </p:spPr>
+        <p:txBody>
+          <a:bodyPr lIns="90000" rIns="90000" tIns="91440" bIns="91440"/>
           <a:p>
             <a:pPr>
               <a:lnSpc>
@@ -20823,21 +21511,25 @@
       </p:grpSpPr>
       <p:sp>
         <p:nvSpPr>
-          <p:cNvPr id="269" name="TextShape 1"/>
-          <p:cNvSpPr txBox="1"/>
+          <p:cNvPr id="270" name="CustomShape 1"/>
+          <p:cNvSpPr/>
           <p:nvPr/>
         </p:nvSpPr>
         <p:spPr>
           <a:xfrm>
             <a:off x="457200" y="434520"/>
-            <a:ext cx="8686440" cy="1141200"/>
-          </a:xfrm>
-          <a:prstGeom prst="rect">
-            <a:avLst/>
-          </a:prstGeom>
-        </p:spPr>
-        <p:txBody>
-          <a:bodyPr tIns="91440" bIns="91440" anchor="b"/>
+            <a:ext cx="8686080" cy="1140840"/>
+          </a:xfrm>
+          <a:prstGeom prst="rect">
+            <a:avLst/>
+          </a:prstGeom>
+          <a:noFill/>
+          <a:ln>
+            <a:noFill/>
+          </a:ln>
+        </p:spPr>
+        <p:txBody>
+          <a:bodyPr lIns="90000" rIns="90000" tIns="91440" bIns="91440" anchor="b"/>
           <a:p>
             <a:pPr>
               <a:lnSpc>
@@ -20860,21 +21552,25 @@
       </p:sp>
       <p:sp>
         <p:nvSpPr>
-          <p:cNvPr id="270" name="TextShape 2"/>
-          <p:cNvSpPr txBox="1"/>
+          <p:cNvPr id="271" name="CustomShape 2"/>
+          <p:cNvSpPr/>
           <p:nvPr/>
         </p:nvSpPr>
         <p:spPr>
           <a:xfrm>
             <a:off x="457200" y="1536840"/>
-            <a:ext cx="8229240" cy="3146040"/>
-          </a:xfrm>
-          <a:prstGeom prst="rect">
-            <a:avLst/>
-          </a:prstGeom>
-        </p:spPr>
-        <p:txBody>
-          <a:bodyPr tIns="91440" bIns="91440"/>
+            <a:ext cx="8228880" cy="3145680"/>
+          </a:xfrm>
+          <a:prstGeom prst="rect">
+            <a:avLst/>
+          </a:prstGeom>
+          <a:noFill/>
+          <a:ln>
+            <a:noFill/>
+          </a:ln>
+        </p:spPr>
+        <p:txBody>
+          <a:bodyPr lIns="90000" rIns="90000" tIns="91440" bIns="91440"/>
           <a:p>
             <a:pPr>
               <a:lnSpc>
@@ -21048,21 +21744,25 @@
       </p:grpSpPr>
       <p:sp>
         <p:nvSpPr>
-          <p:cNvPr id="271" name="TextShape 1"/>
-          <p:cNvSpPr txBox="1"/>
+          <p:cNvPr id="272" name="CustomShape 1"/>
+          <p:cNvSpPr/>
           <p:nvPr/>
         </p:nvSpPr>
         <p:spPr>
           <a:xfrm>
             <a:off x="457200" y="434520"/>
-            <a:ext cx="8686440" cy="1141200"/>
-          </a:xfrm>
-          <a:prstGeom prst="rect">
-            <a:avLst/>
-          </a:prstGeom>
-        </p:spPr>
-        <p:txBody>
-          <a:bodyPr tIns="91440" bIns="91440" anchor="b"/>
+            <a:ext cx="8686080" cy="1140840"/>
+          </a:xfrm>
+          <a:prstGeom prst="rect">
+            <a:avLst/>
+          </a:prstGeom>
+          <a:noFill/>
+          <a:ln>
+            <a:noFill/>
+          </a:ln>
+        </p:spPr>
+        <p:txBody>
+          <a:bodyPr lIns="90000" rIns="90000" tIns="91440" bIns="91440" anchor="b"/>
           <a:p>
             <a:pPr>
               <a:lnSpc>
@@ -21085,21 +21785,25 @@
       </p:sp>
       <p:sp>
         <p:nvSpPr>
-          <p:cNvPr id="272" name="TextShape 2"/>
-          <p:cNvSpPr txBox="1"/>
+          <p:cNvPr id="273" name="CustomShape 2"/>
+          <p:cNvSpPr/>
           <p:nvPr/>
         </p:nvSpPr>
         <p:spPr>
           <a:xfrm>
             <a:off x="457200" y="1536840"/>
-            <a:ext cx="8229240" cy="3146040"/>
-          </a:xfrm>
-          <a:prstGeom prst="rect">
-            <a:avLst/>
-          </a:prstGeom>
-        </p:spPr>
-        <p:txBody>
-          <a:bodyPr tIns="91440" bIns="91440"/>
+            <a:ext cx="8228880" cy="3145680"/>
+          </a:xfrm>
+          <a:prstGeom prst="rect">
+            <a:avLst/>
+          </a:prstGeom>
+          <a:noFill/>
+          <a:ln>
+            <a:noFill/>
+          </a:ln>
+        </p:spPr>
+        <p:txBody>
+          <a:bodyPr lIns="90000" rIns="90000" tIns="91440" bIns="91440"/>
           <a:p>
             <a:pPr>
               <a:lnSpc>
@@ -21233,21 +21937,25 @@
       </p:grpSpPr>
       <p:sp>
         <p:nvSpPr>
-          <p:cNvPr id="273" name="TextShape 1"/>
-          <p:cNvSpPr txBox="1"/>
+          <p:cNvPr id="274" name="CustomShape 1"/>
+          <p:cNvSpPr/>
           <p:nvPr/>
         </p:nvSpPr>
         <p:spPr>
           <a:xfrm>
             <a:off x="457200" y="434520"/>
-            <a:ext cx="8686440" cy="1141200"/>
-          </a:xfrm>
-          <a:prstGeom prst="rect">
-            <a:avLst/>
-          </a:prstGeom>
-        </p:spPr>
-        <p:txBody>
-          <a:bodyPr tIns="91440" bIns="91440" anchor="b"/>
+            <a:ext cx="8686080" cy="1140840"/>
+          </a:xfrm>
+          <a:prstGeom prst="rect">
+            <a:avLst/>
+          </a:prstGeom>
+          <a:noFill/>
+          <a:ln>
+            <a:noFill/>
+          </a:ln>
+        </p:spPr>
+        <p:txBody>
+          <a:bodyPr lIns="90000" rIns="90000" tIns="91440" bIns="91440" anchor="b"/>
           <a:p>
             <a:pPr>
               <a:lnSpc>
@@ -21270,21 +21978,25 @@
       </p:sp>
       <p:sp>
         <p:nvSpPr>
-          <p:cNvPr id="274" name="TextShape 2"/>
-          <p:cNvSpPr txBox="1"/>
+          <p:cNvPr id="275" name="CustomShape 2"/>
+          <p:cNvSpPr/>
           <p:nvPr/>
         </p:nvSpPr>
         <p:spPr>
           <a:xfrm>
             <a:off x="457200" y="1536840"/>
-            <a:ext cx="8229240" cy="3146040"/>
-          </a:xfrm>
-          <a:prstGeom prst="rect">
-            <a:avLst/>
-          </a:prstGeom>
-        </p:spPr>
-        <p:txBody>
-          <a:bodyPr tIns="91440" bIns="91440"/>
+            <a:ext cx="8228880" cy="3145680"/>
+          </a:xfrm>
+          <a:prstGeom prst="rect">
+            <a:avLst/>
+          </a:prstGeom>
+          <a:noFill/>
+          <a:ln>
+            <a:noFill/>
+          </a:ln>
+        </p:spPr>
+        <p:txBody>
+          <a:bodyPr lIns="90000" rIns="90000" tIns="91440" bIns="91440"/>
           <a:p>
             <a:pPr>
               <a:lnSpc>
@@ -21386,21 +22098,25 @@
       </p:grpSpPr>
       <p:sp>
         <p:nvSpPr>
-          <p:cNvPr id="275" name="TextShape 1"/>
-          <p:cNvSpPr txBox="1"/>
+          <p:cNvPr id="276" name="CustomShape 1"/>
+          <p:cNvSpPr/>
           <p:nvPr/>
         </p:nvSpPr>
         <p:spPr>
           <a:xfrm>
             <a:off x="457200" y="434520"/>
-            <a:ext cx="8686440" cy="1141200"/>
-          </a:xfrm>
-          <a:prstGeom prst="rect">
-            <a:avLst/>
-          </a:prstGeom>
-        </p:spPr>
-        <p:txBody>
-          <a:bodyPr tIns="91440" bIns="91440" anchor="b"/>
+            <a:ext cx="8686080" cy="1140840"/>
+          </a:xfrm>
+          <a:prstGeom prst="rect">
+            <a:avLst/>
+          </a:prstGeom>
+          <a:noFill/>
+          <a:ln>
+            <a:noFill/>
+          </a:ln>
+        </p:spPr>
+        <p:txBody>
+          <a:bodyPr lIns="90000" rIns="90000" tIns="91440" bIns="91440" anchor="b"/>
           <a:p>
             <a:pPr>
               <a:lnSpc>
@@ -21423,21 +22139,25 @@
       </p:sp>
       <p:sp>
         <p:nvSpPr>
-          <p:cNvPr id="276" name="TextShape 2"/>
-          <p:cNvSpPr txBox="1"/>
+          <p:cNvPr id="277" name="CustomShape 2"/>
+          <p:cNvSpPr/>
           <p:nvPr/>
         </p:nvSpPr>
         <p:spPr>
           <a:xfrm>
             <a:off x="457200" y="1536840"/>
-            <a:ext cx="8229240" cy="3146040"/>
-          </a:xfrm>
-          <a:prstGeom prst="rect">
-            <a:avLst/>
-          </a:prstGeom>
-        </p:spPr>
-        <p:txBody>
-          <a:bodyPr tIns="91440" bIns="91440"/>
+            <a:ext cx="8228880" cy="3145680"/>
+          </a:xfrm>
+          <a:prstGeom prst="rect">
+            <a:avLst/>
+          </a:prstGeom>
+          <a:noFill/>
+          <a:ln>
+            <a:noFill/>
+          </a:ln>
+        </p:spPr>
+        <p:txBody>
+          <a:bodyPr lIns="90000" rIns="90000" tIns="91440" bIns="91440"/>
           <a:p>
             <a:pPr>
               <a:lnSpc>
@@ -21577,21 +22297,25 @@
       </p:grpSpPr>
       <p:sp>
         <p:nvSpPr>
-          <p:cNvPr id="277" name="TextShape 1"/>
-          <p:cNvSpPr txBox="1"/>
+          <p:cNvPr id="278" name="CustomShape 1"/>
+          <p:cNvSpPr/>
           <p:nvPr/>
         </p:nvSpPr>
         <p:spPr>
           <a:xfrm>
             <a:off x="457200" y="434520"/>
-            <a:ext cx="8686440" cy="1141200"/>
-          </a:xfrm>
-          <a:prstGeom prst="rect">
-            <a:avLst/>
-          </a:prstGeom>
-        </p:spPr>
-        <p:txBody>
-          <a:bodyPr tIns="91440" bIns="91440" anchor="b"/>
+            <a:ext cx="8686080" cy="1140840"/>
+          </a:xfrm>
+          <a:prstGeom prst="rect">
+            <a:avLst/>
+          </a:prstGeom>
+          <a:noFill/>
+          <a:ln>
+            <a:noFill/>
+          </a:ln>
+        </p:spPr>
+        <p:txBody>
+          <a:bodyPr lIns="90000" rIns="90000" tIns="91440" bIns="91440" anchor="b"/>
           <a:p>
             <a:pPr>
               <a:lnSpc>
@@ -21614,21 +22338,25 @@
       </p:sp>
       <p:sp>
         <p:nvSpPr>
-          <p:cNvPr id="278" name="TextShape 2"/>
-          <p:cNvSpPr txBox="1"/>
+          <p:cNvPr id="279" name="CustomShape 2"/>
+          <p:cNvSpPr/>
           <p:nvPr/>
         </p:nvSpPr>
         <p:spPr>
           <a:xfrm>
             <a:off x="457200" y="1536840"/>
-            <a:ext cx="8229240" cy="3146040"/>
-          </a:xfrm>
-          <a:prstGeom prst="rect">
-            <a:avLst/>
-          </a:prstGeom>
-        </p:spPr>
-        <p:txBody>
-          <a:bodyPr tIns="91440" bIns="91440"/>
+            <a:ext cx="8228880" cy="3145680"/>
+          </a:xfrm>
+          <a:prstGeom prst="rect">
+            <a:avLst/>
+          </a:prstGeom>
+          <a:noFill/>
+          <a:ln>
+            <a:noFill/>
+          </a:ln>
+        </p:spPr>
+        <p:txBody>
+          <a:bodyPr lIns="90000" rIns="90000" tIns="91440" bIns="91440"/>
           <a:p>
             <a:pPr>
               <a:lnSpc>
@@ -21842,21 +22570,25 @@
       </p:grpSpPr>
       <p:sp>
         <p:nvSpPr>
-          <p:cNvPr id="279" name="TextShape 1"/>
-          <p:cNvSpPr txBox="1"/>
+          <p:cNvPr id="280" name="CustomShape 1"/>
+          <p:cNvSpPr/>
           <p:nvPr/>
         </p:nvSpPr>
         <p:spPr>
           <a:xfrm>
             <a:off x="457200" y="434520"/>
-            <a:ext cx="8686440" cy="1141200"/>
-          </a:xfrm>
-          <a:prstGeom prst="rect">
-            <a:avLst/>
-          </a:prstGeom>
-        </p:spPr>
-        <p:txBody>
-          <a:bodyPr tIns="91440" bIns="91440" anchor="b"/>
+            <a:ext cx="8686080" cy="1140840"/>
+          </a:xfrm>
+          <a:prstGeom prst="rect">
+            <a:avLst/>
+          </a:prstGeom>
+          <a:noFill/>
+          <a:ln>
+            <a:noFill/>
+          </a:ln>
+        </p:spPr>
+        <p:txBody>
+          <a:bodyPr lIns="90000" rIns="90000" tIns="91440" bIns="91440" anchor="b"/>
           <a:p>
             <a:pPr>
               <a:lnSpc>
@@ -21879,21 +22611,25 @@
       </p:sp>
       <p:sp>
         <p:nvSpPr>
-          <p:cNvPr id="280" name="TextShape 2"/>
-          <p:cNvSpPr txBox="1"/>
+          <p:cNvPr id="281" name="CustomShape 2"/>
+          <p:cNvSpPr/>
           <p:nvPr/>
         </p:nvSpPr>
         <p:spPr>
           <a:xfrm>
             <a:off x="457200" y="1536840"/>
-            <a:ext cx="8229240" cy="3146040"/>
-          </a:xfrm>
-          <a:prstGeom prst="rect">
-            <a:avLst/>
-          </a:prstGeom>
-        </p:spPr>
-        <p:txBody>
-          <a:bodyPr tIns="91440" bIns="91440"/>
+            <a:ext cx="8228880" cy="3145680"/>
+          </a:xfrm>
+          <a:prstGeom prst="rect">
+            <a:avLst/>
+          </a:prstGeom>
+          <a:noFill/>
+          <a:ln>
+            <a:noFill/>
+          </a:ln>
+        </p:spPr>
+        <p:txBody>
+          <a:bodyPr lIns="90000" rIns="90000" tIns="91440" bIns="91440"/>
           <a:p>
             <a:pPr>
               <a:lnSpc>
@@ -22063,21 +22799,25 @@
       </p:grpSpPr>
       <p:sp>
         <p:nvSpPr>
-          <p:cNvPr id="281" name="TextShape 1"/>
-          <p:cNvSpPr txBox="1"/>
+          <p:cNvPr id="282" name="CustomShape 1"/>
+          <p:cNvSpPr/>
           <p:nvPr/>
         </p:nvSpPr>
         <p:spPr>
           <a:xfrm>
             <a:off x="457200" y="434520"/>
-            <a:ext cx="8686440" cy="1141200"/>
-          </a:xfrm>
-          <a:prstGeom prst="rect">
-            <a:avLst/>
-          </a:prstGeom>
-        </p:spPr>
-        <p:txBody>
-          <a:bodyPr tIns="91440" bIns="91440" anchor="b"/>
+            <a:ext cx="8686080" cy="1140840"/>
+          </a:xfrm>
+          <a:prstGeom prst="rect">
+            <a:avLst/>
+          </a:prstGeom>
+          <a:noFill/>
+          <a:ln>
+            <a:noFill/>
+          </a:ln>
+        </p:spPr>
+        <p:txBody>
+          <a:bodyPr lIns="90000" rIns="90000" tIns="91440" bIns="91440" anchor="b"/>
           <a:p>
             <a:pPr>
               <a:lnSpc>
@@ -22100,21 +22840,25 @@
       </p:sp>
       <p:sp>
         <p:nvSpPr>
-          <p:cNvPr id="282" name="TextShape 2"/>
-          <p:cNvSpPr txBox="1"/>
+          <p:cNvPr id="283" name="CustomShape 2"/>
+          <p:cNvSpPr/>
           <p:nvPr/>
         </p:nvSpPr>
         <p:spPr>
           <a:xfrm>
             <a:off x="457200" y="1536840"/>
-            <a:ext cx="8229240" cy="3146040"/>
-          </a:xfrm>
-          <a:prstGeom prst="rect">
-            <a:avLst/>
-          </a:prstGeom>
-        </p:spPr>
-        <p:txBody>
-          <a:bodyPr tIns="91440" bIns="91440"/>
+            <a:ext cx="8228880" cy="3145680"/>
+          </a:xfrm>
+          <a:prstGeom prst="rect">
+            <a:avLst/>
+          </a:prstGeom>
+          <a:noFill/>
+          <a:ln>
+            <a:noFill/>
+          </a:ln>
+        </p:spPr>
+        <p:txBody>
+          <a:bodyPr lIns="90000" rIns="90000" tIns="91440" bIns="91440"/>
           <a:p>
             <a:pPr>
               <a:lnSpc>
@@ -22348,21 +23092,25 @@
       </p:grpSpPr>
       <p:sp>
         <p:nvSpPr>
-          <p:cNvPr id="283" name="TextShape 1"/>
-          <p:cNvSpPr txBox="1"/>
+          <p:cNvPr id="284" name="CustomShape 1"/>
+          <p:cNvSpPr/>
           <p:nvPr/>
         </p:nvSpPr>
         <p:spPr>
           <a:xfrm>
             <a:off x="457200" y="434520"/>
-            <a:ext cx="8686440" cy="1141200"/>
-          </a:xfrm>
-          <a:prstGeom prst="rect">
-            <a:avLst/>
-          </a:prstGeom>
-        </p:spPr>
-        <p:txBody>
-          <a:bodyPr tIns="91440" bIns="91440" anchor="b"/>
+            <a:ext cx="8686080" cy="1140840"/>
+          </a:xfrm>
+          <a:prstGeom prst="rect">
+            <a:avLst/>
+          </a:prstGeom>
+          <a:noFill/>
+          <a:ln>
+            <a:noFill/>
+          </a:ln>
+        </p:spPr>
+        <p:txBody>
+          <a:bodyPr lIns="90000" rIns="90000" tIns="91440" bIns="91440" anchor="b"/>
           <a:p>
             <a:pPr>
               <a:lnSpc>
@@ -22385,21 +23133,25 @@
       </p:sp>
       <p:sp>
         <p:nvSpPr>
-          <p:cNvPr id="284" name="TextShape 2"/>
-          <p:cNvSpPr txBox="1"/>
+          <p:cNvPr id="285" name="CustomShape 2"/>
+          <p:cNvSpPr/>
           <p:nvPr/>
         </p:nvSpPr>
         <p:spPr>
           <a:xfrm>
             <a:off x="457200" y="1536840"/>
-            <a:ext cx="8229240" cy="3146040"/>
-          </a:xfrm>
-          <a:prstGeom prst="rect">
-            <a:avLst/>
-          </a:prstGeom>
-        </p:spPr>
-        <p:txBody>
-          <a:bodyPr tIns="91440" bIns="91440"/>
+            <a:ext cx="8228880" cy="3145680"/>
+          </a:xfrm>
+          <a:prstGeom prst="rect">
+            <a:avLst/>
+          </a:prstGeom>
+          <a:noFill/>
+          <a:ln>
+            <a:noFill/>
+          </a:ln>
+        </p:spPr>
+        <p:txBody>
+          <a:bodyPr lIns="90000" rIns="90000" tIns="91440" bIns="91440"/>
           <a:p>
             <a:pPr>
               <a:lnSpc>
